--- a/trunk/ProgramDesign.pptx
+++ b/trunk/ProgramDesign.pptx
@@ -3097,359 +3097,13 @@
       </p:grpSpPr>
       <p:sp>
         <p:nvSpPr>
-          <p:cNvPr id="8" name="Rectangle 7"/>
-          <p:cNvSpPr/>
-          <p:nvPr/>
-        </p:nvSpPr>
-        <p:spPr>
-          <a:xfrm>
-            <a:off x="1769390" y="5270043"/>
-            <a:ext cx="3200400" cy="1295400"/>
-          </a:xfrm>
-          <a:prstGeom prst="rect">
-            <a:avLst/>
-          </a:prstGeom>
-        </p:spPr>
-        <p:style>
-          <a:lnRef idx="2">
-            <a:schemeClr val="dk1"/>
-          </a:lnRef>
-          <a:fillRef idx="1">
-            <a:schemeClr val="lt1"/>
-          </a:fillRef>
-          <a:effectRef idx="0">
-            <a:schemeClr val="dk1"/>
-          </a:effectRef>
-          <a:fontRef idx="minor">
-            <a:schemeClr val="dk1"/>
-          </a:fontRef>
-        </p:style>
-        <p:txBody>
-          <a:bodyPr rtlCol="0" anchor="ctr"/>
-          <a:lstStyle/>
-          <a:p>
-            <a:pPr algn="ctr"/>
-            <a:r>
-              <a:rPr lang="en-US" dirty="0" smtClean="0"/>
-              <a:t>Psychophysics Experiment Configuration</a:t>
-            </a:r>
-          </a:p>
-          <a:p>
-            <a:pPr algn="ctr"/>
-            <a:r>
-              <a:rPr lang="en-US" dirty="0" err="1" smtClean="0">
-                <a:latin typeface="Courier New" panose="02070309020205020404" pitchFamily="49" charset="0"/>
-                <a:cs typeface="Courier New" panose="02070309020205020404" pitchFamily="49" charset="0"/>
-              </a:rPr>
-              <a:t>ep_PsychConfig</a:t>
-            </a:r>
-            <a:endParaRPr lang="en-US" dirty="0" smtClean="0">
-              <a:latin typeface="Courier New" panose="02070309020205020404" pitchFamily="49" charset="0"/>
-              <a:cs typeface="Courier New" panose="02070309020205020404" pitchFamily="49" charset="0"/>
-            </a:endParaRPr>
-          </a:p>
-          <a:p>
-            <a:pPr algn="ctr"/>
-            <a:r>
-              <a:rPr lang="en-US" dirty="0" smtClean="0">
-                <a:latin typeface="Courier New" panose="02070309020205020404" pitchFamily="49" charset="0"/>
-                <a:cs typeface="Courier New" panose="02070309020205020404" pitchFamily="49" charset="0"/>
-              </a:rPr>
-              <a:t>(*.</a:t>
-            </a:r>
-            <a:r>
-              <a:rPr lang="en-US" dirty="0" err="1" smtClean="0">
-                <a:latin typeface="Courier New" panose="02070309020205020404" pitchFamily="49" charset="0"/>
-                <a:cs typeface="Courier New" panose="02070309020205020404" pitchFamily="49" charset="0"/>
-              </a:rPr>
-              <a:t>config</a:t>
-            </a:r>
-            <a:r>
-              <a:rPr lang="en-US" dirty="0" smtClean="0">
-                <a:latin typeface="Courier New" panose="02070309020205020404" pitchFamily="49" charset="0"/>
-                <a:cs typeface="Courier New" panose="02070309020205020404" pitchFamily="49" charset="0"/>
-              </a:rPr>
-              <a:t>)</a:t>
-            </a:r>
-            <a:endParaRPr lang="en-CA" dirty="0">
-              <a:latin typeface="Courier New" panose="02070309020205020404" pitchFamily="49" charset="0"/>
-              <a:cs typeface="Courier New" panose="02070309020205020404" pitchFamily="49" charset="0"/>
-            </a:endParaRPr>
-          </a:p>
-        </p:txBody>
-      </p:sp>
-      <p:grpSp>
-        <p:nvGrpSpPr>
-          <p:cNvPr id="16" name="Group 15"/>
-          <p:cNvGrpSpPr/>
-          <p:nvPr/>
-        </p:nvGrpSpPr>
-        <p:grpSpPr>
-          <a:xfrm>
-            <a:off x="1312190" y="2649874"/>
-            <a:ext cx="3657600" cy="1752600"/>
-            <a:chOff x="990600" y="1066800"/>
-            <a:chExt cx="3657600" cy="1752600"/>
-          </a:xfrm>
-        </p:grpSpPr>
-        <p:sp>
-          <p:nvSpPr>
-            <p:cNvPr id="4" name="Rectangle 3"/>
-            <p:cNvSpPr/>
-            <p:nvPr/>
-          </p:nvSpPr>
-          <p:spPr>
-            <a:xfrm>
-              <a:off x="990600" y="1066800"/>
-              <a:ext cx="3200400" cy="1295400"/>
-            </a:xfrm>
-            <a:prstGeom prst="rect">
-              <a:avLst/>
-            </a:prstGeom>
-          </p:spPr>
-          <p:style>
-            <a:lnRef idx="2">
-              <a:schemeClr val="dk1"/>
-            </a:lnRef>
-            <a:fillRef idx="1">
-              <a:schemeClr val="lt1"/>
-            </a:fillRef>
-            <a:effectRef idx="0">
-              <a:schemeClr val="dk1"/>
-            </a:effectRef>
-            <a:fontRef idx="minor">
-              <a:schemeClr val="dk1"/>
-            </a:fontRef>
-          </p:style>
-          <p:txBody>
-            <a:bodyPr rtlCol="0" anchor="ctr"/>
-            <a:lstStyle/>
-            <a:p>
-              <a:pPr algn="ctr"/>
-              <a:r>
-                <a:rPr lang="en-US" dirty="0" smtClean="0"/>
-                <a:t>Experiment Protocol</a:t>
-              </a:r>
-            </a:p>
-            <a:p>
-              <a:pPr algn="ctr"/>
-              <a:r>
-                <a:rPr lang="en-US" dirty="0" err="1" smtClean="0">
-                  <a:latin typeface="Courier New" panose="02070309020205020404" pitchFamily="49" charset="0"/>
-                  <a:cs typeface="Courier New" panose="02070309020205020404" pitchFamily="49" charset="0"/>
-                </a:rPr>
-                <a:t>ep_ExperimentDesign</a:t>
-              </a:r>
-              <a:endParaRPr lang="en-CA" dirty="0">
-                <a:latin typeface="Courier New" panose="02070309020205020404" pitchFamily="49" charset="0"/>
-                <a:cs typeface="Courier New" panose="02070309020205020404" pitchFamily="49" charset="0"/>
-              </a:endParaRPr>
-            </a:p>
-          </p:txBody>
-        </p:sp>
-        <p:sp>
-          <p:nvSpPr>
-            <p:cNvPr id="5" name="Rectangle 4"/>
-            <p:cNvSpPr/>
-            <p:nvPr/>
-          </p:nvSpPr>
-          <p:spPr>
-            <a:xfrm>
-              <a:off x="1143000" y="1219200"/>
-              <a:ext cx="3200400" cy="1295400"/>
-            </a:xfrm>
-            <a:prstGeom prst="rect">
-              <a:avLst/>
-            </a:prstGeom>
-          </p:spPr>
-          <p:style>
-            <a:lnRef idx="2">
-              <a:schemeClr val="dk1"/>
-            </a:lnRef>
-            <a:fillRef idx="1">
-              <a:schemeClr val="lt1"/>
-            </a:fillRef>
-            <a:effectRef idx="0">
-              <a:schemeClr val="dk1"/>
-            </a:effectRef>
-            <a:fontRef idx="minor">
-              <a:schemeClr val="dk1"/>
-            </a:fontRef>
-          </p:style>
-          <p:txBody>
-            <a:bodyPr rtlCol="0" anchor="ctr"/>
-            <a:lstStyle/>
-            <a:p>
-              <a:pPr algn="ctr"/>
-              <a:r>
-                <a:rPr lang="en-US" dirty="0" smtClean="0"/>
-                <a:t>Experiment Protocol</a:t>
-              </a:r>
-            </a:p>
-            <a:p>
-              <a:pPr algn="ctr"/>
-              <a:r>
-                <a:rPr lang="en-US" dirty="0" err="1" smtClean="0">
-                  <a:latin typeface="Courier New" panose="02070309020205020404" pitchFamily="49" charset="0"/>
-                  <a:cs typeface="Courier New" panose="02070309020205020404" pitchFamily="49" charset="0"/>
-                </a:rPr>
-                <a:t>ep_ExperimentDesign</a:t>
-              </a:r>
-              <a:endParaRPr lang="en-CA" dirty="0">
-                <a:latin typeface="Courier New" panose="02070309020205020404" pitchFamily="49" charset="0"/>
-                <a:cs typeface="Courier New" panose="02070309020205020404" pitchFamily="49" charset="0"/>
-              </a:endParaRPr>
-            </a:p>
-          </p:txBody>
-        </p:sp>
-        <p:sp>
-          <p:nvSpPr>
-            <p:cNvPr id="6" name="Rectangle 5"/>
-            <p:cNvSpPr/>
-            <p:nvPr/>
-          </p:nvSpPr>
-          <p:spPr>
-            <a:xfrm>
-              <a:off x="1295400" y="1371600"/>
-              <a:ext cx="3200400" cy="1295400"/>
-            </a:xfrm>
-            <a:prstGeom prst="rect">
-              <a:avLst/>
-            </a:prstGeom>
-          </p:spPr>
-          <p:style>
-            <a:lnRef idx="2">
-              <a:schemeClr val="dk1"/>
-            </a:lnRef>
-            <a:fillRef idx="1">
-              <a:schemeClr val="lt1"/>
-            </a:fillRef>
-            <a:effectRef idx="0">
-              <a:schemeClr val="dk1"/>
-            </a:effectRef>
-            <a:fontRef idx="minor">
-              <a:schemeClr val="dk1"/>
-            </a:fontRef>
-          </p:style>
-          <p:txBody>
-            <a:bodyPr rtlCol="0" anchor="ctr"/>
-            <a:lstStyle/>
-            <a:p>
-              <a:pPr algn="ctr"/>
-              <a:r>
-                <a:rPr lang="en-US" dirty="0" smtClean="0"/>
-                <a:t>Experiment Protocol</a:t>
-              </a:r>
-            </a:p>
-            <a:p>
-              <a:pPr algn="ctr"/>
-              <a:r>
-                <a:rPr lang="en-US" dirty="0" err="1" smtClean="0">
-                  <a:latin typeface="Courier New" panose="02070309020205020404" pitchFamily="49" charset="0"/>
-                  <a:cs typeface="Courier New" panose="02070309020205020404" pitchFamily="49" charset="0"/>
-                </a:rPr>
-                <a:t>ep_ExperimentDesign</a:t>
-              </a:r>
-              <a:endParaRPr lang="en-CA" dirty="0">
-                <a:latin typeface="Courier New" panose="02070309020205020404" pitchFamily="49" charset="0"/>
-                <a:cs typeface="Courier New" panose="02070309020205020404" pitchFamily="49" charset="0"/>
-              </a:endParaRPr>
-            </a:p>
-          </p:txBody>
-        </p:sp>
-        <p:sp>
-          <p:nvSpPr>
-            <p:cNvPr id="7" name="Rectangle 6"/>
-            <p:cNvSpPr/>
-            <p:nvPr/>
-          </p:nvSpPr>
-          <p:spPr>
-            <a:xfrm>
-              <a:off x="1447800" y="1524000"/>
-              <a:ext cx="3200400" cy="1295400"/>
-            </a:xfrm>
-            <a:prstGeom prst="rect">
-              <a:avLst/>
-            </a:prstGeom>
-          </p:spPr>
-          <p:style>
-            <a:lnRef idx="2">
-              <a:schemeClr val="dk1"/>
-            </a:lnRef>
-            <a:fillRef idx="1">
-              <a:schemeClr val="lt1"/>
-            </a:fillRef>
-            <a:effectRef idx="0">
-              <a:schemeClr val="dk1"/>
-            </a:effectRef>
-            <a:fontRef idx="minor">
-              <a:schemeClr val="dk1"/>
-            </a:fontRef>
-          </p:style>
-          <p:txBody>
-            <a:bodyPr rtlCol="0" anchor="ctr"/>
-            <a:lstStyle/>
-            <a:p>
-              <a:pPr algn="ctr"/>
-              <a:r>
-                <a:rPr lang="en-US" dirty="0" smtClean="0"/>
-                <a:t>Experiment Protocol</a:t>
-              </a:r>
-            </a:p>
-            <a:p>
-              <a:pPr algn="ctr"/>
-              <a:r>
-                <a:rPr lang="en-US" dirty="0" err="1" smtClean="0">
-                  <a:latin typeface="Courier New" panose="02070309020205020404" pitchFamily="49" charset="0"/>
-                  <a:cs typeface="Courier New" panose="02070309020205020404" pitchFamily="49" charset="0"/>
-                </a:rPr>
-                <a:t>ep_ExperimentDesign</a:t>
-              </a:r>
-              <a:endParaRPr lang="en-US" dirty="0" smtClean="0">
-                <a:latin typeface="Courier New" panose="02070309020205020404" pitchFamily="49" charset="0"/>
-                <a:cs typeface="Courier New" panose="02070309020205020404" pitchFamily="49" charset="0"/>
-              </a:endParaRPr>
-            </a:p>
-            <a:p>
-              <a:pPr algn="ctr"/>
-              <a:r>
-                <a:rPr lang="en-US" dirty="0" smtClean="0">
-                  <a:latin typeface="Courier New" panose="02070309020205020404" pitchFamily="49" charset="0"/>
-                  <a:cs typeface="Courier New" panose="02070309020205020404" pitchFamily="49" charset="0"/>
-                </a:rPr>
-                <a:t>(*.</a:t>
-              </a:r>
-              <a:r>
-                <a:rPr lang="en-US" dirty="0" err="1" smtClean="0">
-                  <a:latin typeface="Courier New" panose="02070309020205020404" pitchFamily="49" charset="0"/>
-                  <a:cs typeface="Courier New" panose="02070309020205020404" pitchFamily="49" charset="0"/>
-                </a:rPr>
-                <a:t>prot</a:t>
-              </a:r>
-              <a:r>
-                <a:rPr lang="en-US" dirty="0" smtClean="0">
-                  <a:latin typeface="Courier New" panose="02070309020205020404" pitchFamily="49" charset="0"/>
-                  <a:cs typeface="Courier New" panose="02070309020205020404" pitchFamily="49" charset="0"/>
-                </a:rPr>
-                <a:t>)</a:t>
-              </a:r>
-              <a:endParaRPr lang="en-CA" dirty="0">
-                <a:latin typeface="Courier New" panose="02070309020205020404" pitchFamily="49" charset="0"/>
-                <a:cs typeface="Courier New" panose="02070309020205020404" pitchFamily="49" charset="0"/>
-              </a:endParaRPr>
-            </a:p>
-          </p:txBody>
-        </p:sp>
-      </p:grpSp>
-      <p:sp>
-        <p:nvSpPr>
           <p:cNvPr id="19" name="TextBox 18"/>
           <p:cNvSpPr txBox="1"/>
           <p:nvPr/>
         </p:nvSpPr>
         <p:spPr>
           <a:xfrm>
-            <a:off x="5105400" y="2884713"/>
+            <a:off x="4876800" y="1764828"/>
             <a:ext cx="3733800" cy="1200329"/>
           </a:xfrm>
           <a:prstGeom prst="rect">
@@ -3501,7 +3155,7 @@
         </p:nvSpPr>
         <p:spPr>
           <a:xfrm>
-            <a:off x="5105400" y="5237386"/>
+            <a:off x="4953000" y="3673355"/>
             <a:ext cx="3733800" cy="1477328"/>
           </a:xfrm>
           <a:prstGeom prst="rect">
@@ -3540,13 +3194,15 @@
       <p:grpSp>
         <p:nvGrpSpPr>
           <p:cNvPr id="43" name="Group 42"/>
-          <p:cNvGrpSpPr/>
+          <p:cNvGrpSpPr>
+            <a:grpSpLocks noChangeAspect="1"/>
+          </p:cNvGrpSpPr>
           <p:nvPr/>
         </p:nvGrpSpPr>
         <p:grpSpPr>
           <a:xfrm>
-            <a:off x="1159790" y="29705"/>
-            <a:ext cx="3657600" cy="1752600"/>
+            <a:off x="1295904" y="29705"/>
+            <a:ext cx="2878810" cy="1379430"/>
             <a:chOff x="1159790" y="29705"/>
             <a:chExt cx="3657600" cy="1752600"/>
           </a:xfrm>
@@ -3586,14 +3242,14 @@
             <a:p>
               <a:pPr algn="ctr"/>
               <a:r>
-                <a:rPr lang="en-US" dirty="0" err="1" smtClean="0"/>
+                <a:rPr lang="en-US" sz="1400" dirty="0" err="1" smtClean="0"/>
                 <a:t>RPvds</a:t>
               </a:r>
               <a:r>
-                <a:rPr lang="en-US" dirty="0" smtClean="0"/>
+                <a:rPr lang="en-US" sz="1400" dirty="0" smtClean="0"/>
                 <a:t> Circuit</a:t>
               </a:r>
-              <a:endParaRPr lang="en-CA" dirty="0">
+              <a:endParaRPr lang="en-CA" sz="1400" dirty="0">
                 <a:latin typeface="Courier New" panose="02070309020205020404" pitchFamily="49" charset="0"/>
                 <a:cs typeface="Courier New" panose="02070309020205020404" pitchFamily="49" charset="0"/>
               </a:endParaRPr>
@@ -3635,14 +3291,14 @@
             <a:p>
               <a:pPr algn="ctr"/>
               <a:r>
-                <a:rPr lang="en-US" dirty="0" err="1" smtClean="0"/>
+                <a:rPr lang="en-US" sz="1400" dirty="0" err="1" smtClean="0"/>
                 <a:t>RPvds</a:t>
               </a:r>
               <a:r>
-                <a:rPr lang="en-US" dirty="0" smtClean="0"/>
+                <a:rPr lang="en-US" sz="1400" dirty="0" smtClean="0"/>
                 <a:t> Circuit</a:t>
               </a:r>
-              <a:endParaRPr lang="en-CA" dirty="0">
+              <a:endParaRPr lang="en-CA" sz="1400" dirty="0">
                 <a:latin typeface="Courier New" panose="02070309020205020404" pitchFamily="49" charset="0"/>
                 <a:cs typeface="Courier New" panose="02070309020205020404" pitchFamily="49" charset="0"/>
               </a:endParaRPr>
@@ -3684,14 +3340,14 @@
             <a:p>
               <a:pPr algn="ctr"/>
               <a:r>
-                <a:rPr lang="en-US" dirty="0" err="1" smtClean="0"/>
+                <a:rPr lang="en-US" sz="1400" dirty="0" err="1" smtClean="0"/>
                 <a:t>RPvds</a:t>
               </a:r>
               <a:r>
-                <a:rPr lang="en-US" dirty="0" smtClean="0"/>
+                <a:rPr lang="en-US" sz="1400" dirty="0" smtClean="0"/>
                 <a:t> Circuit</a:t>
               </a:r>
-              <a:endParaRPr lang="en-CA" dirty="0">
+              <a:endParaRPr lang="en-CA" sz="1400" dirty="0">
                 <a:latin typeface="Courier New" panose="02070309020205020404" pitchFamily="49" charset="0"/>
                 <a:cs typeface="Courier New" panose="02070309020205020404" pitchFamily="49" charset="0"/>
               </a:endParaRPr>
@@ -3733,45 +3389,45 @@
             <a:p>
               <a:pPr algn="ctr"/>
               <a:r>
-                <a:rPr lang="en-US" dirty="0" err="1" smtClean="0"/>
+                <a:rPr lang="en-US" sz="1400" dirty="0" err="1" smtClean="0"/>
                 <a:t>RPvds</a:t>
               </a:r>
               <a:r>
-                <a:rPr lang="en-US" dirty="0" smtClean="0"/>
+                <a:rPr lang="en-US" sz="1400" dirty="0" smtClean="0"/>
                 <a:t> Circuit</a:t>
               </a:r>
             </a:p>
             <a:p>
               <a:pPr algn="ctr"/>
               <a:r>
-                <a:rPr lang="en-US" dirty="0" smtClean="0"/>
+                <a:rPr lang="en-US" sz="1400" dirty="0" smtClean="0"/>
                 <a:t>TDT Software</a:t>
               </a:r>
             </a:p>
             <a:p>
               <a:pPr algn="ctr"/>
               <a:r>
-                <a:rPr lang="en-US" dirty="0" smtClean="0">
+                <a:rPr lang="en-US" sz="1400" dirty="0" smtClean="0">
                   <a:latin typeface="Courier New" panose="02070309020205020404" pitchFamily="49" charset="0"/>
                   <a:cs typeface="Courier New" panose="02070309020205020404" pitchFamily="49" charset="0"/>
                 </a:rPr>
                 <a:t>(*.</a:t>
               </a:r>
               <a:r>
-                <a:rPr lang="en-US" dirty="0" err="1" smtClean="0">
+                <a:rPr lang="en-US" sz="1400" dirty="0" err="1" smtClean="0">
                   <a:latin typeface="Courier New" panose="02070309020205020404" pitchFamily="49" charset="0"/>
                   <a:cs typeface="Courier New" panose="02070309020205020404" pitchFamily="49" charset="0"/>
                 </a:rPr>
                 <a:t>rcx</a:t>
               </a:r>
               <a:r>
-                <a:rPr lang="en-US" dirty="0" smtClean="0">
+                <a:rPr lang="en-US" sz="1400" dirty="0" smtClean="0">
                   <a:latin typeface="Courier New" panose="02070309020205020404" pitchFamily="49" charset="0"/>
                   <a:cs typeface="Courier New" panose="02070309020205020404" pitchFamily="49" charset="0"/>
                 </a:rPr>
                 <a:t>)</a:t>
               </a:r>
-              <a:endParaRPr lang="en-CA" dirty="0">
+              <a:endParaRPr lang="en-CA" sz="1400" dirty="0">
                 <a:latin typeface="Courier New" panose="02070309020205020404" pitchFamily="49" charset="0"/>
                 <a:cs typeface="Courier New" panose="02070309020205020404" pitchFamily="49" charset="0"/>
               </a:endParaRPr>
@@ -3787,7 +3443,7 @@
         </p:nvSpPr>
         <p:spPr>
           <a:xfrm>
-            <a:off x="5105400" y="672940"/>
+            <a:off x="4953000" y="360226"/>
             <a:ext cx="3733800" cy="923330"/>
           </a:xfrm>
           <a:prstGeom prst="rect">
@@ -3810,6 +3466,407 @@
               <a:t>Create real-time components for signal generation and data acquisition</a:t>
             </a:r>
             <a:endParaRPr lang="en-CA" dirty="0"/>
+          </a:p>
+        </p:txBody>
+      </p:sp>
+      <p:grpSp>
+        <p:nvGrpSpPr>
+          <p:cNvPr id="53" name="Group 52"/>
+          <p:cNvGrpSpPr>
+            <a:grpSpLocks noChangeAspect="1"/>
+          </p:cNvGrpSpPr>
+          <p:nvPr/>
+        </p:nvGrpSpPr>
+        <p:grpSpPr>
+          <a:xfrm>
+            <a:off x="1295904" y="1924138"/>
+            <a:ext cx="2878810" cy="1379430"/>
+            <a:chOff x="990600" y="1066800"/>
+            <a:chExt cx="3657600" cy="1752600"/>
+          </a:xfrm>
+        </p:grpSpPr>
+        <p:sp>
+          <p:nvSpPr>
+            <p:cNvPr id="54" name="Rectangle 53"/>
+            <p:cNvSpPr/>
+            <p:nvPr/>
+          </p:nvSpPr>
+          <p:spPr>
+            <a:xfrm>
+              <a:off x="990600" y="1066800"/>
+              <a:ext cx="3200400" cy="1295400"/>
+            </a:xfrm>
+            <a:prstGeom prst="rect">
+              <a:avLst/>
+            </a:prstGeom>
+          </p:spPr>
+          <p:style>
+            <a:lnRef idx="2">
+              <a:schemeClr val="dk1"/>
+            </a:lnRef>
+            <a:fillRef idx="1">
+              <a:schemeClr val="lt1"/>
+            </a:fillRef>
+            <a:effectRef idx="0">
+              <a:schemeClr val="dk1"/>
+            </a:effectRef>
+            <a:fontRef idx="minor">
+              <a:schemeClr val="dk1"/>
+            </a:fontRef>
+          </p:style>
+          <p:txBody>
+            <a:bodyPr rtlCol="0" anchor="ctr"/>
+            <a:lstStyle/>
+            <a:p>
+              <a:pPr algn="ctr"/>
+              <a:r>
+                <a:rPr lang="en-US" sz="1400" dirty="0" smtClean="0"/>
+                <a:t>Experiment Protocol</a:t>
+              </a:r>
+            </a:p>
+            <a:p>
+              <a:pPr algn="ctr"/>
+              <a:r>
+                <a:rPr lang="en-US" sz="1400" dirty="0" err="1" smtClean="0">
+                  <a:latin typeface="Courier New" panose="02070309020205020404" pitchFamily="49" charset="0"/>
+                  <a:cs typeface="Courier New" panose="02070309020205020404" pitchFamily="49" charset="0"/>
+                </a:rPr>
+                <a:t>ep_ExperimentDesign</a:t>
+              </a:r>
+              <a:endParaRPr lang="en-CA" sz="1400" dirty="0">
+                <a:latin typeface="Courier New" panose="02070309020205020404" pitchFamily="49" charset="0"/>
+                <a:cs typeface="Courier New" panose="02070309020205020404" pitchFamily="49" charset="0"/>
+              </a:endParaRPr>
+            </a:p>
+          </p:txBody>
+        </p:sp>
+        <p:sp>
+          <p:nvSpPr>
+            <p:cNvPr id="55" name="Rectangle 54"/>
+            <p:cNvSpPr/>
+            <p:nvPr/>
+          </p:nvSpPr>
+          <p:spPr>
+            <a:xfrm>
+              <a:off x="1143000" y="1219200"/>
+              <a:ext cx="3200400" cy="1295400"/>
+            </a:xfrm>
+            <a:prstGeom prst="rect">
+              <a:avLst/>
+            </a:prstGeom>
+          </p:spPr>
+          <p:style>
+            <a:lnRef idx="2">
+              <a:schemeClr val="dk1"/>
+            </a:lnRef>
+            <a:fillRef idx="1">
+              <a:schemeClr val="lt1"/>
+            </a:fillRef>
+            <a:effectRef idx="0">
+              <a:schemeClr val="dk1"/>
+            </a:effectRef>
+            <a:fontRef idx="minor">
+              <a:schemeClr val="dk1"/>
+            </a:fontRef>
+          </p:style>
+          <p:txBody>
+            <a:bodyPr rtlCol="0" anchor="ctr"/>
+            <a:lstStyle/>
+            <a:p>
+              <a:pPr algn="ctr"/>
+              <a:r>
+                <a:rPr lang="en-US" sz="1400" dirty="0" smtClean="0"/>
+                <a:t>Experiment Protocol</a:t>
+              </a:r>
+            </a:p>
+            <a:p>
+              <a:pPr algn="ctr"/>
+              <a:r>
+                <a:rPr lang="en-US" sz="1400" dirty="0" err="1" smtClean="0">
+                  <a:latin typeface="Courier New" panose="02070309020205020404" pitchFamily="49" charset="0"/>
+                  <a:cs typeface="Courier New" panose="02070309020205020404" pitchFamily="49" charset="0"/>
+                </a:rPr>
+                <a:t>ep_ExperimentDesign</a:t>
+              </a:r>
+              <a:endParaRPr lang="en-CA" sz="1400" dirty="0">
+                <a:latin typeface="Courier New" panose="02070309020205020404" pitchFamily="49" charset="0"/>
+                <a:cs typeface="Courier New" panose="02070309020205020404" pitchFamily="49" charset="0"/>
+              </a:endParaRPr>
+            </a:p>
+          </p:txBody>
+        </p:sp>
+        <p:sp>
+          <p:nvSpPr>
+            <p:cNvPr id="56" name="Rectangle 55"/>
+            <p:cNvSpPr/>
+            <p:nvPr/>
+          </p:nvSpPr>
+          <p:spPr>
+            <a:xfrm>
+              <a:off x="1295400" y="1371600"/>
+              <a:ext cx="3200400" cy="1295400"/>
+            </a:xfrm>
+            <a:prstGeom prst="rect">
+              <a:avLst/>
+            </a:prstGeom>
+          </p:spPr>
+          <p:style>
+            <a:lnRef idx="2">
+              <a:schemeClr val="dk1"/>
+            </a:lnRef>
+            <a:fillRef idx="1">
+              <a:schemeClr val="lt1"/>
+            </a:fillRef>
+            <a:effectRef idx="0">
+              <a:schemeClr val="dk1"/>
+            </a:effectRef>
+            <a:fontRef idx="minor">
+              <a:schemeClr val="dk1"/>
+            </a:fontRef>
+          </p:style>
+          <p:txBody>
+            <a:bodyPr rtlCol="0" anchor="ctr"/>
+            <a:lstStyle/>
+            <a:p>
+              <a:pPr algn="ctr"/>
+              <a:r>
+                <a:rPr lang="en-US" sz="1400" dirty="0" smtClean="0"/>
+                <a:t>Experiment Protocol</a:t>
+              </a:r>
+            </a:p>
+            <a:p>
+              <a:pPr algn="ctr"/>
+              <a:r>
+                <a:rPr lang="en-US" sz="1400" dirty="0" err="1" smtClean="0">
+                  <a:latin typeface="Courier New" panose="02070309020205020404" pitchFamily="49" charset="0"/>
+                  <a:cs typeface="Courier New" panose="02070309020205020404" pitchFamily="49" charset="0"/>
+                </a:rPr>
+                <a:t>ep_ExperimentDesign</a:t>
+              </a:r>
+              <a:endParaRPr lang="en-CA" sz="1400" dirty="0">
+                <a:latin typeface="Courier New" panose="02070309020205020404" pitchFamily="49" charset="0"/>
+                <a:cs typeface="Courier New" panose="02070309020205020404" pitchFamily="49" charset="0"/>
+              </a:endParaRPr>
+            </a:p>
+          </p:txBody>
+        </p:sp>
+        <p:sp>
+          <p:nvSpPr>
+            <p:cNvPr id="57" name="Rectangle 56"/>
+            <p:cNvSpPr/>
+            <p:nvPr/>
+          </p:nvSpPr>
+          <p:spPr>
+            <a:xfrm>
+              <a:off x="1447800" y="1524000"/>
+              <a:ext cx="3200400" cy="1295400"/>
+            </a:xfrm>
+            <a:prstGeom prst="rect">
+              <a:avLst/>
+            </a:prstGeom>
+          </p:spPr>
+          <p:style>
+            <a:lnRef idx="2">
+              <a:schemeClr val="dk1"/>
+            </a:lnRef>
+            <a:fillRef idx="1">
+              <a:schemeClr val="lt1"/>
+            </a:fillRef>
+            <a:effectRef idx="0">
+              <a:schemeClr val="dk1"/>
+            </a:effectRef>
+            <a:fontRef idx="minor">
+              <a:schemeClr val="dk1"/>
+            </a:fontRef>
+          </p:style>
+          <p:txBody>
+            <a:bodyPr rtlCol="0" anchor="ctr"/>
+            <a:lstStyle/>
+            <a:p>
+              <a:pPr algn="ctr"/>
+              <a:r>
+                <a:rPr lang="en-US" sz="1400" dirty="0" smtClean="0"/>
+                <a:t>Experiment Protocol</a:t>
+              </a:r>
+            </a:p>
+            <a:p>
+              <a:pPr algn="ctr"/>
+              <a:r>
+                <a:rPr lang="en-US" sz="1400" dirty="0" err="1" smtClean="0">
+                  <a:latin typeface="Courier New" panose="02070309020205020404" pitchFamily="49" charset="0"/>
+                  <a:cs typeface="Courier New" panose="02070309020205020404" pitchFamily="49" charset="0"/>
+                </a:rPr>
+                <a:t>ep_ExperimentDesign</a:t>
+              </a:r>
+              <a:endParaRPr lang="en-US" sz="1400" dirty="0" smtClean="0">
+                <a:latin typeface="Courier New" panose="02070309020205020404" pitchFamily="49" charset="0"/>
+                <a:cs typeface="Courier New" panose="02070309020205020404" pitchFamily="49" charset="0"/>
+              </a:endParaRPr>
+            </a:p>
+            <a:p>
+              <a:pPr algn="ctr"/>
+              <a:r>
+                <a:rPr lang="en-US" sz="1400" dirty="0" smtClean="0">
+                  <a:latin typeface="Courier New" panose="02070309020205020404" pitchFamily="49" charset="0"/>
+                  <a:cs typeface="Courier New" panose="02070309020205020404" pitchFamily="49" charset="0"/>
+                </a:rPr>
+                <a:t>(*.</a:t>
+              </a:r>
+              <a:r>
+                <a:rPr lang="en-US" sz="1400" dirty="0" err="1" smtClean="0">
+                  <a:latin typeface="Courier New" panose="02070309020205020404" pitchFamily="49" charset="0"/>
+                  <a:cs typeface="Courier New" panose="02070309020205020404" pitchFamily="49" charset="0"/>
+                </a:rPr>
+                <a:t>prot</a:t>
+              </a:r>
+              <a:r>
+                <a:rPr lang="en-US" sz="1400" dirty="0" smtClean="0">
+                  <a:latin typeface="Courier New" panose="02070309020205020404" pitchFamily="49" charset="0"/>
+                  <a:cs typeface="Courier New" panose="02070309020205020404" pitchFamily="49" charset="0"/>
+                </a:rPr>
+                <a:t>)</a:t>
+              </a:r>
+              <a:endParaRPr lang="en-CA" sz="1400" dirty="0">
+                <a:latin typeface="Courier New" panose="02070309020205020404" pitchFamily="49" charset="0"/>
+                <a:cs typeface="Courier New" panose="02070309020205020404" pitchFamily="49" charset="0"/>
+              </a:endParaRPr>
+            </a:p>
+          </p:txBody>
+        </p:sp>
+      </p:grpSp>
+      <p:pic>
+        <p:nvPicPr>
+          <p:cNvPr id="58" name="Picture 2" descr="C:\Users\dstolzbe\AppData\Local\Microsoft\Windows\Temporary Internet Files\Content.IE5\5GOW8B4R\MC900356045[1].wmf"/>
+          <p:cNvPicPr>
+            <a:picLocks noChangeAspect="1" noChangeArrowheads="1"/>
+          </p:cNvPicPr>
+          <p:nvPr/>
+        </p:nvPicPr>
+        <p:blipFill rotWithShape="1">
+          <a:blip r:embed="rId2" cstate="print">
+            <a:duotone>
+              <a:schemeClr val="accent5">
+                <a:shade val="45000"/>
+                <a:satMod val="135000"/>
+              </a:schemeClr>
+              <a:prstClr val="white"/>
+            </a:duotone>
+            <a:extLst>
+              <a:ext uri="{28A0092B-C50C-407E-A947-70E740481C1C}">
+                <a14:useLocalDpi xmlns:a14="http://schemas.microsoft.com/office/drawing/2010/main" val="0"/>
+              </a:ext>
+            </a:extLst>
+          </a:blip>
+          <a:srcRect t="18964" b="12092"/>
+          <a:stretch/>
+        </p:blipFill>
+        <p:spPr bwMode="auto">
+          <a:xfrm>
+            <a:off x="2485638" y="3361295"/>
+            <a:ext cx="847649" cy="624121"/>
+          </a:xfrm>
+          <a:prstGeom prst="rect">
+            <a:avLst/>
+          </a:prstGeom>
+          <a:noFill/>
+          <a:effectLst>
+            <a:outerShdw blurRad="50800" dist="38100" dir="8100000" algn="tr" rotWithShape="0">
+              <a:prstClr val="black">
+                <a:alpha val="40000"/>
+              </a:prstClr>
+            </a:outerShdw>
+          </a:effectLst>
+          <a:extLst>
+            <a:ext uri="{909E8E84-426E-40DD-AFC4-6F175D3DCCD1}">
+              <a14:hiddenFill xmlns:a14="http://schemas.microsoft.com/office/drawing/2010/main">
+                <a:solidFill>
+                  <a:srgbClr val="FFFFFF"/>
+                </a:solidFill>
+              </a14:hiddenFill>
+            </a:ext>
+          </a:extLst>
+        </p:spPr>
+      </p:pic>
+      <p:sp>
+        <p:nvSpPr>
+          <p:cNvPr id="59" name="Rectangle 58"/>
+          <p:cNvSpPr/>
+          <p:nvPr/>
+        </p:nvSpPr>
+        <p:spPr>
+          <a:xfrm>
+            <a:off x="1644210" y="4005423"/>
+            <a:ext cx="2530504" cy="1005302"/>
+          </a:xfrm>
+          <a:prstGeom prst="rect">
+            <a:avLst/>
+          </a:prstGeom>
+        </p:spPr>
+        <p:style>
+          <a:lnRef idx="2">
+            <a:schemeClr val="dk1"/>
+          </a:lnRef>
+          <a:fillRef idx="1">
+            <a:schemeClr val="lt1"/>
+          </a:fillRef>
+          <a:effectRef idx="0">
+            <a:schemeClr val="dk1"/>
+          </a:effectRef>
+          <a:fontRef idx="minor">
+            <a:schemeClr val="dk1"/>
+          </a:fontRef>
+        </p:style>
+        <p:txBody>
+          <a:bodyPr rtlCol="0" anchor="ctr"/>
+          <a:lstStyle/>
+          <a:p>
+            <a:pPr algn="ctr"/>
+            <a:r>
+              <a:rPr lang="en-US" sz="1400" dirty="0" smtClean="0"/>
+              <a:t>Psychophysics Experiment Configuration</a:t>
+            </a:r>
+          </a:p>
+          <a:p>
+            <a:pPr algn="ctr"/>
+            <a:r>
+              <a:rPr lang="en-US" sz="1400" dirty="0" err="1" smtClean="0">
+                <a:latin typeface="Courier New" panose="02070309020205020404" pitchFamily="49" charset="0"/>
+                <a:cs typeface="Courier New" panose="02070309020205020404" pitchFamily="49" charset="0"/>
+              </a:rPr>
+              <a:t>ep_PsychConfig</a:t>
+            </a:r>
+            <a:endParaRPr lang="en-US" sz="1400" dirty="0" smtClean="0">
+              <a:latin typeface="Courier New" panose="02070309020205020404" pitchFamily="49" charset="0"/>
+              <a:cs typeface="Courier New" panose="02070309020205020404" pitchFamily="49" charset="0"/>
+            </a:endParaRPr>
+          </a:p>
+          <a:p>
+            <a:pPr algn="ctr"/>
+            <a:r>
+              <a:rPr lang="en-US" sz="1400" dirty="0" smtClean="0">
+                <a:latin typeface="Courier New" panose="02070309020205020404" pitchFamily="49" charset="0"/>
+                <a:cs typeface="Courier New" panose="02070309020205020404" pitchFamily="49" charset="0"/>
+              </a:rPr>
+              <a:t>(*.</a:t>
+            </a:r>
+            <a:r>
+              <a:rPr lang="en-US" sz="1400" dirty="0" err="1" smtClean="0">
+                <a:latin typeface="Courier New" panose="02070309020205020404" pitchFamily="49" charset="0"/>
+                <a:cs typeface="Courier New" panose="02070309020205020404" pitchFamily="49" charset="0"/>
+              </a:rPr>
+              <a:t>config</a:t>
+            </a:r>
+            <a:r>
+              <a:rPr lang="en-US" sz="1400" dirty="0" smtClean="0">
+                <a:latin typeface="Courier New" panose="02070309020205020404" pitchFamily="49" charset="0"/>
+                <a:cs typeface="Courier New" panose="02070309020205020404" pitchFamily="49" charset="0"/>
+              </a:rPr>
+              <a:t>)</a:t>
+            </a:r>
+            <a:endParaRPr lang="en-CA" sz="1400" dirty="0">
+              <a:latin typeface="Courier New" panose="02070309020205020404" pitchFamily="49" charset="0"/>
+              <a:cs typeface="Courier New" panose="02070309020205020404" pitchFamily="49" charset="0"/>
+            </a:endParaRPr>
           </a:p>
         </p:txBody>
       </p:sp>
@@ -3841,13 +3898,20 @@
         </p:blipFill>
         <p:spPr bwMode="auto">
           <a:xfrm>
-            <a:off x="2945765" y="1905000"/>
+            <a:off x="2485638" y="1484744"/>
             <a:ext cx="847649" cy="624121"/>
           </a:xfrm>
           <a:prstGeom prst="rect">
             <a:avLst/>
           </a:prstGeom>
           <a:noFill/>
+          <a:effectLst>
+            <a:outerShdw blurRad="50800" dist="38100" dir="8100000" algn="tr" rotWithShape="0">
+              <a:prstClr val="black">
+                <a:alpha val="40000"/>
+              </a:prstClr>
+            </a:outerShdw>
+          </a:effectLst>
           <a:extLst>
             <a:ext uri="{909E8E84-426E-40DD-AFC4-6F175D3DCCD1}">
               <a14:hiddenFill xmlns:a14="http://schemas.microsoft.com/office/drawing/2010/main">
@@ -3859,52 +3923,100 @@
           </a:extLst>
         </p:spPr>
       </p:pic>
-      <p:pic>
-        <p:nvPicPr>
-          <p:cNvPr id="51" name="Picture 2" descr="C:\Users\dstolzbe\AppData\Local\Microsoft\Windows\Temporary Internet Files\Content.IE5\5GOW8B4R\MC900356045[1].wmf"/>
-          <p:cNvPicPr>
-            <a:picLocks noChangeAspect="1" noChangeArrowheads="1"/>
-          </p:cNvPicPr>
+      <p:sp>
+        <p:nvSpPr>
+          <p:cNvPr id="60" name="Rectangle 59"/>
+          <p:cNvSpPr/>
           <p:nvPr/>
-        </p:nvPicPr>
-        <p:blipFill rotWithShape="1">
-          <a:blip r:embed="rId2" cstate="print">
-            <a:duotone>
-              <a:schemeClr val="accent5">
-                <a:shade val="45000"/>
-                <a:satMod val="135000"/>
-              </a:schemeClr>
-              <a:prstClr val="white"/>
-            </a:duotone>
-            <a:extLst>
-              <a:ext uri="{28A0092B-C50C-407E-A947-70E740481C1C}">
-                <a14:useLocalDpi xmlns:a14="http://schemas.microsoft.com/office/drawing/2010/main" val="0"/>
-              </a:ext>
-            </a:extLst>
-          </a:blip>
-          <a:srcRect t="18964" b="12092"/>
-          <a:stretch/>
-        </p:blipFill>
-        <p:spPr bwMode="auto">
+        </p:nvSpPr>
+        <p:spPr>
           <a:xfrm>
-            <a:off x="2962555" y="4543309"/>
-            <a:ext cx="847649" cy="624121"/>
+            <a:off x="1653446" y="5640260"/>
+            <a:ext cx="2530504" cy="1005302"/>
           </a:xfrm>
           <a:prstGeom prst="rect">
             <a:avLst/>
           </a:prstGeom>
-          <a:noFill/>
-          <a:extLst>
-            <a:ext uri="{909E8E84-426E-40DD-AFC4-6F175D3DCCD1}">
-              <a14:hiddenFill xmlns:a14="http://schemas.microsoft.com/office/drawing/2010/main">
-                <a:solidFill>
-                  <a:srgbClr val="FFFFFF"/>
-                </a:solidFill>
-              </a14:hiddenFill>
-            </a:ext>
-          </a:extLst>
         </p:spPr>
-      </p:pic>
+        <p:style>
+          <a:lnRef idx="2">
+            <a:schemeClr val="dk1"/>
+          </a:lnRef>
+          <a:fillRef idx="1">
+            <a:schemeClr val="lt1"/>
+          </a:fillRef>
+          <a:effectRef idx="0">
+            <a:schemeClr val="dk1"/>
+          </a:effectRef>
+          <a:fontRef idx="minor">
+            <a:schemeClr val="dk1"/>
+          </a:fontRef>
+        </p:style>
+        <p:txBody>
+          <a:bodyPr rtlCol="0" anchor="ctr"/>
+          <a:lstStyle/>
+          <a:p>
+            <a:pPr algn="ctr"/>
+            <a:r>
+              <a:rPr lang="en-US" sz="1400" dirty="0" smtClean="0"/>
+              <a:t>Run-Time</a:t>
+            </a:r>
+          </a:p>
+          <a:p>
+            <a:pPr algn="ctr"/>
+            <a:r>
+              <a:rPr lang="en-US" sz="1400" dirty="0" err="1" smtClean="0">
+                <a:latin typeface="Courier New" panose="02070309020205020404" pitchFamily="49" charset="0"/>
+                <a:cs typeface="Courier New" panose="02070309020205020404" pitchFamily="49" charset="0"/>
+              </a:rPr>
+              <a:t>ep_RunExpt</a:t>
+            </a:r>
+            <a:endParaRPr lang="en-US" sz="1400" dirty="0" smtClean="0">
+              <a:latin typeface="Courier New" panose="02070309020205020404" pitchFamily="49" charset="0"/>
+              <a:cs typeface="Courier New" panose="02070309020205020404" pitchFamily="49" charset="0"/>
+            </a:endParaRPr>
+          </a:p>
+        </p:txBody>
+      </p:sp>
+      <p:sp>
+        <p:nvSpPr>
+          <p:cNvPr id="50" name="Down Arrow 49"/>
+          <p:cNvSpPr/>
+          <p:nvPr/>
+        </p:nvSpPr>
+        <p:spPr>
+          <a:xfrm>
+            <a:off x="2745004" y="5105400"/>
+            <a:ext cx="328916" cy="457200"/>
+          </a:xfrm>
+          <a:prstGeom prst="downArrow">
+            <a:avLst/>
+          </a:prstGeom>
+          <a:ln w="38100"/>
+        </p:spPr>
+        <p:style>
+          <a:lnRef idx="1">
+            <a:schemeClr val="accent5"/>
+          </a:lnRef>
+          <a:fillRef idx="2">
+            <a:schemeClr val="accent5"/>
+          </a:fillRef>
+          <a:effectRef idx="1">
+            <a:schemeClr val="accent5"/>
+          </a:effectRef>
+          <a:fontRef idx="minor">
+            <a:schemeClr val="dk1"/>
+          </a:fontRef>
+        </p:style>
+        <p:txBody>
+          <a:bodyPr rtlCol="0" anchor="ctr"/>
+          <a:lstStyle/>
+          <a:p>
+            <a:pPr algn="ctr"/>
+            <a:endParaRPr lang="en-CA"/>
+          </a:p>
+        </p:txBody>
+      </p:sp>
     </p:spTree>
     <p:extLst>
       <p:ext uri="{BB962C8B-B14F-4D97-AF65-F5344CB8AC3E}">

--- a/trunk/ProgramDesign.pptx
+++ b/trunk/ProgramDesign.pptx
@@ -4,6 +4,9 @@
   <p:sldMasterIdLst>
     <p:sldMasterId id="2147483648" r:id="rId1"/>
   </p:sldMasterIdLst>
+  <p:notesMasterIdLst>
+    <p:notesMasterId r:id="rId3"/>
+  </p:notesMasterIdLst>
   <p:sldIdLst>
     <p:sldId id="256" r:id="rId2"/>
   </p:sldIdLst>
@@ -104,7 +107,457 @@
       </a:defRPr>
     </a:lvl9pPr>
   </p:defaultTextStyle>
+  <p:extLst>
+    <p:ext uri="{EFAFB233-063F-42B5-8137-9DF3F51BA10A}">
+      <p15:sldGuideLst xmlns:p15="http://schemas.microsoft.com/office/powerpoint/2012/main">
+        <p15:guide id="1" orient="horz" pos="2160">
+          <p15:clr>
+            <a:srgbClr val="A4A3A4"/>
+          </p15:clr>
+        </p15:guide>
+        <p15:guide id="2" pos="2880">
+          <p15:clr>
+            <a:srgbClr val="A4A3A4"/>
+          </p15:clr>
+        </p15:guide>
+      </p15:sldGuideLst>
+    </p:ext>
+  </p:extLst>
 </p:presentation>
+</file>
+
+<file path=ppt/notesMasters/notesMaster1.xml><?xml version="1.0" encoding="utf-8"?>
+<p:notesMaster xmlns:a="http://schemas.openxmlformats.org/drawingml/2006/main" xmlns:r="http://schemas.openxmlformats.org/officeDocument/2006/relationships" xmlns:p="http://schemas.openxmlformats.org/presentationml/2006/main">
+  <p:cSld>
+    <p:bg>
+      <p:bgRef idx="1001">
+        <a:schemeClr val="bg1"/>
+      </p:bgRef>
+    </p:bg>
+    <p:spTree>
+      <p:nvGrpSpPr>
+        <p:cNvPr id="1" name=""/>
+        <p:cNvGrpSpPr/>
+        <p:nvPr/>
+      </p:nvGrpSpPr>
+      <p:grpSpPr>
+        <a:xfrm>
+          <a:off x="0" y="0"/>
+          <a:ext cx="0" cy="0"/>
+          <a:chOff x="0" y="0"/>
+          <a:chExt cx="0" cy="0"/>
+        </a:xfrm>
+      </p:grpSpPr>
+      <p:sp>
+        <p:nvSpPr>
+          <p:cNvPr id="2" name="Header Placeholder 1"/>
+          <p:cNvSpPr>
+            <a:spLocks noGrp="1"/>
+          </p:cNvSpPr>
+          <p:nvPr>
+            <p:ph type="hdr" sz="quarter"/>
+          </p:nvPr>
+        </p:nvSpPr>
+        <p:spPr>
+          <a:xfrm>
+            <a:off x="0" y="0"/>
+            <a:ext cx="2971800" cy="458788"/>
+          </a:xfrm>
+          <a:prstGeom prst="rect">
+            <a:avLst/>
+          </a:prstGeom>
+        </p:spPr>
+        <p:txBody>
+          <a:bodyPr vert="horz" lIns="91440" tIns="45720" rIns="91440" bIns="45720" rtlCol="0"/>
+          <a:lstStyle>
+            <a:lvl1pPr algn="l">
+              <a:defRPr sz="1200"/>
+            </a:lvl1pPr>
+          </a:lstStyle>
+          <a:p>
+            <a:endParaRPr lang="en-CA"/>
+          </a:p>
+        </p:txBody>
+      </p:sp>
+      <p:sp>
+        <p:nvSpPr>
+          <p:cNvPr id="3" name="Date Placeholder 2"/>
+          <p:cNvSpPr>
+            <a:spLocks noGrp="1"/>
+          </p:cNvSpPr>
+          <p:nvPr>
+            <p:ph type="dt" idx="1"/>
+          </p:nvPr>
+        </p:nvSpPr>
+        <p:spPr>
+          <a:xfrm>
+            <a:off x="3884613" y="0"/>
+            <a:ext cx="2971800" cy="458788"/>
+          </a:xfrm>
+          <a:prstGeom prst="rect">
+            <a:avLst/>
+          </a:prstGeom>
+        </p:spPr>
+        <p:txBody>
+          <a:bodyPr vert="horz" lIns="91440" tIns="45720" rIns="91440" bIns="45720" rtlCol="0"/>
+          <a:lstStyle>
+            <a:lvl1pPr algn="r">
+              <a:defRPr sz="1200"/>
+            </a:lvl1pPr>
+          </a:lstStyle>
+          <a:p>
+            <a:fld id="{5B1F1AE8-169A-448B-8F06-14A9CDED5B93}" type="datetimeFigureOut">
+              <a:rPr lang="en-CA" smtClean="0"/>
+              <a:t>2014-08-11</a:t>
+            </a:fld>
+            <a:endParaRPr lang="en-CA"/>
+          </a:p>
+        </p:txBody>
+      </p:sp>
+      <p:sp>
+        <p:nvSpPr>
+          <p:cNvPr id="4" name="Slide Image Placeholder 3"/>
+          <p:cNvSpPr>
+            <a:spLocks noGrp="1" noRot="1" noChangeAspect="1"/>
+          </p:cNvSpPr>
+          <p:nvPr>
+            <p:ph type="sldImg" idx="2"/>
+          </p:nvPr>
+        </p:nvSpPr>
+        <p:spPr>
+          <a:xfrm>
+            <a:off x="1371600" y="1143000"/>
+            <a:ext cx="4114800" cy="3086100"/>
+          </a:xfrm>
+          <a:prstGeom prst="rect">
+            <a:avLst/>
+          </a:prstGeom>
+          <a:noFill/>
+          <a:ln w="12700">
+            <a:solidFill>
+              <a:prstClr val="black"/>
+            </a:solidFill>
+          </a:ln>
+        </p:spPr>
+        <p:txBody>
+          <a:bodyPr vert="horz" lIns="91440" tIns="45720" rIns="91440" bIns="45720" rtlCol="0" anchor="ctr"/>
+          <a:lstStyle/>
+          <a:p>
+            <a:endParaRPr lang="en-CA"/>
+          </a:p>
+        </p:txBody>
+      </p:sp>
+      <p:sp>
+        <p:nvSpPr>
+          <p:cNvPr id="5" name="Notes Placeholder 4"/>
+          <p:cNvSpPr>
+            <a:spLocks noGrp="1"/>
+          </p:cNvSpPr>
+          <p:nvPr>
+            <p:ph type="body" sz="quarter" idx="3"/>
+          </p:nvPr>
+        </p:nvSpPr>
+        <p:spPr>
+          <a:xfrm>
+            <a:off x="685800" y="4400550"/>
+            <a:ext cx="5486400" cy="3600450"/>
+          </a:xfrm>
+          <a:prstGeom prst="rect">
+            <a:avLst/>
+          </a:prstGeom>
+        </p:spPr>
+        <p:txBody>
+          <a:bodyPr vert="horz" lIns="91440" tIns="45720" rIns="91440" bIns="45720" rtlCol="0"/>
+          <a:lstStyle/>
+          <a:p>
+            <a:pPr lvl="0"/>
+            <a:r>
+              <a:rPr lang="en-US" smtClean="0"/>
+              <a:t>Click to edit Master text styles</a:t>
+            </a:r>
+          </a:p>
+          <a:p>
+            <a:pPr lvl="1"/>
+            <a:r>
+              <a:rPr lang="en-US" smtClean="0"/>
+              <a:t>Second level</a:t>
+            </a:r>
+          </a:p>
+          <a:p>
+            <a:pPr lvl="2"/>
+            <a:r>
+              <a:rPr lang="en-US" smtClean="0"/>
+              <a:t>Third level</a:t>
+            </a:r>
+          </a:p>
+          <a:p>
+            <a:pPr lvl="3"/>
+            <a:r>
+              <a:rPr lang="en-US" smtClean="0"/>
+              <a:t>Fourth level</a:t>
+            </a:r>
+          </a:p>
+          <a:p>
+            <a:pPr lvl="4"/>
+            <a:r>
+              <a:rPr lang="en-US" smtClean="0"/>
+              <a:t>Fifth level</a:t>
+            </a:r>
+            <a:endParaRPr lang="en-CA"/>
+          </a:p>
+        </p:txBody>
+      </p:sp>
+      <p:sp>
+        <p:nvSpPr>
+          <p:cNvPr id="6" name="Footer Placeholder 5"/>
+          <p:cNvSpPr>
+            <a:spLocks noGrp="1"/>
+          </p:cNvSpPr>
+          <p:nvPr>
+            <p:ph type="ftr" sz="quarter" idx="4"/>
+          </p:nvPr>
+        </p:nvSpPr>
+        <p:spPr>
+          <a:xfrm>
+            <a:off x="0" y="8685213"/>
+            <a:ext cx="2971800" cy="458787"/>
+          </a:xfrm>
+          <a:prstGeom prst="rect">
+            <a:avLst/>
+          </a:prstGeom>
+        </p:spPr>
+        <p:txBody>
+          <a:bodyPr vert="horz" lIns="91440" tIns="45720" rIns="91440" bIns="45720" rtlCol="0" anchor="b"/>
+          <a:lstStyle>
+            <a:lvl1pPr algn="l">
+              <a:defRPr sz="1200"/>
+            </a:lvl1pPr>
+          </a:lstStyle>
+          <a:p>
+            <a:endParaRPr lang="en-CA"/>
+          </a:p>
+        </p:txBody>
+      </p:sp>
+      <p:sp>
+        <p:nvSpPr>
+          <p:cNvPr id="7" name="Slide Number Placeholder 6"/>
+          <p:cNvSpPr>
+            <a:spLocks noGrp="1"/>
+          </p:cNvSpPr>
+          <p:nvPr>
+            <p:ph type="sldNum" sz="quarter" idx="5"/>
+          </p:nvPr>
+        </p:nvSpPr>
+        <p:spPr>
+          <a:xfrm>
+            <a:off x="3884613" y="8685213"/>
+            <a:ext cx="2971800" cy="458787"/>
+          </a:xfrm>
+          <a:prstGeom prst="rect">
+            <a:avLst/>
+          </a:prstGeom>
+        </p:spPr>
+        <p:txBody>
+          <a:bodyPr vert="horz" lIns="91440" tIns="45720" rIns="91440" bIns="45720" rtlCol="0" anchor="b"/>
+          <a:lstStyle>
+            <a:lvl1pPr algn="r">
+              <a:defRPr sz="1200"/>
+            </a:lvl1pPr>
+          </a:lstStyle>
+          <a:p>
+            <a:fld id="{F1AB34FE-F7D5-4B7A-8A17-7F2D2F8BD1A3}" type="slidenum">
+              <a:rPr lang="en-CA" smtClean="0"/>
+              <a:t>‹#›</a:t>
+            </a:fld>
+            <a:endParaRPr lang="en-CA"/>
+          </a:p>
+        </p:txBody>
+      </p:sp>
+    </p:spTree>
+    <p:extLst>
+      <p:ext uri="{BB962C8B-B14F-4D97-AF65-F5344CB8AC3E}">
+        <p14:creationId xmlns:p14="http://schemas.microsoft.com/office/powerpoint/2010/main" val="2621364184"/>
+      </p:ext>
+    </p:extLst>
+  </p:cSld>
+  <p:clrMap bg1="lt1" tx1="dk1" bg2="lt2" tx2="dk2" accent1="accent1" accent2="accent2" accent3="accent3" accent4="accent4" accent5="accent5" accent6="accent6" hlink="hlink" folHlink="folHlink"/>
+  <p:notesStyle>
+    <a:lvl1pPr marL="0" algn="l" defTabSz="914400" rtl="0" eaLnBrk="1" latinLnBrk="0" hangingPunct="1">
+      <a:defRPr sz="1200" kern="1200">
+        <a:solidFill>
+          <a:schemeClr val="tx1"/>
+        </a:solidFill>
+        <a:latin typeface="+mn-lt"/>
+        <a:ea typeface="+mn-ea"/>
+        <a:cs typeface="+mn-cs"/>
+      </a:defRPr>
+    </a:lvl1pPr>
+    <a:lvl2pPr marL="457200" algn="l" defTabSz="914400" rtl="0" eaLnBrk="1" latinLnBrk="0" hangingPunct="1">
+      <a:defRPr sz="1200" kern="1200">
+        <a:solidFill>
+          <a:schemeClr val="tx1"/>
+        </a:solidFill>
+        <a:latin typeface="+mn-lt"/>
+        <a:ea typeface="+mn-ea"/>
+        <a:cs typeface="+mn-cs"/>
+      </a:defRPr>
+    </a:lvl2pPr>
+    <a:lvl3pPr marL="914400" algn="l" defTabSz="914400" rtl="0" eaLnBrk="1" latinLnBrk="0" hangingPunct="1">
+      <a:defRPr sz="1200" kern="1200">
+        <a:solidFill>
+          <a:schemeClr val="tx1"/>
+        </a:solidFill>
+        <a:latin typeface="+mn-lt"/>
+        <a:ea typeface="+mn-ea"/>
+        <a:cs typeface="+mn-cs"/>
+      </a:defRPr>
+    </a:lvl3pPr>
+    <a:lvl4pPr marL="1371600" algn="l" defTabSz="914400" rtl="0" eaLnBrk="1" latinLnBrk="0" hangingPunct="1">
+      <a:defRPr sz="1200" kern="1200">
+        <a:solidFill>
+          <a:schemeClr val="tx1"/>
+        </a:solidFill>
+        <a:latin typeface="+mn-lt"/>
+        <a:ea typeface="+mn-ea"/>
+        <a:cs typeface="+mn-cs"/>
+      </a:defRPr>
+    </a:lvl4pPr>
+    <a:lvl5pPr marL="1828800" algn="l" defTabSz="914400" rtl="0" eaLnBrk="1" latinLnBrk="0" hangingPunct="1">
+      <a:defRPr sz="1200" kern="1200">
+        <a:solidFill>
+          <a:schemeClr val="tx1"/>
+        </a:solidFill>
+        <a:latin typeface="+mn-lt"/>
+        <a:ea typeface="+mn-ea"/>
+        <a:cs typeface="+mn-cs"/>
+      </a:defRPr>
+    </a:lvl5pPr>
+    <a:lvl6pPr marL="2286000" algn="l" defTabSz="914400" rtl="0" eaLnBrk="1" latinLnBrk="0" hangingPunct="1">
+      <a:defRPr sz="1200" kern="1200">
+        <a:solidFill>
+          <a:schemeClr val="tx1"/>
+        </a:solidFill>
+        <a:latin typeface="+mn-lt"/>
+        <a:ea typeface="+mn-ea"/>
+        <a:cs typeface="+mn-cs"/>
+      </a:defRPr>
+    </a:lvl6pPr>
+    <a:lvl7pPr marL="2743200" algn="l" defTabSz="914400" rtl="0" eaLnBrk="1" latinLnBrk="0" hangingPunct="1">
+      <a:defRPr sz="1200" kern="1200">
+        <a:solidFill>
+          <a:schemeClr val="tx1"/>
+        </a:solidFill>
+        <a:latin typeface="+mn-lt"/>
+        <a:ea typeface="+mn-ea"/>
+        <a:cs typeface="+mn-cs"/>
+      </a:defRPr>
+    </a:lvl7pPr>
+    <a:lvl8pPr marL="3200400" algn="l" defTabSz="914400" rtl="0" eaLnBrk="1" latinLnBrk="0" hangingPunct="1">
+      <a:defRPr sz="1200" kern="1200">
+        <a:solidFill>
+          <a:schemeClr val="tx1"/>
+        </a:solidFill>
+        <a:latin typeface="+mn-lt"/>
+        <a:ea typeface="+mn-ea"/>
+        <a:cs typeface="+mn-cs"/>
+      </a:defRPr>
+    </a:lvl8pPr>
+    <a:lvl9pPr marL="3657600" algn="l" defTabSz="914400" rtl="0" eaLnBrk="1" latinLnBrk="0" hangingPunct="1">
+      <a:defRPr sz="1200" kern="1200">
+        <a:solidFill>
+          <a:schemeClr val="tx1"/>
+        </a:solidFill>
+        <a:latin typeface="+mn-lt"/>
+        <a:ea typeface="+mn-ea"/>
+        <a:cs typeface="+mn-cs"/>
+      </a:defRPr>
+    </a:lvl9pPr>
+  </p:notesStyle>
+</p:notesMaster>
+</file>
+
+<file path=ppt/notesSlides/notesSlide1.xml><?xml version="1.0" encoding="utf-8"?>
+<p:notes xmlns:a="http://schemas.openxmlformats.org/drawingml/2006/main" xmlns:r="http://schemas.openxmlformats.org/officeDocument/2006/relationships" xmlns:p="http://schemas.openxmlformats.org/presentationml/2006/main">
+  <p:cSld>
+    <p:spTree>
+      <p:nvGrpSpPr>
+        <p:cNvPr id="1" name=""/>
+        <p:cNvGrpSpPr/>
+        <p:nvPr/>
+      </p:nvGrpSpPr>
+      <p:grpSpPr>
+        <a:xfrm>
+          <a:off x="0" y="0"/>
+          <a:ext cx="0" cy="0"/>
+          <a:chOff x="0" y="0"/>
+          <a:chExt cx="0" cy="0"/>
+        </a:xfrm>
+      </p:grpSpPr>
+      <p:sp>
+        <p:nvSpPr>
+          <p:cNvPr id="2" name="Slide Image Placeholder 1"/>
+          <p:cNvSpPr>
+            <a:spLocks noGrp="1" noRot="1" noChangeAspect="1"/>
+          </p:cNvSpPr>
+          <p:nvPr>
+            <p:ph type="sldImg"/>
+          </p:nvPr>
+        </p:nvSpPr>
+        <p:spPr/>
+      </p:sp>
+      <p:sp>
+        <p:nvSpPr>
+          <p:cNvPr id="3" name="Notes Placeholder 2"/>
+          <p:cNvSpPr>
+            <a:spLocks noGrp="1"/>
+          </p:cNvSpPr>
+          <p:nvPr>
+            <p:ph type="body" idx="1"/>
+          </p:nvPr>
+        </p:nvSpPr>
+        <p:spPr/>
+        <p:txBody>
+          <a:bodyPr/>
+          <a:lstStyle/>
+          <a:p>
+            <a:endParaRPr lang="en-CA" dirty="0"/>
+          </a:p>
+        </p:txBody>
+      </p:sp>
+      <p:sp>
+        <p:nvSpPr>
+          <p:cNvPr id="4" name="Slide Number Placeholder 3"/>
+          <p:cNvSpPr>
+            <a:spLocks noGrp="1"/>
+          </p:cNvSpPr>
+          <p:nvPr>
+            <p:ph type="sldNum" sz="quarter" idx="10"/>
+          </p:nvPr>
+        </p:nvSpPr>
+        <p:spPr/>
+        <p:txBody>
+          <a:bodyPr/>
+          <a:lstStyle/>
+          <a:p>
+            <a:fld id="{F1AB34FE-F7D5-4B7A-8A17-7F2D2F8BD1A3}" type="slidenum">
+              <a:rPr lang="en-CA" smtClean="0"/>
+              <a:t>1</a:t>
+            </a:fld>
+            <a:endParaRPr lang="en-CA"/>
+          </a:p>
+        </p:txBody>
+      </p:sp>
+    </p:spTree>
+    <p:extLst>
+      <p:ext uri="{BB962C8B-B14F-4D97-AF65-F5344CB8AC3E}">
+        <p14:creationId xmlns:p14="http://schemas.microsoft.com/office/powerpoint/2010/main" val="567684149"/>
+      </p:ext>
+    </p:extLst>
+  </p:cSld>
+  <p:clrMapOvr>
+    <a:masterClrMapping/>
+  </p:clrMapOvr>
+</p:notes>
 </file>
 
 <file path=ppt/slideLayouts/slideLayout1.xml><?xml version="1.0" encoding="utf-8"?>
@@ -288,7 +741,7 @@
           <a:p>
             <a:fld id="{BD11ADD5-E14D-449A-83D5-794C8D646EDC}" type="datetimeFigureOut">
               <a:rPr lang="en-CA" smtClean="0"/>
-              <a:t>2014-08-05</a:t>
+              <a:t>2014-08-11</a:t>
             </a:fld>
             <a:endParaRPr lang="en-CA"/>
           </a:p>
@@ -458,7 +911,7 @@
           <a:p>
             <a:fld id="{BD11ADD5-E14D-449A-83D5-794C8D646EDC}" type="datetimeFigureOut">
               <a:rPr lang="en-CA" smtClean="0"/>
-              <a:t>2014-08-05</a:t>
+              <a:t>2014-08-11</a:t>
             </a:fld>
             <a:endParaRPr lang="en-CA"/>
           </a:p>
@@ -638,7 +1091,7 @@
           <a:p>
             <a:fld id="{BD11ADD5-E14D-449A-83D5-794C8D646EDC}" type="datetimeFigureOut">
               <a:rPr lang="en-CA" smtClean="0"/>
-              <a:t>2014-08-05</a:t>
+              <a:t>2014-08-11</a:t>
             </a:fld>
             <a:endParaRPr lang="en-CA"/>
           </a:p>
@@ -808,7 +1261,7 @@
           <a:p>
             <a:fld id="{BD11ADD5-E14D-449A-83D5-794C8D646EDC}" type="datetimeFigureOut">
               <a:rPr lang="en-CA" smtClean="0"/>
-              <a:t>2014-08-05</a:t>
+              <a:t>2014-08-11</a:t>
             </a:fld>
             <a:endParaRPr lang="en-CA"/>
           </a:p>
@@ -1054,7 +1507,7 @@
           <a:p>
             <a:fld id="{BD11ADD5-E14D-449A-83D5-794C8D646EDC}" type="datetimeFigureOut">
               <a:rPr lang="en-CA" smtClean="0"/>
-              <a:t>2014-08-05</a:t>
+              <a:t>2014-08-11</a:t>
             </a:fld>
             <a:endParaRPr lang="en-CA"/>
           </a:p>
@@ -1342,7 +1795,7 @@
           <a:p>
             <a:fld id="{BD11ADD5-E14D-449A-83D5-794C8D646EDC}" type="datetimeFigureOut">
               <a:rPr lang="en-CA" smtClean="0"/>
-              <a:t>2014-08-05</a:t>
+              <a:t>2014-08-11</a:t>
             </a:fld>
             <a:endParaRPr lang="en-CA"/>
           </a:p>
@@ -1764,7 +2217,7 @@
           <a:p>
             <a:fld id="{BD11ADD5-E14D-449A-83D5-794C8D646EDC}" type="datetimeFigureOut">
               <a:rPr lang="en-CA" smtClean="0"/>
-              <a:t>2014-08-05</a:t>
+              <a:t>2014-08-11</a:t>
             </a:fld>
             <a:endParaRPr lang="en-CA"/>
           </a:p>
@@ -1882,7 +2335,7 @@
           <a:p>
             <a:fld id="{BD11ADD5-E14D-449A-83D5-794C8D646EDC}" type="datetimeFigureOut">
               <a:rPr lang="en-CA" smtClean="0"/>
-              <a:t>2014-08-05</a:t>
+              <a:t>2014-08-11</a:t>
             </a:fld>
             <a:endParaRPr lang="en-CA"/>
           </a:p>
@@ -1977,7 +2430,7 @@
           <a:p>
             <a:fld id="{BD11ADD5-E14D-449A-83D5-794C8D646EDC}" type="datetimeFigureOut">
               <a:rPr lang="en-CA" smtClean="0"/>
-              <a:t>2014-08-05</a:t>
+              <a:t>2014-08-11</a:t>
             </a:fld>
             <a:endParaRPr lang="en-CA"/>
           </a:p>
@@ -2254,7 +2707,7 @@
           <a:p>
             <a:fld id="{BD11ADD5-E14D-449A-83D5-794C8D646EDC}" type="datetimeFigureOut">
               <a:rPr lang="en-CA" smtClean="0"/>
-              <a:t>2014-08-05</a:t>
+              <a:t>2014-08-11</a:t>
             </a:fld>
             <a:endParaRPr lang="en-CA"/>
           </a:p>
@@ -2507,7 +2960,7 @@
           <a:p>
             <a:fld id="{BD11ADD5-E14D-449A-83D5-794C8D646EDC}" type="datetimeFigureOut">
               <a:rPr lang="en-CA" smtClean="0"/>
-              <a:t>2014-08-05</a:t>
+              <a:t>2014-08-11</a:t>
             </a:fld>
             <a:endParaRPr lang="en-CA"/>
           </a:p>
@@ -2720,7 +3173,7 @@
           <a:p>
             <a:fld id="{BD11ADD5-E14D-449A-83D5-794C8D646EDC}" type="datetimeFigureOut">
               <a:rPr lang="en-CA" smtClean="0"/>
-              <a:t>2014-08-05</a:t>
+              <a:t>2014-08-11</a:t>
             </a:fld>
             <a:endParaRPr lang="en-CA"/>
           </a:p>
@@ -3103,7 +3556,7 @@
         </p:nvSpPr>
         <p:spPr>
           <a:xfrm>
-            <a:off x="4876800" y="1764828"/>
+            <a:off x="5334000" y="2152471"/>
             <a:ext cx="3733800" cy="1200329"/>
           </a:xfrm>
           <a:prstGeom prst="rect">
@@ -3155,7 +3608,7 @@
         </p:nvSpPr>
         <p:spPr>
           <a:xfrm>
-            <a:off x="4953000" y="3673355"/>
+            <a:off x="5410200" y="3673355"/>
             <a:ext cx="3733800" cy="1477328"/>
           </a:xfrm>
           <a:prstGeom prst="rect">
@@ -3201,7 +3654,7 @@
         </p:nvGrpSpPr>
         <p:grpSpPr>
           <a:xfrm>
-            <a:off x="1295904" y="29705"/>
+            <a:off x="2293554" y="29705"/>
             <a:ext cx="2878810" cy="1379430"/>
             <a:chOff x="1159790" y="29705"/>
             <a:chExt cx="3657600" cy="1752600"/>
@@ -3443,7 +3896,7 @@
         </p:nvSpPr>
         <p:spPr>
           <a:xfrm>
-            <a:off x="4953000" y="360226"/>
+            <a:off x="5410200" y="360226"/>
             <a:ext cx="3733800" cy="923330"/>
           </a:xfrm>
           <a:prstGeom prst="rect">
@@ -3479,7 +3932,7 @@
         </p:nvGrpSpPr>
         <p:grpSpPr>
           <a:xfrm>
-            <a:off x="1295904" y="1924138"/>
+            <a:off x="2293554" y="1924138"/>
             <a:ext cx="2878810" cy="1379430"/>
             <a:chOff x="990600" y="1066800"/>
             <a:chExt cx="3657600" cy="1752600"/>
@@ -3743,7 +4196,7 @@
           <p:nvPr/>
         </p:nvPicPr>
         <p:blipFill rotWithShape="1">
-          <a:blip r:embed="rId2" cstate="print">
+          <a:blip r:embed="rId3" cstate="print">
             <a:duotone>
               <a:schemeClr val="accent5">
                 <a:shade val="45000"/>
@@ -3762,7 +4215,7 @@
         </p:blipFill>
         <p:spPr bwMode="auto">
           <a:xfrm>
-            <a:off x="2485638" y="3361295"/>
+            <a:off x="3483288" y="3361295"/>
             <a:ext cx="847649" cy="624121"/>
           </a:xfrm>
           <a:prstGeom prst="rect">
@@ -3795,7 +4248,7 @@
         </p:nvSpPr>
         <p:spPr>
           <a:xfrm>
-            <a:off x="1644210" y="4005423"/>
+            <a:off x="2641860" y="4005423"/>
             <a:ext cx="2530504" cy="1005302"/>
           </a:xfrm>
           <a:prstGeom prst="rect">
@@ -3879,7 +4332,7 @@
           <p:nvPr/>
         </p:nvPicPr>
         <p:blipFill rotWithShape="1">
-          <a:blip r:embed="rId2" cstate="print">
+          <a:blip r:embed="rId3" cstate="print">
             <a:duotone>
               <a:schemeClr val="accent5">
                 <a:shade val="45000"/>
@@ -3898,7 +4351,7 @@
         </p:blipFill>
         <p:spPr bwMode="auto">
           <a:xfrm>
-            <a:off x="2485638" y="1484744"/>
+            <a:off x="3483288" y="1484744"/>
             <a:ext cx="847649" cy="624121"/>
           </a:xfrm>
           <a:prstGeom prst="rect">
@@ -3931,7 +4384,7 @@
         </p:nvSpPr>
         <p:spPr>
           <a:xfrm>
-            <a:off x="1653446" y="5640260"/>
+            <a:off x="2651096" y="5640260"/>
             <a:ext cx="2530504" cy="1005302"/>
           </a:xfrm>
           <a:prstGeom prst="rect">
@@ -3986,7 +4439,7 @@
         </p:nvSpPr>
         <p:spPr>
           <a:xfrm>
-            <a:off x="2745004" y="5105400"/>
+            <a:off x="3742654" y="5105400"/>
             <a:ext cx="328916" cy="457200"/>
           </a:xfrm>
           <a:prstGeom prst="downArrow">
@@ -4014,6 +4467,146 @@
           <a:p>
             <a:pPr algn="ctr"/>
             <a:endParaRPr lang="en-CA"/>
+          </a:p>
+        </p:txBody>
+      </p:sp>
+      <p:sp>
+        <p:nvSpPr>
+          <p:cNvPr id="25" name="TextBox 24"/>
+          <p:cNvSpPr txBox="1"/>
+          <p:nvPr/>
+        </p:nvSpPr>
+        <p:spPr>
+          <a:xfrm>
+            <a:off x="5410200" y="5858881"/>
+            <a:ext cx="3733800" cy="646331"/>
+          </a:xfrm>
+          <a:prstGeom prst="rect">
+            <a:avLst/>
+          </a:prstGeom>
+          <a:noFill/>
+        </p:spPr>
+        <p:txBody>
+          <a:bodyPr wrap="square" rtlCol="0">
+            <a:spAutoFit/>
+          </a:bodyPr>
+          <a:lstStyle/>
+          <a:p>
+            <a:pPr marL="122238" indent="-122238">
+              <a:buFont typeface="Arial" panose="020B0604020202020204" pitchFamily="34" charset="0"/>
+              <a:buChar char="•"/>
+            </a:pPr>
+            <a:r>
+              <a:rPr lang="en-US" dirty="0" smtClean="0"/>
+              <a:t>Runs Behavioral experiment with or without </a:t>
+            </a:r>
+            <a:r>
+              <a:rPr lang="en-US" dirty="0" err="1" smtClean="0"/>
+              <a:t>OpenEx</a:t>
+            </a:r>
+            <a:endParaRPr lang="en-CA" dirty="0"/>
+          </a:p>
+        </p:txBody>
+      </p:sp>
+      <p:sp>
+        <p:nvSpPr>
+          <p:cNvPr id="26" name="Rectangle 25"/>
+          <p:cNvSpPr/>
+          <p:nvPr/>
+        </p:nvSpPr>
+        <p:spPr>
+          <a:xfrm>
+            <a:off x="106670" y="3066474"/>
+            <a:ext cx="2007104" cy="741522"/>
+          </a:xfrm>
+          <a:prstGeom prst="rect">
+            <a:avLst/>
+          </a:prstGeom>
+        </p:spPr>
+        <p:style>
+          <a:lnRef idx="2">
+            <a:schemeClr val="dk1"/>
+          </a:lnRef>
+          <a:fillRef idx="1">
+            <a:schemeClr val="lt1"/>
+          </a:fillRef>
+          <a:effectRef idx="0">
+            <a:schemeClr val="dk1"/>
+          </a:effectRef>
+          <a:fontRef idx="minor">
+            <a:schemeClr val="dk1"/>
+          </a:fontRef>
+        </p:style>
+        <p:txBody>
+          <a:bodyPr rtlCol="0" anchor="ctr"/>
+          <a:lstStyle/>
+          <a:p>
+            <a:pPr algn="ctr"/>
+            <a:r>
+              <a:rPr lang="en-US" sz="1400" dirty="0" smtClean="0"/>
+              <a:t>Paradigm Contingencies &amp; Display</a:t>
+            </a:r>
+          </a:p>
+          <a:p>
+            <a:pPr algn="ctr"/>
+            <a:r>
+              <a:rPr lang="en-US" sz="1400" dirty="0" err="1" smtClean="0">
+                <a:latin typeface="Courier New" panose="02070309020205020404" pitchFamily="49" charset="0"/>
+                <a:cs typeface="Courier New" panose="02070309020205020404" pitchFamily="49" charset="0"/>
+              </a:rPr>
+              <a:t>ep_BitMasker</a:t>
+            </a:r>
+            <a:endParaRPr lang="en-US" sz="1400" dirty="0" smtClean="0">
+              <a:latin typeface="Courier New" panose="02070309020205020404" pitchFamily="49" charset="0"/>
+              <a:cs typeface="Courier New" panose="02070309020205020404" pitchFamily="49" charset="0"/>
+            </a:endParaRPr>
+          </a:p>
+        </p:txBody>
+      </p:sp>
+      <p:sp>
+        <p:nvSpPr>
+          <p:cNvPr id="2" name="Bent Arrow 1"/>
+          <p:cNvSpPr/>
+          <p:nvPr/>
+        </p:nvSpPr>
+        <p:spPr>
+          <a:xfrm rot="10800000" flipH="1">
+            <a:off x="1051660" y="3962400"/>
+            <a:ext cx="1462940" cy="807283"/>
+          </a:xfrm>
+          <a:prstGeom prst="bentArrow">
+            <a:avLst>
+              <a:gd name="adj1" fmla="val 15791"/>
+              <a:gd name="adj2" fmla="val 25000"/>
+              <a:gd name="adj3" fmla="val 25000"/>
+              <a:gd name="adj4" fmla="val 43750"/>
+            </a:avLst>
+          </a:prstGeom>
+        </p:spPr>
+        <p:style>
+          <a:lnRef idx="1">
+            <a:schemeClr val="accent5"/>
+          </a:lnRef>
+          <a:fillRef idx="2">
+            <a:schemeClr val="accent5"/>
+          </a:fillRef>
+          <a:effectRef idx="1">
+            <a:schemeClr val="accent5"/>
+          </a:effectRef>
+          <a:fontRef idx="minor">
+            <a:schemeClr val="dk1"/>
+          </a:fontRef>
+        </p:style>
+        <p:txBody>
+          <a:bodyPr rtlCol="0" anchor="ctr"/>
+          <a:lstStyle/>
+          <a:p>
+            <a:pPr algn="ctr"/>
+            <a:endParaRPr lang="en-CA">
+              <a:solidFill>
+                <a:schemeClr val="tx1"/>
+              </a:solidFill>
+            </a:endParaRPr>
           </a:p>
         </p:txBody>
       </p:sp>
@@ -4313,4 +4906,265 @@
   <a:objectDefaults/>
   <a:extraClrSchemeLst/>
 </a:theme>
+</file>
+
+<file path=ppt/theme/theme2.xml><?xml version="1.0" encoding="utf-8"?>
+<a:theme xmlns:a="http://schemas.openxmlformats.org/drawingml/2006/main" name="Office Theme">
+  <a:themeElements>
+    <a:clrScheme name="Office">
+      <a:dk1>
+        <a:sysClr val="windowText" lastClr="000000"/>
+      </a:dk1>
+      <a:lt1>
+        <a:sysClr val="window" lastClr="FFFFFF"/>
+      </a:lt1>
+      <a:dk2>
+        <a:srgbClr val="44546A"/>
+      </a:dk2>
+      <a:lt2>
+        <a:srgbClr val="E7E6E6"/>
+      </a:lt2>
+      <a:accent1>
+        <a:srgbClr val="5B9BD5"/>
+      </a:accent1>
+      <a:accent2>
+        <a:srgbClr val="ED7D31"/>
+      </a:accent2>
+      <a:accent3>
+        <a:srgbClr val="A5A5A5"/>
+      </a:accent3>
+      <a:accent4>
+        <a:srgbClr val="FFC000"/>
+      </a:accent4>
+      <a:accent5>
+        <a:srgbClr val="4472C4"/>
+      </a:accent5>
+      <a:accent6>
+        <a:srgbClr val="70AD47"/>
+      </a:accent6>
+      <a:hlink>
+        <a:srgbClr val="0563C1"/>
+      </a:hlink>
+      <a:folHlink>
+        <a:srgbClr val="954F72"/>
+      </a:folHlink>
+    </a:clrScheme>
+    <a:fontScheme name="Office">
+      <a:majorFont>
+        <a:latin typeface="Calibri Light" panose="020F0302020204030204"/>
+        <a:ea typeface=""/>
+        <a:cs typeface=""/>
+        <a:font script="Jpan" typeface="ＭＳ Ｐゴシック"/>
+        <a:font script="Hang" typeface="맑은 고딕"/>
+        <a:font script="Hans" typeface="宋体"/>
+        <a:font script="Hant" typeface="新細明體"/>
+        <a:font script="Arab" typeface="Times New Roman"/>
+        <a:font script="Hebr" typeface="Times New Roman"/>
+        <a:font script="Thai" typeface="Angsana New"/>
+        <a:font script="Ethi" typeface="Nyala"/>
+        <a:font script="Beng" typeface="Vrinda"/>
+        <a:font script="Gujr" typeface="Shruti"/>
+        <a:font script="Khmr" typeface="MoolBoran"/>
+        <a:font script="Knda" typeface="Tunga"/>
+        <a:font script="Guru" typeface="Raavi"/>
+        <a:font script="Cans" typeface="Euphemia"/>
+        <a:font script="Cher" typeface="Plantagenet Cherokee"/>
+        <a:font script="Yiii" typeface="Microsoft Yi Baiti"/>
+        <a:font script="Tibt" typeface="Microsoft Himalaya"/>
+        <a:font script="Thaa" typeface="MV Boli"/>
+        <a:font script="Deva" typeface="Mangal"/>
+        <a:font script="Telu" typeface="Gautami"/>
+        <a:font script="Taml" typeface="Latha"/>
+        <a:font script="Syrc" typeface="Estrangelo Edessa"/>
+        <a:font script="Orya" typeface="Kalinga"/>
+        <a:font script="Mlym" typeface="Kartika"/>
+        <a:font script="Laoo" typeface="DokChampa"/>
+        <a:font script="Sinh" typeface="Iskoola Pota"/>
+        <a:font script="Mong" typeface="Mongolian Baiti"/>
+        <a:font script="Viet" typeface="Times New Roman"/>
+        <a:font script="Uigh" typeface="Microsoft Uighur"/>
+        <a:font script="Geor" typeface="Sylfaen"/>
+      </a:majorFont>
+      <a:minorFont>
+        <a:latin typeface="Calibri" panose="020F0502020204030204"/>
+        <a:ea typeface=""/>
+        <a:cs typeface=""/>
+        <a:font script="Jpan" typeface="ＭＳ Ｐゴシック"/>
+        <a:font script="Hang" typeface="맑은 고딕"/>
+        <a:font script="Hans" typeface="宋体"/>
+        <a:font script="Hant" typeface="新細明體"/>
+        <a:font script="Arab" typeface="Arial"/>
+        <a:font script="Hebr" typeface="Arial"/>
+        <a:font script="Thai" typeface="Cordia New"/>
+        <a:font script="Ethi" typeface="Nyala"/>
+        <a:font script="Beng" typeface="Vrinda"/>
+        <a:font script="Gujr" typeface="Shruti"/>
+        <a:font script="Khmr" typeface="DaunPenh"/>
+        <a:font script="Knda" typeface="Tunga"/>
+        <a:font script="Guru" typeface="Raavi"/>
+        <a:font script="Cans" typeface="Euphemia"/>
+        <a:font script="Cher" typeface="Plantagenet Cherokee"/>
+        <a:font script="Yiii" typeface="Microsoft Yi Baiti"/>
+        <a:font script="Tibt" typeface="Microsoft Himalaya"/>
+        <a:font script="Thaa" typeface="MV Boli"/>
+        <a:font script="Deva" typeface="Mangal"/>
+        <a:font script="Telu" typeface="Gautami"/>
+        <a:font script="Taml" typeface="Latha"/>
+        <a:font script="Syrc" typeface="Estrangelo Edessa"/>
+        <a:font script="Orya" typeface="Kalinga"/>
+        <a:font script="Mlym" typeface="Kartika"/>
+        <a:font script="Laoo" typeface="DokChampa"/>
+        <a:font script="Sinh" typeface="Iskoola Pota"/>
+        <a:font script="Mong" typeface="Mongolian Baiti"/>
+        <a:font script="Viet" typeface="Arial"/>
+        <a:font script="Uigh" typeface="Microsoft Uighur"/>
+        <a:font script="Geor" typeface="Sylfaen"/>
+      </a:minorFont>
+    </a:fontScheme>
+    <a:fmtScheme name="Office">
+      <a:fillStyleLst>
+        <a:solidFill>
+          <a:schemeClr val="phClr"/>
+        </a:solidFill>
+        <a:gradFill rotWithShape="1">
+          <a:gsLst>
+            <a:gs pos="0">
+              <a:schemeClr val="phClr">
+                <a:lumMod val="110000"/>
+                <a:satMod val="105000"/>
+                <a:tint val="67000"/>
+              </a:schemeClr>
+            </a:gs>
+            <a:gs pos="50000">
+              <a:schemeClr val="phClr">
+                <a:lumMod val="105000"/>
+                <a:satMod val="103000"/>
+                <a:tint val="73000"/>
+              </a:schemeClr>
+            </a:gs>
+            <a:gs pos="100000">
+              <a:schemeClr val="phClr">
+                <a:lumMod val="105000"/>
+                <a:satMod val="109000"/>
+                <a:tint val="81000"/>
+              </a:schemeClr>
+            </a:gs>
+          </a:gsLst>
+          <a:lin ang="5400000" scaled="0"/>
+        </a:gradFill>
+        <a:gradFill rotWithShape="1">
+          <a:gsLst>
+            <a:gs pos="0">
+              <a:schemeClr val="phClr">
+                <a:satMod val="103000"/>
+                <a:lumMod val="102000"/>
+                <a:tint val="94000"/>
+              </a:schemeClr>
+            </a:gs>
+            <a:gs pos="50000">
+              <a:schemeClr val="phClr">
+                <a:satMod val="110000"/>
+                <a:lumMod val="100000"/>
+                <a:shade val="100000"/>
+              </a:schemeClr>
+            </a:gs>
+            <a:gs pos="100000">
+              <a:schemeClr val="phClr">
+                <a:lumMod val="99000"/>
+                <a:satMod val="120000"/>
+                <a:shade val="78000"/>
+              </a:schemeClr>
+            </a:gs>
+          </a:gsLst>
+          <a:lin ang="5400000" scaled="0"/>
+        </a:gradFill>
+      </a:fillStyleLst>
+      <a:lnStyleLst>
+        <a:ln w="6350" cap="flat" cmpd="sng" algn="ctr">
+          <a:solidFill>
+            <a:schemeClr val="phClr"/>
+          </a:solidFill>
+          <a:prstDash val="solid"/>
+          <a:miter lim="800000"/>
+        </a:ln>
+        <a:ln w="12700" cap="flat" cmpd="sng" algn="ctr">
+          <a:solidFill>
+            <a:schemeClr val="phClr"/>
+          </a:solidFill>
+          <a:prstDash val="solid"/>
+          <a:miter lim="800000"/>
+        </a:ln>
+        <a:ln w="19050" cap="flat" cmpd="sng" algn="ctr">
+          <a:solidFill>
+            <a:schemeClr val="phClr"/>
+          </a:solidFill>
+          <a:prstDash val="solid"/>
+          <a:miter lim="800000"/>
+        </a:ln>
+      </a:lnStyleLst>
+      <a:effectStyleLst>
+        <a:effectStyle>
+          <a:effectLst/>
+        </a:effectStyle>
+        <a:effectStyle>
+          <a:effectLst/>
+        </a:effectStyle>
+        <a:effectStyle>
+          <a:effectLst>
+            <a:outerShdw blurRad="57150" dist="19050" dir="5400000" algn="ctr" rotWithShape="0">
+              <a:srgbClr val="000000">
+                <a:alpha val="63000"/>
+              </a:srgbClr>
+            </a:outerShdw>
+          </a:effectLst>
+        </a:effectStyle>
+      </a:effectStyleLst>
+      <a:bgFillStyleLst>
+        <a:solidFill>
+          <a:schemeClr val="phClr"/>
+        </a:solidFill>
+        <a:solidFill>
+          <a:schemeClr val="phClr">
+            <a:tint val="95000"/>
+            <a:satMod val="170000"/>
+          </a:schemeClr>
+        </a:solidFill>
+        <a:gradFill rotWithShape="1">
+          <a:gsLst>
+            <a:gs pos="0">
+              <a:schemeClr val="phClr">
+                <a:tint val="93000"/>
+                <a:satMod val="150000"/>
+                <a:shade val="98000"/>
+                <a:lumMod val="102000"/>
+              </a:schemeClr>
+            </a:gs>
+            <a:gs pos="50000">
+              <a:schemeClr val="phClr">
+                <a:tint val="98000"/>
+                <a:satMod val="130000"/>
+                <a:shade val="90000"/>
+                <a:lumMod val="103000"/>
+              </a:schemeClr>
+            </a:gs>
+            <a:gs pos="100000">
+              <a:schemeClr val="phClr">
+                <a:shade val="63000"/>
+                <a:satMod val="120000"/>
+              </a:schemeClr>
+            </a:gs>
+          </a:gsLst>
+          <a:lin ang="5400000" scaled="0"/>
+        </a:gradFill>
+      </a:bgFillStyleLst>
+    </a:fmtScheme>
+  </a:themeElements>
+  <a:objectDefaults/>
+  <a:extraClrSchemeLst/>
+  <a:extLst>
+    <a:ext uri="{05A4C25C-085E-4340-85A3-A5531E510DB2}">
+      <thm15:themeFamily xmlns:thm15="http://schemas.microsoft.com/office/thememl/2012/main" name="Office Theme" id="{62F939B6-93AF-4DB8-9C6B-D6C7DFDC589F}" vid="{4A3C46E8-61CC-4603-A589-7422A47A8E4A}"/>
+    </a:ext>
+  </a:extLst>
+</a:theme>
 </file>
--- a/trunk/ProgramDesign.pptx
+++ b/trunk/ProgramDesign.pptx
@@ -208,7 +208,7 @@
           <a:p>
             <a:fld id="{5B1F1AE8-169A-448B-8F06-14A9CDED5B93}" type="datetimeFigureOut">
               <a:rPr lang="en-CA" smtClean="0"/>
-              <a:t>2014-08-11</a:t>
+              <a:t>2014-08-22</a:t>
             </a:fld>
             <a:endParaRPr lang="en-CA"/>
           </a:p>
@@ -741,7 +741,7 @@
           <a:p>
             <a:fld id="{BD11ADD5-E14D-449A-83D5-794C8D646EDC}" type="datetimeFigureOut">
               <a:rPr lang="en-CA" smtClean="0"/>
-              <a:t>2014-08-11</a:t>
+              <a:t>2014-08-22</a:t>
             </a:fld>
             <a:endParaRPr lang="en-CA"/>
           </a:p>
@@ -911,7 +911,7 @@
           <a:p>
             <a:fld id="{BD11ADD5-E14D-449A-83D5-794C8D646EDC}" type="datetimeFigureOut">
               <a:rPr lang="en-CA" smtClean="0"/>
-              <a:t>2014-08-11</a:t>
+              <a:t>2014-08-22</a:t>
             </a:fld>
             <a:endParaRPr lang="en-CA"/>
           </a:p>
@@ -1091,7 +1091,7 @@
           <a:p>
             <a:fld id="{BD11ADD5-E14D-449A-83D5-794C8D646EDC}" type="datetimeFigureOut">
               <a:rPr lang="en-CA" smtClean="0"/>
-              <a:t>2014-08-11</a:t>
+              <a:t>2014-08-22</a:t>
             </a:fld>
             <a:endParaRPr lang="en-CA"/>
           </a:p>
@@ -1261,7 +1261,7 @@
           <a:p>
             <a:fld id="{BD11ADD5-E14D-449A-83D5-794C8D646EDC}" type="datetimeFigureOut">
               <a:rPr lang="en-CA" smtClean="0"/>
-              <a:t>2014-08-11</a:t>
+              <a:t>2014-08-22</a:t>
             </a:fld>
             <a:endParaRPr lang="en-CA"/>
           </a:p>
@@ -1507,7 +1507,7 @@
           <a:p>
             <a:fld id="{BD11ADD5-E14D-449A-83D5-794C8D646EDC}" type="datetimeFigureOut">
               <a:rPr lang="en-CA" smtClean="0"/>
-              <a:t>2014-08-11</a:t>
+              <a:t>2014-08-22</a:t>
             </a:fld>
             <a:endParaRPr lang="en-CA"/>
           </a:p>
@@ -1795,7 +1795,7 @@
           <a:p>
             <a:fld id="{BD11ADD5-E14D-449A-83D5-794C8D646EDC}" type="datetimeFigureOut">
               <a:rPr lang="en-CA" smtClean="0"/>
-              <a:t>2014-08-11</a:t>
+              <a:t>2014-08-22</a:t>
             </a:fld>
             <a:endParaRPr lang="en-CA"/>
           </a:p>
@@ -2217,7 +2217,7 @@
           <a:p>
             <a:fld id="{BD11ADD5-E14D-449A-83D5-794C8D646EDC}" type="datetimeFigureOut">
               <a:rPr lang="en-CA" smtClean="0"/>
-              <a:t>2014-08-11</a:t>
+              <a:t>2014-08-22</a:t>
             </a:fld>
             <a:endParaRPr lang="en-CA"/>
           </a:p>
@@ -2335,7 +2335,7 @@
           <a:p>
             <a:fld id="{BD11ADD5-E14D-449A-83D5-794C8D646EDC}" type="datetimeFigureOut">
               <a:rPr lang="en-CA" smtClean="0"/>
-              <a:t>2014-08-11</a:t>
+              <a:t>2014-08-22</a:t>
             </a:fld>
             <a:endParaRPr lang="en-CA"/>
           </a:p>
@@ -2430,7 +2430,7 @@
           <a:p>
             <a:fld id="{BD11ADD5-E14D-449A-83D5-794C8D646EDC}" type="datetimeFigureOut">
               <a:rPr lang="en-CA" smtClean="0"/>
-              <a:t>2014-08-11</a:t>
+              <a:t>2014-08-22</a:t>
             </a:fld>
             <a:endParaRPr lang="en-CA"/>
           </a:p>
@@ -2707,7 +2707,7 @@
           <a:p>
             <a:fld id="{BD11ADD5-E14D-449A-83D5-794C8D646EDC}" type="datetimeFigureOut">
               <a:rPr lang="en-CA" smtClean="0"/>
-              <a:t>2014-08-11</a:t>
+              <a:t>2014-08-22</a:t>
             </a:fld>
             <a:endParaRPr lang="en-CA"/>
           </a:p>
@@ -2960,7 +2960,7 @@
           <a:p>
             <a:fld id="{BD11ADD5-E14D-449A-83D5-794C8D646EDC}" type="datetimeFigureOut">
               <a:rPr lang="en-CA" smtClean="0"/>
-              <a:t>2014-08-11</a:t>
+              <a:t>2014-08-22</a:t>
             </a:fld>
             <a:endParaRPr lang="en-CA"/>
           </a:p>
@@ -3173,7 +3173,7 @@
           <a:p>
             <a:fld id="{BD11ADD5-E14D-449A-83D5-794C8D646EDC}" type="datetimeFigureOut">
               <a:rPr lang="en-CA" smtClean="0"/>
-              <a:t>2014-08-11</a:t>
+              <a:t>2014-08-22</a:t>
             </a:fld>
             <a:endParaRPr lang="en-CA"/>
           </a:p>
@@ -3556,8 +3556,8 @@
         </p:nvSpPr>
         <p:spPr>
           <a:xfrm>
-            <a:off x="5334000" y="2152471"/>
-            <a:ext cx="3733800" cy="1200329"/>
+            <a:off x="5172364" y="2156936"/>
+            <a:ext cx="3913580" cy="738664"/>
           </a:xfrm>
           <a:prstGeom prst="rect">
             <a:avLst/>
@@ -3565,7 +3565,7 @@
           <a:noFill/>
         </p:spPr>
         <p:txBody>
-          <a:bodyPr wrap="square" rtlCol="0">
+          <a:bodyPr wrap="square" rIns="0" rtlCol="0">
             <a:spAutoFit/>
           </a:bodyPr>
           <a:lstStyle/>
@@ -3575,15 +3575,15 @@
               <a:buChar char="•"/>
             </a:pPr>
             <a:r>
-              <a:rPr lang="en-US" dirty="0" smtClean="0"/>
+              <a:rPr lang="en-US" sz="1400" dirty="0" smtClean="0"/>
               <a:t>Defines hardware and </a:t>
             </a:r>
             <a:r>
-              <a:rPr lang="en-US" dirty="0" err="1" smtClean="0"/>
+              <a:rPr lang="en-US" sz="1400" dirty="0" err="1" smtClean="0"/>
               <a:t>RPvds</a:t>
             </a:r>
             <a:r>
-              <a:rPr lang="en-US" dirty="0" smtClean="0"/>
+              <a:rPr lang="en-US" sz="1400" dirty="0" smtClean="0"/>
               <a:t> circuits</a:t>
             </a:r>
           </a:p>
@@ -3593,10 +3593,10 @@
               <a:buChar char="•"/>
             </a:pPr>
             <a:r>
-              <a:rPr lang="en-US" dirty="0" smtClean="0"/>
+              <a:rPr lang="en-US" sz="1400" dirty="0" smtClean="0"/>
               <a:t>One or multiple experiment protocol files can be made for each behavioral box</a:t>
             </a:r>
-            <a:endParaRPr lang="en-CA" dirty="0"/>
+            <a:endParaRPr lang="en-CA" sz="1400" dirty="0"/>
           </a:p>
         </p:txBody>
       </p:sp>
@@ -3608,8 +3608,8 @@
         </p:nvSpPr>
         <p:spPr>
           <a:xfrm>
-            <a:off x="5410200" y="3673355"/>
-            <a:ext cx="3733800" cy="1477328"/>
+            <a:off x="5172365" y="3872805"/>
+            <a:ext cx="3971636" cy="1384995"/>
           </a:xfrm>
           <a:prstGeom prst="rect">
             <a:avLst/>
@@ -3617,7 +3617,7 @@
           <a:noFill/>
         </p:spPr>
         <p:txBody>
-          <a:bodyPr wrap="square" rtlCol="0">
+          <a:bodyPr wrap="square" rIns="0" rtlCol="0">
             <a:spAutoFit/>
           </a:bodyPr>
           <a:lstStyle/>
@@ -3627,7 +3627,7 @@
               <a:buChar char="•"/>
             </a:pPr>
             <a:r>
-              <a:rPr lang="en-US" dirty="0" smtClean="0"/>
+              <a:rPr lang="en-US" sz="1400" dirty="0" smtClean="0"/>
               <a:t>Defines which subjects are assigned to which behavioral box</a:t>
             </a:r>
           </a:p>
@@ -3637,10 +3637,20 @@
               <a:buChar char="•"/>
             </a:pPr>
             <a:r>
-              <a:rPr lang="en-US" dirty="0" smtClean="0"/>
+              <a:rPr lang="en-US" sz="1400" dirty="0" smtClean="0"/>
               <a:t>User-defined configuration for how to display and graph subject performance during experiment</a:t>
             </a:r>
-            <a:endParaRPr lang="en-CA" dirty="0"/>
+          </a:p>
+          <a:p>
+            <a:pPr marL="122238" indent="-122238">
+              <a:buFont typeface="Arial" panose="020B0604020202020204" pitchFamily="34" charset="0"/>
+              <a:buChar char="•"/>
+            </a:pPr>
+            <a:r>
+              <a:rPr lang="en-US" sz="1400" dirty="0" smtClean="0"/>
+              <a:t>Customizable functions for controlling experiment (advanced options)</a:t>
+            </a:r>
+            <a:endParaRPr lang="en-CA" sz="1400" dirty="0"/>
           </a:p>
         </p:txBody>
       </p:sp>
@@ -3896,8 +3906,8 @@
         </p:nvSpPr>
         <p:spPr>
           <a:xfrm>
-            <a:off x="5410200" y="360226"/>
-            <a:ext cx="3733800" cy="923330"/>
+            <a:off x="5172364" y="328136"/>
+            <a:ext cx="3895436" cy="738664"/>
           </a:xfrm>
           <a:prstGeom prst="rect">
             <a:avLst/>
@@ -3905,7 +3915,7 @@
           <a:noFill/>
         </p:spPr>
         <p:txBody>
-          <a:bodyPr wrap="square" rtlCol="0">
+          <a:bodyPr wrap="square" rIns="0" rtlCol="0">
             <a:spAutoFit/>
           </a:bodyPr>
           <a:lstStyle/>
@@ -3915,10 +3925,24 @@
               <a:buChar char="•"/>
             </a:pPr>
             <a:r>
-              <a:rPr lang="en-US" dirty="0" smtClean="0"/>
-              <a:t>Create real-time components for signal generation and data acquisition</a:t>
-            </a:r>
-            <a:endParaRPr lang="en-CA" dirty="0"/>
+              <a:rPr lang="en-US" sz="1400" dirty="0" smtClean="0"/>
+              <a:t>Create real-time components for signal generation and data </a:t>
+            </a:r>
+            <a:r>
+              <a:rPr lang="en-US" sz="1400" dirty="0" smtClean="0"/>
+              <a:t>acquisition</a:t>
+            </a:r>
+          </a:p>
+          <a:p>
+            <a:pPr marL="122238" indent="-122238">
+              <a:buFont typeface="Arial" panose="020B0604020202020204" pitchFamily="34" charset="0"/>
+              <a:buChar char="•"/>
+            </a:pPr>
+            <a:r>
+              <a:rPr lang="en-US" sz="1400" dirty="0" smtClean="0"/>
+              <a:t>Behavioral hardware input/output</a:t>
+            </a:r>
+            <a:endParaRPr lang="en-CA" sz="1400" dirty="0"/>
           </a:p>
         </p:txBody>
       </p:sp>
@@ -4478,8 +4502,8 @@
         </p:nvSpPr>
         <p:spPr>
           <a:xfrm>
-            <a:off x="5410200" y="5858881"/>
-            <a:ext cx="3733800" cy="646331"/>
+            <a:off x="5181600" y="5562600"/>
+            <a:ext cx="3962400" cy="523220"/>
           </a:xfrm>
           <a:prstGeom prst="rect">
             <a:avLst/>
@@ -4487,7 +4511,7 @@
           <a:noFill/>
         </p:spPr>
         <p:txBody>
-          <a:bodyPr wrap="square" rtlCol="0">
+          <a:bodyPr wrap="square" rIns="0" rtlCol="0">
             <a:spAutoFit/>
           </a:bodyPr>
           <a:lstStyle/>
@@ -4497,14 +4521,14 @@
               <a:buChar char="•"/>
             </a:pPr>
             <a:r>
-              <a:rPr lang="en-US" dirty="0" smtClean="0"/>
+              <a:rPr lang="en-US" sz="1400" dirty="0" smtClean="0"/>
               <a:t>Runs Behavioral experiment with or without </a:t>
             </a:r>
             <a:r>
-              <a:rPr lang="en-US" dirty="0" err="1" smtClean="0"/>
+              <a:rPr lang="en-US" sz="1400" dirty="0" err="1" smtClean="0"/>
               <a:t>OpenEx</a:t>
             </a:r>
-            <a:endParaRPr lang="en-CA" dirty="0"/>
+            <a:endParaRPr lang="en-CA" sz="1400" dirty="0"/>
           </a:p>
         </p:txBody>
       </p:sp>
@@ -4516,8 +4540,8 @@
         </p:nvSpPr>
         <p:spPr>
           <a:xfrm>
-            <a:off x="106670" y="3066474"/>
-            <a:ext cx="2007104" cy="741522"/>
+            <a:off x="106670" y="2971800"/>
+            <a:ext cx="2007104" cy="895926"/>
           </a:xfrm>
           <a:prstGeom prst="rect">
             <a:avLst/>
@@ -4555,6 +4579,20 @@
                 <a:cs typeface="Courier New" panose="02070309020205020404" pitchFamily="49" charset="0"/>
               </a:rPr>
               <a:t>ep_BitMasker</a:t>
+            </a:r>
+            <a:endParaRPr lang="en-US" sz="1400" dirty="0" smtClean="0">
+              <a:latin typeface="Courier New" panose="02070309020205020404" pitchFamily="49" charset="0"/>
+              <a:cs typeface="Courier New" panose="02070309020205020404" pitchFamily="49" charset="0"/>
+            </a:endParaRPr>
+          </a:p>
+          <a:p>
+            <a:pPr algn="ctr"/>
+            <a:r>
+              <a:rPr lang="en-US" sz="1400" dirty="0" smtClean="0">
+                <a:latin typeface="Courier New" panose="02070309020205020404" pitchFamily="49" charset="0"/>
+                <a:cs typeface="Courier New" panose="02070309020205020404" pitchFamily="49" charset="0"/>
+              </a:rPr>
+              <a:t>(*.mat)</a:t>
             </a:r>
             <a:endParaRPr lang="en-US" sz="1400" dirty="0" smtClean="0">
               <a:latin typeface="Courier New" panose="02070309020205020404" pitchFamily="49" charset="0"/>

--- a/trunk/ProgramDesign.pptx
+++ b/trunk/ProgramDesign.pptx
@@ -2,13 +2,16 @@
 <file path=ppt/presentation.xml><?xml version="1.0" encoding="utf-8"?>
 <p:presentation xmlns:a="http://schemas.openxmlformats.org/drawingml/2006/main" xmlns:r="http://schemas.openxmlformats.org/officeDocument/2006/relationships" xmlns:p="http://schemas.openxmlformats.org/presentationml/2006/main" saveSubsetFonts="1">
   <p:sldMasterIdLst>
-    <p:sldMasterId id="2147483648" r:id="rId1"/>
+    <p:sldMasterId id="2147483678" r:id="rId1"/>
   </p:sldMasterIdLst>
   <p:notesMasterIdLst>
-    <p:notesMasterId r:id="rId3"/>
+    <p:notesMasterId r:id="rId6"/>
   </p:notesMasterIdLst>
   <p:sldIdLst>
-    <p:sldId id="256" r:id="rId2"/>
+    <p:sldId id="259" r:id="rId2"/>
+    <p:sldId id="260" r:id="rId3"/>
+    <p:sldId id="258" r:id="rId4"/>
+    <p:sldId id="256" r:id="rId5"/>
   </p:sldIdLst>
   <p:sldSz cx="9144000" cy="6858000" type="screen4x3"/>
   <p:notesSz cx="6858000" cy="9144000"/>
@@ -208,7 +211,7 @@
           <a:p>
             <a:fld id="{5B1F1AE8-169A-448B-8F06-14A9CDED5B93}" type="datetimeFigureOut">
               <a:rPr lang="en-CA" smtClean="0"/>
-              <a:t>2014-08-22</a:t>
+              <a:t>2014-08-24</a:t>
             </a:fld>
             <a:endParaRPr lang="en-CA"/>
           </a:p>
@@ -541,7 +544,91 @@
           <a:p>
             <a:fld id="{F1AB34FE-F7D5-4B7A-8A17-7F2D2F8BD1A3}" type="slidenum">
               <a:rPr lang="en-CA" smtClean="0"/>
-              <a:t>1</a:t>
+              <a:t>2</a:t>
+            </a:fld>
+            <a:endParaRPr lang="en-CA"/>
+          </a:p>
+        </p:txBody>
+      </p:sp>
+    </p:spTree>
+    <p:extLst>
+      <p:ext uri="{BB962C8B-B14F-4D97-AF65-F5344CB8AC3E}">
+        <p14:creationId xmlns:p14="http://schemas.microsoft.com/office/powerpoint/2010/main" val="1509323214"/>
+      </p:ext>
+    </p:extLst>
+  </p:cSld>
+  <p:clrMapOvr>
+    <a:masterClrMapping/>
+  </p:clrMapOvr>
+</p:notes>
+</file>
+
+<file path=ppt/notesSlides/notesSlide2.xml><?xml version="1.0" encoding="utf-8"?>
+<p:notes xmlns:a="http://schemas.openxmlformats.org/drawingml/2006/main" xmlns:r="http://schemas.openxmlformats.org/officeDocument/2006/relationships" xmlns:p="http://schemas.openxmlformats.org/presentationml/2006/main">
+  <p:cSld>
+    <p:spTree>
+      <p:nvGrpSpPr>
+        <p:cNvPr id="1" name=""/>
+        <p:cNvGrpSpPr/>
+        <p:nvPr/>
+      </p:nvGrpSpPr>
+      <p:grpSpPr>
+        <a:xfrm>
+          <a:off x="0" y="0"/>
+          <a:ext cx="0" cy="0"/>
+          <a:chOff x="0" y="0"/>
+          <a:chExt cx="0" cy="0"/>
+        </a:xfrm>
+      </p:grpSpPr>
+      <p:sp>
+        <p:nvSpPr>
+          <p:cNvPr id="2" name="Slide Image Placeholder 1"/>
+          <p:cNvSpPr>
+            <a:spLocks noGrp="1" noRot="1" noChangeAspect="1"/>
+          </p:cNvSpPr>
+          <p:nvPr>
+            <p:ph type="sldImg"/>
+          </p:nvPr>
+        </p:nvSpPr>
+        <p:spPr/>
+      </p:sp>
+      <p:sp>
+        <p:nvSpPr>
+          <p:cNvPr id="3" name="Notes Placeholder 2"/>
+          <p:cNvSpPr>
+            <a:spLocks noGrp="1"/>
+          </p:cNvSpPr>
+          <p:nvPr>
+            <p:ph type="body" idx="1"/>
+          </p:nvPr>
+        </p:nvSpPr>
+        <p:spPr/>
+        <p:txBody>
+          <a:bodyPr/>
+          <a:lstStyle/>
+          <a:p>
+            <a:endParaRPr lang="en-CA" dirty="0"/>
+          </a:p>
+        </p:txBody>
+      </p:sp>
+      <p:sp>
+        <p:nvSpPr>
+          <p:cNvPr id="4" name="Slide Number Placeholder 3"/>
+          <p:cNvSpPr>
+            <a:spLocks noGrp="1"/>
+          </p:cNvSpPr>
+          <p:nvPr>
+            <p:ph type="sldNum" sz="quarter" idx="10"/>
+          </p:nvPr>
+        </p:nvSpPr>
+        <p:spPr/>
+        <p:txBody>
+          <a:bodyPr/>
+          <a:lstStyle/>
+          <a:p>
+            <a:fld id="{F1AB34FE-F7D5-4B7A-8A17-7F2D2F8BD1A3}" type="slidenum">
+              <a:rPr lang="en-CA" smtClean="0"/>
+              <a:t>4</a:t>
             </a:fld>
             <a:endParaRPr lang="en-CA"/>
           </a:p>
@@ -589,13 +676,17 @@
         </p:nvSpPr>
         <p:spPr>
           <a:xfrm>
-            <a:off x="685800" y="2130425"/>
-            <a:ext cx="7772400" cy="1470025"/>
+            <a:off x="1143000" y="1122363"/>
+            <a:ext cx="6858000" cy="2387600"/>
           </a:xfrm>
         </p:spPr>
         <p:txBody>
-          <a:bodyPr/>
-          <a:lstStyle/>
+          <a:bodyPr anchor="b"/>
+          <a:lstStyle>
+            <a:lvl1pPr algn="ctr">
+              <a:defRPr sz="4500"/>
+            </a:lvl1pPr>
+          </a:lstStyle>
           <a:p>
             <a:r>
               <a:rPr lang="en-US" smtClean="0"/>
@@ -617,8 +708,8 @@
         </p:nvSpPr>
         <p:spPr>
           <a:xfrm>
-            <a:off x="1371600" y="3886200"/>
-            <a:ext cx="6400800" cy="1752600"/>
+            <a:off x="1143000" y="3602038"/>
+            <a:ext cx="6858000" cy="1655762"/>
           </a:xfrm>
         </p:spPr>
         <p:txBody>
@@ -626,93 +717,39 @@
           <a:lstStyle>
             <a:lvl1pPr marL="0" indent="0" algn="ctr">
               <a:buNone/>
-              <a:defRPr>
-                <a:solidFill>
-                  <a:schemeClr val="tx1">
-                    <a:tint val="75000"/>
-                  </a:schemeClr>
-                </a:solidFill>
-              </a:defRPr>
+              <a:defRPr sz="1800"/>
             </a:lvl1pPr>
-            <a:lvl2pPr marL="457200" indent="0" algn="ctr">
-              <a:buNone/>
-              <a:defRPr>
-                <a:solidFill>
-                  <a:schemeClr val="tx1">
-                    <a:tint val="75000"/>
-                  </a:schemeClr>
-                </a:solidFill>
-              </a:defRPr>
+            <a:lvl2pPr marL="342900" indent="0" algn="ctr">
+              <a:buNone/>
+              <a:defRPr sz="1500"/>
             </a:lvl2pPr>
-            <a:lvl3pPr marL="914400" indent="0" algn="ctr">
-              <a:buNone/>
-              <a:defRPr>
-                <a:solidFill>
-                  <a:schemeClr val="tx1">
-                    <a:tint val="75000"/>
-                  </a:schemeClr>
-                </a:solidFill>
-              </a:defRPr>
+            <a:lvl3pPr marL="685800" indent="0" algn="ctr">
+              <a:buNone/>
+              <a:defRPr sz="1350"/>
             </a:lvl3pPr>
-            <a:lvl4pPr marL="1371600" indent="0" algn="ctr">
-              <a:buNone/>
-              <a:defRPr>
-                <a:solidFill>
-                  <a:schemeClr val="tx1">
-                    <a:tint val="75000"/>
-                  </a:schemeClr>
-                </a:solidFill>
-              </a:defRPr>
+            <a:lvl4pPr marL="1028700" indent="0" algn="ctr">
+              <a:buNone/>
+              <a:defRPr sz="1200"/>
             </a:lvl4pPr>
-            <a:lvl5pPr marL="1828800" indent="0" algn="ctr">
-              <a:buNone/>
-              <a:defRPr>
-                <a:solidFill>
-                  <a:schemeClr val="tx1">
-                    <a:tint val="75000"/>
-                  </a:schemeClr>
-                </a:solidFill>
-              </a:defRPr>
+            <a:lvl5pPr marL="1371600" indent="0" algn="ctr">
+              <a:buNone/>
+              <a:defRPr sz="1200"/>
             </a:lvl5pPr>
-            <a:lvl6pPr marL="2286000" indent="0" algn="ctr">
-              <a:buNone/>
-              <a:defRPr>
-                <a:solidFill>
-                  <a:schemeClr val="tx1">
-                    <a:tint val="75000"/>
-                  </a:schemeClr>
-                </a:solidFill>
-              </a:defRPr>
+            <a:lvl6pPr marL="1714500" indent="0" algn="ctr">
+              <a:buNone/>
+              <a:defRPr sz="1200"/>
             </a:lvl6pPr>
-            <a:lvl7pPr marL="2743200" indent="0" algn="ctr">
-              <a:buNone/>
-              <a:defRPr>
-                <a:solidFill>
-                  <a:schemeClr val="tx1">
-                    <a:tint val="75000"/>
-                  </a:schemeClr>
-                </a:solidFill>
-              </a:defRPr>
+            <a:lvl7pPr marL="2057400" indent="0" algn="ctr">
+              <a:buNone/>
+              <a:defRPr sz="1200"/>
             </a:lvl7pPr>
-            <a:lvl8pPr marL="3200400" indent="0" algn="ctr">
-              <a:buNone/>
-              <a:defRPr>
-                <a:solidFill>
-                  <a:schemeClr val="tx1">
-                    <a:tint val="75000"/>
-                  </a:schemeClr>
-                </a:solidFill>
-              </a:defRPr>
+            <a:lvl8pPr marL="2400300" indent="0" algn="ctr">
+              <a:buNone/>
+              <a:defRPr sz="1200"/>
             </a:lvl8pPr>
-            <a:lvl9pPr marL="3657600" indent="0" algn="ctr">
-              <a:buNone/>
-              <a:defRPr>
-                <a:solidFill>
-                  <a:schemeClr val="tx1">
-                    <a:tint val="75000"/>
-                  </a:schemeClr>
-                </a:solidFill>
-              </a:defRPr>
+            <a:lvl9pPr marL="2743200" indent="0" algn="ctr">
+              <a:buNone/>
+              <a:defRPr sz="1200"/>
             </a:lvl9pPr>
           </a:lstStyle>
           <a:p>
@@ -741,7 +778,7 @@
           <a:p>
             <a:fld id="{BD11ADD5-E14D-449A-83D5-794C8D646EDC}" type="datetimeFigureOut">
               <a:rPr lang="en-CA" smtClean="0"/>
-              <a:t>2014-08-22</a:t>
+              <a:t>2014-08-24</a:t>
             </a:fld>
             <a:endParaRPr lang="en-CA"/>
           </a:p>
@@ -792,7 +829,7 @@
     </p:spTree>
     <p:extLst>
       <p:ext uri="{BB962C8B-B14F-4D97-AF65-F5344CB8AC3E}">
-        <p14:creationId xmlns:p14="http://schemas.microsoft.com/office/powerpoint/2010/main" val="38534865"/>
+        <p14:creationId xmlns:p14="http://schemas.microsoft.com/office/powerpoint/2010/main" val="433494939"/>
       </p:ext>
     </p:extLst>
   </p:cSld>
@@ -911,7 +948,7 @@
           <a:p>
             <a:fld id="{BD11ADD5-E14D-449A-83D5-794C8D646EDC}" type="datetimeFigureOut">
               <a:rPr lang="en-CA" smtClean="0"/>
-              <a:t>2014-08-22</a:t>
+              <a:t>2014-08-24</a:t>
             </a:fld>
             <a:endParaRPr lang="en-CA"/>
           </a:p>
@@ -962,7 +999,7 @@
     </p:spTree>
     <p:extLst>
       <p:ext uri="{BB962C8B-B14F-4D97-AF65-F5344CB8AC3E}">
-        <p14:creationId xmlns:p14="http://schemas.microsoft.com/office/powerpoint/2010/main" val="1777071211"/>
+        <p14:creationId xmlns:p14="http://schemas.microsoft.com/office/powerpoint/2010/main" val="3701599038"/>
       </p:ext>
     </p:extLst>
   </p:cSld>
@@ -1001,8 +1038,8 @@
         </p:nvSpPr>
         <p:spPr>
           <a:xfrm>
-            <a:off x="6629400" y="274638"/>
-            <a:ext cx="2057400" cy="5851525"/>
+            <a:off x="6543675" y="365125"/>
+            <a:ext cx="1971675" cy="5811838"/>
           </a:xfrm>
         </p:spPr>
         <p:txBody>
@@ -1029,8 +1066,8 @@
         </p:nvSpPr>
         <p:spPr>
           <a:xfrm>
-            <a:off x="457200" y="274638"/>
-            <a:ext cx="6019800" cy="5851525"/>
+            <a:off x="628650" y="365125"/>
+            <a:ext cx="5800725" cy="5811838"/>
           </a:xfrm>
         </p:spPr>
         <p:txBody>
@@ -1091,7 +1128,7 @@
           <a:p>
             <a:fld id="{BD11ADD5-E14D-449A-83D5-794C8D646EDC}" type="datetimeFigureOut">
               <a:rPr lang="en-CA" smtClean="0"/>
-              <a:t>2014-08-22</a:t>
+              <a:t>2014-08-24</a:t>
             </a:fld>
             <a:endParaRPr lang="en-CA"/>
           </a:p>
@@ -1142,7 +1179,7 @@
     </p:spTree>
     <p:extLst>
       <p:ext uri="{BB962C8B-B14F-4D97-AF65-F5344CB8AC3E}">
-        <p14:creationId xmlns:p14="http://schemas.microsoft.com/office/powerpoint/2010/main" val="3562280961"/>
+        <p14:creationId xmlns:p14="http://schemas.microsoft.com/office/powerpoint/2010/main" val="604715967"/>
       </p:ext>
     </p:extLst>
   </p:cSld>
@@ -1261,7 +1298,7 @@
           <a:p>
             <a:fld id="{BD11ADD5-E14D-449A-83D5-794C8D646EDC}" type="datetimeFigureOut">
               <a:rPr lang="en-CA" smtClean="0"/>
-              <a:t>2014-08-22</a:t>
+              <a:t>2014-08-24</a:t>
             </a:fld>
             <a:endParaRPr lang="en-CA"/>
           </a:p>
@@ -1312,7 +1349,7 @@
     </p:spTree>
     <p:extLst>
       <p:ext uri="{BB962C8B-B14F-4D97-AF65-F5344CB8AC3E}">
-        <p14:creationId xmlns:p14="http://schemas.microsoft.com/office/powerpoint/2010/main" val="1327668359"/>
+        <p14:creationId xmlns:p14="http://schemas.microsoft.com/office/powerpoint/2010/main" val="3218918914"/>
       </p:ext>
     </p:extLst>
   </p:cSld>
@@ -1351,15 +1388,15 @@
         </p:nvSpPr>
         <p:spPr>
           <a:xfrm>
-            <a:off x="722313" y="4406900"/>
-            <a:ext cx="7772400" cy="1362075"/>
+            <a:off x="623888" y="1709739"/>
+            <a:ext cx="7886700" cy="2852737"/>
           </a:xfrm>
         </p:spPr>
         <p:txBody>
-          <a:bodyPr anchor="t"/>
+          <a:bodyPr anchor="b"/>
           <a:lstStyle>
-            <a:lvl1pPr algn="l">
-              <a:defRPr sz="4000" b="1" cap="all"/>
+            <a:lvl1pPr>
+              <a:defRPr sz="4500"/>
             </a:lvl1pPr>
           </a:lstStyle>
           <a:p>
@@ -1383,16 +1420,16 @@
         </p:nvSpPr>
         <p:spPr>
           <a:xfrm>
-            <a:off x="722313" y="2906713"/>
-            <a:ext cx="7772400" cy="1500187"/>
+            <a:off x="623888" y="4589464"/>
+            <a:ext cx="7886700" cy="1500187"/>
           </a:xfrm>
         </p:spPr>
         <p:txBody>
-          <a:bodyPr anchor="b"/>
+          <a:bodyPr/>
           <a:lstStyle>
             <a:lvl1pPr marL="0" indent="0">
               <a:buNone/>
-              <a:defRPr sz="2000">
+              <a:defRPr sz="1800">
                 <a:solidFill>
                   <a:schemeClr val="tx1">
                     <a:tint val="75000"/>
@@ -1400,9 +1437,9 @@
                 </a:solidFill>
               </a:defRPr>
             </a:lvl1pPr>
-            <a:lvl2pPr marL="457200" indent="0">
-              <a:buNone/>
-              <a:defRPr sz="1800">
+            <a:lvl2pPr marL="342900" indent="0">
+              <a:buNone/>
+              <a:defRPr sz="1500">
                 <a:solidFill>
                   <a:schemeClr val="tx1">
                     <a:tint val="75000"/>
@@ -1410,9 +1447,9 @@
                 </a:solidFill>
               </a:defRPr>
             </a:lvl2pPr>
-            <a:lvl3pPr marL="914400" indent="0">
-              <a:buNone/>
-              <a:defRPr sz="1600">
+            <a:lvl3pPr marL="685800" indent="0">
+              <a:buNone/>
+              <a:defRPr sz="1350">
                 <a:solidFill>
                   <a:schemeClr val="tx1">
                     <a:tint val="75000"/>
@@ -1420,9 +1457,9 @@
                 </a:solidFill>
               </a:defRPr>
             </a:lvl3pPr>
-            <a:lvl4pPr marL="1371600" indent="0">
-              <a:buNone/>
-              <a:defRPr sz="1400">
+            <a:lvl4pPr marL="1028700" indent="0">
+              <a:buNone/>
+              <a:defRPr sz="1200">
                 <a:solidFill>
                   <a:schemeClr val="tx1">
                     <a:tint val="75000"/>
@@ -1430,9 +1467,9 @@
                 </a:solidFill>
               </a:defRPr>
             </a:lvl4pPr>
-            <a:lvl5pPr marL="1828800" indent="0">
-              <a:buNone/>
-              <a:defRPr sz="1400">
+            <a:lvl5pPr marL="1371600" indent="0">
+              <a:buNone/>
+              <a:defRPr sz="1200">
                 <a:solidFill>
                   <a:schemeClr val="tx1">
                     <a:tint val="75000"/>
@@ -1440,9 +1477,9 @@
                 </a:solidFill>
               </a:defRPr>
             </a:lvl5pPr>
-            <a:lvl6pPr marL="2286000" indent="0">
-              <a:buNone/>
-              <a:defRPr sz="1400">
+            <a:lvl6pPr marL="1714500" indent="0">
+              <a:buNone/>
+              <a:defRPr sz="1200">
                 <a:solidFill>
                   <a:schemeClr val="tx1">
                     <a:tint val="75000"/>
@@ -1450,9 +1487,9 @@
                 </a:solidFill>
               </a:defRPr>
             </a:lvl6pPr>
-            <a:lvl7pPr marL="2743200" indent="0">
-              <a:buNone/>
-              <a:defRPr sz="1400">
+            <a:lvl7pPr marL="2057400" indent="0">
+              <a:buNone/>
+              <a:defRPr sz="1200">
                 <a:solidFill>
                   <a:schemeClr val="tx1">
                     <a:tint val="75000"/>
@@ -1460,9 +1497,9 @@
                 </a:solidFill>
               </a:defRPr>
             </a:lvl7pPr>
-            <a:lvl8pPr marL="3200400" indent="0">
-              <a:buNone/>
-              <a:defRPr sz="1400">
+            <a:lvl8pPr marL="2400300" indent="0">
+              <a:buNone/>
+              <a:defRPr sz="1200">
                 <a:solidFill>
                   <a:schemeClr val="tx1">
                     <a:tint val="75000"/>
@@ -1470,9 +1507,9 @@
                 </a:solidFill>
               </a:defRPr>
             </a:lvl8pPr>
-            <a:lvl9pPr marL="3657600" indent="0">
-              <a:buNone/>
-              <a:defRPr sz="1400">
+            <a:lvl9pPr marL="2743200" indent="0">
+              <a:buNone/>
+              <a:defRPr sz="1200">
                 <a:solidFill>
                   <a:schemeClr val="tx1">
                     <a:tint val="75000"/>
@@ -1507,7 +1544,7 @@
           <a:p>
             <a:fld id="{BD11ADD5-E14D-449A-83D5-794C8D646EDC}" type="datetimeFigureOut">
               <a:rPr lang="en-CA" smtClean="0"/>
-              <a:t>2014-08-22</a:t>
+              <a:t>2014-08-24</a:t>
             </a:fld>
             <a:endParaRPr lang="en-CA"/>
           </a:p>
@@ -1558,7 +1595,7 @@
     </p:spTree>
     <p:extLst>
       <p:ext uri="{BB962C8B-B14F-4D97-AF65-F5344CB8AC3E}">
-        <p14:creationId xmlns:p14="http://schemas.microsoft.com/office/powerpoint/2010/main" val="1670440425"/>
+        <p14:creationId xmlns:p14="http://schemas.microsoft.com/office/powerpoint/2010/main" val="3454974674"/>
       </p:ext>
     </p:extLst>
   </p:cSld>
@@ -1620,41 +1657,13 @@
         </p:nvSpPr>
         <p:spPr>
           <a:xfrm>
-            <a:off x="457200" y="1600200"/>
-            <a:ext cx="4038600" cy="4525963"/>
+            <a:off x="628650" y="1825625"/>
+            <a:ext cx="3886200" cy="4351338"/>
           </a:xfrm>
         </p:spPr>
         <p:txBody>
           <a:bodyPr/>
-          <a:lstStyle>
-            <a:lvl1pPr>
-              <a:defRPr sz="2800"/>
-            </a:lvl1pPr>
-            <a:lvl2pPr>
-              <a:defRPr sz="2400"/>
-            </a:lvl2pPr>
-            <a:lvl3pPr>
-              <a:defRPr sz="2000"/>
-            </a:lvl3pPr>
-            <a:lvl4pPr>
-              <a:defRPr sz="1800"/>
-            </a:lvl4pPr>
-            <a:lvl5pPr>
-              <a:defRPr sz="1800"/>
-            </a:lvl5pPr>
-            <a:lvl6pPr>
-              <a:defRPr sz="1800"/>
-            </a:lvl6pPr>
-            <a:lvl7pPr>
-              <a:defRPr sz="1800"/>
-            </a:lvl7pPr>
-            <a:lvl8pPr>
-              <a:defRPr sz="1800"/>
-            </a:lvl8pPr>
-            <a:lvl9pPr>
-              <a:defRPr sz="1800"/>
-            </a:lvl9pPr>
-          </a:lstStyle>
+          <a:lstStyle/>
           <a:p>
             <a:pPr lvl="0"/>
             <a:r>
@@ -1705,41 +1714,13 @@
         </p:nvSpPr>
         <p:spPr>
           <a:xfrm>
-            <a:off x="4648200" y="1600200"/>
-            <a:ext cx="4038600" cy="4525963"/>
+            <a:off x="4629150" y="1825625"/>
+            <a:ext cx="3886200" cy="4351338"/>
           </a:xfrm>
         </p:spPr>
         <p:txBody>
           <a:bodyPr/>
-          <a:lstStyle>
-            <a:lvl1pPr>
-              <a:defRPr sz="2800"/>
-            </a:lvl1pPr>
-            <a:lvl2pPr>
-              <a:defRPr sz="2400"/>
-            </a:lvl2pPr>
-            <a:lvl3pPr>
-              <a:defRPr sz="2000"/>
-            </a:lvl3pPr>
-            <a:lvl4pPr>
-              <a:defRPr sz="1800"/>
-            </a:lvl4pPr>
-            <a:lvl5pPr>
-              <a:defRPr sz="1800"/>
-            </a:lvl5pPr>
-            <a:lvl6pPr>
-              <a:defRPr sz="1800"/>
-            </a:lvl6pPr>
-            <a:lvl7pPr>
-              <a:defRPr sz="1800"/>
-            </a:lvl7pPr>
-            <a:lvl8pPr>
-              <a:defRPr sz="1800"/>
-            </a:lvl8pPr>
-            <a:lvl9pPr>
-              <a:defRPr sz="1800"/>
-            </a:lvl9pPr>
-          </a:lstStyle>
+          <a:lstStyle/>
           <a:p>
             <a:pPr lvl="0"/>
             <a:r>
@@ -1795,7 +1776,7 @@
           <a:p>
             <a:fld id="{BD11ADD5-E14D-449A-83D5-794C8D646EDC}" type="datetimeFigureOut">
               <a:rPr lang="en-CA" smtClean="0"/>
-              <a:t>2014-08-22</a:t>
+              <a:t>2014-08-24</a:t>
             </a:fld>
             <a:endParaRPr lang="en-CA"/>
           </a:p>
@@ -1846,7 +1827,7 @@
     </p:spTree>
     <p:extLst>
       <p:ext uri="{BB962C8B-B14F-4D97-AF65-F5344CB8AC3E}">
-        <p14:creationId xmlns:p14="http://schemas.microsoft.com/office/powerpoint/2010/main" val="832457772"/>
+        <p14:creationId xmlns:p14="http://schemas.microsoft.com/office/powerpoint/2010/main" val="1469422620"/>
       </p:ext>
     </p:extLst>
   </p:cSld>
@@ -1883,37 +1864,38 @@
             <p:ph type="title"/>
           </p:nvPr>
         </p:nvSpPr>
-        <p:spPr/>
-        <p:txBody>
-          <a:bodyPr/>
-          <a:lstStyle>
-            <a:lvl1pPr>
-              <a:defRPr/>
-            </a:lvl1pPr>
-          </a:lstStyle>
-          <a:p>
-            <a:r>
-              <a:rPr lang="en-US" smtClean="0"/>
-              <a:t>Click to edit Master title style</a:t>
-            </a:r>
-            <a:endParaRPr lang="en-CA"/>
-          </a:p>
-        </p:txBody>
-      </p:sp>
-      <p:sp>
-        <p:nvSpPr>
-          <p:cNvPr id="3" name="Text Placeholder 2"/>
-          <p:cNvSpPr>
-            <a:spLocks noGrp="1"/>
-          </p:cNvSpPr>
-          <p:nvPr>
-            <p:ph type="body" idx="1"/>
-          </p:nvPr>
-        </p:nvSpPr>
         <p:spPr>
           <a:xfrm>
-            <a:off x="457200" y="1535113"/>
-            <a:ext cx="4040188" cy="639762"/>
+            <a:off x="629841" y="365126"/>
+            <a:ext cx="7886700" cy="1325563"/>
+          </a:xfrm>
+        </p:spPr>
+        <p:txBody>
+          <a:bodyPr/>
+          <a:lstStyle/>
+          <a:p>
+            <a:r>
+              <a:rPr lang="en-US" smtClean="0"/>
+              <a:t>Click to edit Master title style</a:t>
+            </a:r>
+            <a:endParaRPr lang="en-CA"/>
+          </a:p>
+        </p:txBody>
+      </p:sp>
+      <p:sp>
+        <p:nvSpPr>
+          <p:cNvPr id="3" name="Text Placeholder 2"/>
+          <p:cNvSpPr>
+            <a:spLocks noGrp="1"/>
+          </p:cNvSpPr>
+          <p:nvPr>
+            <p:ph type="body" idx="1"/>
+          </p:nvPr>
+        </p:nvSpPr>
+        <p:spPr>
+          <a:xfrm>
+            <a:off x="629842" y="1681163"/>
+            <a:ext cx="3868340" cy="823912"/>
           </a:xfrm>
         </p:spPr>
         <p:txBody>
@@ -1921,39 +1903,39 @@
           <a:lstStyle>
             <a:lvl1pPr marL="0" indent="0">
               <a:buNone/>
-              <a:defRPr sz="2400" b="1"/>
+              <a:defRPr sz="1800" b="1"/>
             </a:lvl1pPr>
-            <a:lvl2pPr marL="457200" indent="0">
-              <a:buNone/>
-              <a:defRPr sz="2000" b="1"/>
+            <a:lvl2pPr marL="342900" indent="0">
+              <a:buNone/>
+              <a:defRPr sz="1500" b="1"/>
             </a:lvl2pPr>
-            <a:lvl3pPr marL="914400" indent="0">
-              <a:buNone/>
-              <a:defRPr sz="1800" b="1"/>
+            <a:lvl3pPr marL="685800" indent="0">
+              <a:buNone/>
+              <a:defRPr sz="1350" b="1"/>
             </a:lvl3pPr>
-            <a:lvl4pPr marL="1371600" indent="0">
-              <a:buNone/>
-              <a:defRPr sz="1600" b="1"/>
+            <a:lvl4pPr marL="1028700" indent="0">
+              <a:buNone/>
+              <a:defRPr sz="1200" b="1"/>
             </a:lvl4pPr>
-            <a:lvl5pPr marL="1828800" indent="0">
-              <a:buNone/>
-              <a:defRPr sz="1600" b="1"/>
+            <a:lvl5pPr marL="1371600" indent="0">
+              <a:buNone/>
+              <a:defRPr sz="1200" b="1"/>
             </a:lvl5pPr>
-            <a:lvl6pPr marL="2286000" indent="0">
-              <a:buNone/>
-              <a:defRPr sz="1600" b="1"/>
+            <a:lvl6pPr marL="1714500" indent="0">
+              <a:buNone/>
+              <a:defRPr sz="1200" b="1"/>
             </a:lvl6pPr>
-            <a:lvl7pPr marL="2743200" indent="0">
-              <a:buNone/>
-              <a:defRPr sz="1600" b="1"/>
+            <a:lvl7pPr marL="2057400" indent="0">
+              <a:buNone/>
+              <a:defRPr sz="1200" b="1"/>
             </a:lvl7pPr>
-            <a:lvl8pPr marL="3200400" indent="0">
-              <a:buNone/>
-              <a:defRPr sz="1600" b="1"/>
+            <a:lvl8pPr marL="2400300" indent="0">
+              <a:buNone/>
+              <a:defRPr sz="1200" b="1"/>
             </a:lvl8pPr>
-            <a:lvl9pPr marL="3657600" indent="0">
-              <a:buNone/>
-              <a:defRPr sz="1600" b="1"/>
+            <a:lvl9pPr marL="2743200" indent="0">
+              <a:buNone/>
+              <a:defRPr sz="1200" b="1"/>
             </a:lvl9pPr>
           </a:lstStyle>
           <a:p>
@@ -1977,41 +1959,13 @@
         </p:nvSpPr>
         <p:spPr>
           <a:xfrm>
-            <a:off x="457200" y="2174875"/>
-            <a:ext cx="4040188" cy="3951288"/>
+            <a:off x="629842" y="2505075"/>
+            <a:ext cx="3868340" cy="3684588"/>
           </a:xfrm>
         </p:spPr>
         <p:txBody>
           <a:bodyPr/>
-          <a:lstStyle>
-            <a:lvl1pPr>
-              <a:defRPr sz="2400"/>
-            </a:lvl1pPr>
-            <a:lvl2pPr>
-              <a:defRPr sz="2000"/>
-            </a:lvl2pPr>
-            <a:lvl3pPr>
-              <a:defRPr sz="1800"/>
-            </a:lvl3pPr>
-            <a:lvl4pPr>
-              <a:defRPr sz="1600"/>
-            </a:lvl4pPr>
-            <a:lvl5pPr>
-              <a:defRPr sz="1600"/>
-            </a:lvl5pPr>
-            <a:lvl6pPr>
-              <a:defRPr sz="1600"/>
-            </a:lvl6pPr>
-            <a:lvl7pPr>
-              <a:defRPr sz="1600"/>
-            </a:lvl7pPr>
-            <a:lvl8pPr>
-              <a:defRPr sz="1600"/>
-            </a:lvl8pPr>
-            <a:lvl9pPr>
-              <a:defRPr sz="1600"/>
-            </a:lvl9pPr>
-          </a:lstStyle>
+          <a:lstStyle/>
           <a:p>
             <a:pPr lvl="0"/>
             <a:r>
@@ -2062,8 +2016,8 @@
         </p:nvSpPr>
         <p:spPr>
           <a:xfrm>
-            <a:off x="4645025" y="1535113"/>
-            <a:ext cx="4041775" cy="639762"/>
+            <a:off x="4629150" y="1681163"/>
+            <a:ext cx="3887391" cy="823912"/>
           </a:xfrm>
         </p:spPr>
         <p:txBody>
@@ -2071,39 +2025,39 @@
           <a:lstStyle>
             <a:lvl1pPr marL="0" indent="0">
               <a:buNone/>
-              <a:defRPr sz="2400" b="1"/>
+              <a:defRPr sz="1800" b="1"/>
             </a:lvl1pPr>
-            <a:lvl2pPr marL="457200" indent="0">
-              <a:buNone/>
-              <a:defRPr sz="2000" b="1"/>
+            <a:lvl2pPr marL="342900" indent="0">
+              <a:buNone/>
+              <a:defRPr sz="1500" b="1"/>
             </a:lvl2pPr>
-            <a:lvl3pPr marL="914400" indent="0">
-              <a:buNone/>
-              <a:defRPr sz="1800" b="1"/>
+            <a:lvl3pPr marL="685800" indent="0">
+              <a:buNone/>
+              <a:defRPr sz="1350" b="1"/>
             </a:lvl3pPr>
-            <a:lvl4pPr marL="1371600" indent="0">
-              <a:buNone/>
-              <a:defRPr sz="1600" b="1"/>
+            <a:lvl4pPr marL="1028700" indent="0">
+              <a:buNone/>
+              <a:defRPr sz="1200" b="1"/>
             </a:lvl4pPr>
-            <a:lvl5pPr marL="1828800" indent="0">
-              <a:buNone/>
-              <a:defRPr sz="1600" b="1"/>
+            <a:lvl5pPr marL="1371600" indent="0">
+              <a:buNone/>
+              <a:defRPr sz="1200" b="1"/>
             </a:lvl5pPr>
-            <a:lvl6pPr marL="2286000" indent="0">
-              <a:buNone/>
-              <a:defRPr sz="1600" b="1"/>
+            <a:lvl6pPr marL="1714500" indent="0">
+              <a:buNone/>
+              <a:defRPr sz="1200" b="1"/>
             </a:lvl6pPr>
-            <a:lvl7pPr marL="2743200" indent="0">
-              <a:buNone/>
-              <a:defRPr sz="1600" b="1"/>
+            <a:lvl7pPr marL="2057400" indent="0">
+              <a:buNone/>
+              <a:defRPr sz="1200" b="1"/>
             </a:lvl7pPr>
-            <a:lvl8pPr marL="3200400" indent="0">
-              <a:buNone/>
-              <a:defRPr sz="1600" b="1"/>
+            <a:lvl8pPr marL="2400300" indent="0">
+              <a:buNone/>
+              <a:defRPr sz="1200" b="1"/>
             </a:lvl8pPr>
-            <a:lvl9pPr marL="3657600" indent="0">
-              <a:buNone/>
-              <a:defRPr sz="1600" b="1"/>
+            <a:lvl9pPr marL="2743200" indent="0">
+              <a:buNone/>
+              <a:defRPr sz="1200" b="1"/>
             </a:lvl9pPr>
           </a:lstStyle>
           <a:p>
@@ -2127,41 +2081,13 @@
         </p:nvSpPr>
         <p:spPr>
           <a:xfrm>
-            <a:off x="4645025" y="2174875"/>
-            <a:ext cx="4041775" cy="3951288"/>
+            <a:off x="4629150" y="2505075"/>
+            <a:ext cx="3887391" cy="3684588"/>
           </a:xfrm>
         </p:spPr>
         <p:txBody>
           <a:bodyPr/>
-          <a:lstStyle>
-            <a:lvl1pPr>
-              <a:defRPr sz="2400"/>
-            </a:lvl1pPr>
-            <a:lvl2pPr>
-              <a:defRPr sz="2000"/>
-            </a:lvl2pPr>
-            <a:lvl3pPr>
-              <a:defRPr sz="1800"/>
-            </a:lvl3pPr>
-            <a:lvl4pPr>
-              <a:defRPr sz="1600"/>
-            </a:lvl4pPr>
-            <a:lvl5pPr>
-              <a:defRPr sz="1600"/>
-            </a:lvl5pPr>
-            <a:lvl6pPr>
-              <a:defRPr sz="1600"/>
-            </a:lvl6pPr>
-            <a:lvl7pPr>
-              <a:defRPr sz="1600"/>
-            </a:lvl7pPr>
-            <a:lvl8pPr>
-              <a:defRPr sz="1600"/>
-            </a:lvl8pPr>
-            <a:lvl9pPr>
-              <a:defRPr sz="1600"/>
-            </a:lvl9pPr>
-          </a:lstStyle>
+          <a:lstStyle/>
           <a:p>
             <a:pPr lvl="0"/>
             <a:r>
@@ -2217,7 +2143,7 @@
           <a:p>
             <a:fld id="{BD11ADD5-E14D-449A-83D5-794C8D646EDC}" type="datetimeFigureOut">
               <a:rPr lang="en-CA" smtClean="0"/>
-              <a:t>2014-08-22</a:t>
+              <a:t>2014-08-24</a:t>
             </a:fld>
             <a:endParaRPr lang="en-CA"/>
           </a:p>
@@ -2268,7 +2194,7 @@
     </p:spTree>
     <p:extLst>
       <p:ext uri="{BB962C8B-B14F-4D97-AF65-F5344CB8AC3E}">
-        <p14:creationId xmlns:p14="http://schemas.microsoft.com/office/powerpoint/2010/main" val="207470861"/>
+        <p14:creationId xmlns:p14="http://schemas.microsoft.com/office/powerpoint/2010/main" val="226293969"/>
       </p:ext>
     </p:extLst>
   </p:cSld>
@@ -2335,7 +2261,7 @@
           <a:p>
             <a:fld id="{BD11ADD5-E14D-449A-83D5-794C8D646EDC}" type="datetimeFigureOut">
               <a:rPr lang="en-CA" smtClean="0"/>
-              <a:t>2014-08-22</a:t>
+              <a:t>2014-08-24</a:t>
             </a:fld>
             <a:endParaRPr lang="en-CA"/>
           </a:p>
@@ -2386,7 +2312,7 @@
     </p:spTree>
     <p:extLst>
       <p:ext uri="{BB962C8B-B14F-4D97-AF65-F5344CB8AC3E}">
-        <p14:creationId xmlns:p14="http://schemas.microsoft.com/office/powerpoint/2010/main" val="3667932404"/>
+        <p14:creationId xmlns:p14="http://schemas.microsoft.com/office/powerpoint/2010/main" val="745068973"/>
       </p:ext>
     </p:extLst>
   </p:cSld>
@@ -2430,7 +2356,7 @@
           <a:p>
             <a:fld id="{BD11ADD5-E14D-449A-83D5-794C8D646EDC}" type="datetimeFigureOut">
               <a:rPr lang="en-CA" smtClean="0"/>
-              <a:t>2014-08-22</a:t>
+              <a:t>2014-08-24</a:t>
             </a:fld>
             <a:endParaRPr lang="en-CA"/>
           </a:p>
@@ -2481,7 +2407,7 @@
     </p:spTree>
     <p:extLst>
       <p:ext uri="{BB962C8B-B14F-4D97-AF65-F5344CB8AC3E}">
-        <p14:creationId xmlns:p14="http://schemas.microsoft.com/office/powerpoint/2010/main" val="4033108578"/>
+        <p14:creationId xmlns:p14="http://schemas.microsoft.com/office/powerpoint/2010/main" val="1434673975"/>
       </p:ext>
     </p:extLst>
   </p:cSld>
@@ -2520,15 +2446,15 @@
         </p:nvSpPr>
         <p:spPr>
           <a:xfrm>
-            <a:off x="457200" y="273050"/>
-            <a:ext cx="3008313" cy="1162050"/>
+            <a:off x="629841" y="457200"/>
+            <a:ext cx="2949178" cy="1600200"/>
           </a:xfrm>
         </p:spPr>
         <p:txBody>
           <a:bodyPr anchor="b"/>
           <a:lstStyle>
-            <a:lvl1pPr algn="l">
-              <a:defRPr sz="2000" b="1"/>
+            <a:lvl1pPr>
+              <a:defRPr sz="2400"/>
             </a:lvl1pPr>
           </a:lstStyle>
           <a:p>
@@ -2552,39 +2478,39 @@
         </p:nvSpPr>
         <p:spPr>
           <a:xfrm>
-            <a:off x="3575050" y="273050"/>
-            <a:ext cx="5111750" cy="5853113"/>
+            <a:off x="3887391" y="987426"/>
+            <a:ext cx="4629150" cy="4873625"/>
           </a:xfrm>
         </p:spPr>
         <p:txBody>
           <a:bodyPr/>
           <a:lstStyle>
             <a:lvl1pPr>
-              <a:defRPr sz="3200"/>
+              <a:defRPr sz="2400"/>
             </a:lvl1pPr>
             <a:lvl2pPr>
-              <a:defRPr sz="2800"/>
+              <a:defRPr sz="2100"/>
             </a:lvl2pPr>
             <a:lvl3pPr>
-              <a:defRPr sz="2400"/>
+              <a:defRPr sz="1800"/>
             </a:lvl3pPr>
             <a:lvl4pPr>
-              <a:defRPr sz="2000"/>
+              <a:defRPr sz="1500"/>
             </a:lvl4pPr>
             <a:lvl5pPr>
-              <a:defRPr sz="2000"/>
+              <a:defRPr sz="1500"/>
             </a:lvl5pPr>
             <a:lvl6pPr>
-              <a:defRPr sz="2000"/>
+              <a:defRPr sz="1500"/>
             </a:lvl6pPr>
             <a:lvl7pPr>
-              <a:defRPr sz="2000"/>
+              <a:defRPr sz="1500"/>
             </a:lvl7pPr>
             <a:lvl8pPr>
-              <a:defRPr sz="2000"/>
+              <a:defRPr sz="1500"/>
             </a:lvl8pPr>
             <a:lvl9pPr>
-              <a:defRPr sz="2000"/>
+              <a:defRPr sz="1500"/>
             </a:lvl9pPr>
           </a:lstStyle>
           <a:p>
@@ -2637,8 +2563,8 @@
         </p:nvSpPr>
         <p:spPr>
           <a:xfrm>
-            <a:off x="457200" y="1435100"/>
-            <a:ext cx="3008313" cy="4691063"/>
+            <a:off x="629841" y="2057400"/>
+            <a:ext cx="2949178" cy="3811588"/>
           </a:xfrm>
         </p:spPr>
         <p:txBody>
@@ -2646,39 +2572,39 @@
           <a:lstStyle>
             <a:lvl1pPr marL="0" indent="0">
               <a:buNone/>
-              <a:defRPr sz="1400"/>
+              <a:defRPr sz="1200"/>
             </a:lvl1pPr>
-            <a:lvl2pPr marL="457200" indent="0">
-              <a:buNone/>
-              <a:defRPr sz="1200"/>
+            <a:lvl2pPr marL="342900" indent="0">
+              <a:buNone/>
+              <a:defRPr sz="1050"/>
             </a:lvl2pPr>
-            <a:lvl3pPr marL="914400" indent="0">
-              <a:buNone/>
-              <a:defRPr sz="1000"/>
+            <a:lvl3pPr marL="685800" indent="0">
+              <a:buNone/>
+              <a:defRPr sz="900"/>
             </a:lvl3pPr>
-            <a:lvl4pPr marL="1371600" indent="0">
-              <a:buNone/>
-              <a:defRPr sz="900"/>
+            <a:lvl4pPr marL="1028700" indent="0">
+              <a:buNone/>
+              <a:defRPr sz="750"/>
             </a:lvl4pPr>
-            <a:lvl5pPr marL="1828800" indent="0">
-              <a:buNone/>
-              <a:defRPr sz="900"/>
+            <a:lvl5pPr marL="1371600" indent="0">
+              <a:buNone/>
+              <a:defRPr sz="750"/>
             </a:lvl5pPr>
-            <a:lvl6pPr marL="2286000" indent="0">
-              <a:buNone/>
-              <a:defRPr sz="900"/>
+            <a:lvl6pPr marL="1714500" indent="0">
+              <a:buNone/>
+              <a:defRPr sz="750"/>
             </a:lvl6pPr>
-            <a:lvl7pPr marL="2743200" indent="0">
-              <a:buNone/>
-              <a:defRPr sz="900"/>
+            <a:lvl7pPr marL="2057400" indent="0">
+              <a:buNone/>
+              <a:defRPr sz="750"/>
             </a:lvl7pPr>
-            <a:lvl8pPr marL="3200400" indent="0">
-              <a:buNone/>
-              <a:defRPr sz="900"/>
+            <a:lvl8pPr marL="2400300" indent="0">
+              <a:buNone/>
+              <a:defRPr sz="750"/>
             </a:lvl8pPr>
-            <a:lvl9pPr marL="3657600" indent="0">
-              <a:buNone/>
-              <a:defRPr sz="900"/>
+            <a:lvl9pPr marL="2743200" indent="0">
+              <a:buNone/>
+              <a:defRPr sz="750"/>
             </a:lvl9pPr>
           </a:lstStyle>
           <a:p>
@@ -2707,7 +2633,7 @@
           <a:p>
             <a:fld id="{BD11ADD5-E14D-449A-83D5-794C8D646EDC}" type="datetimeFigureOut">
               <a:rPr lang="en-CA" smtClean="0"/>
-              <a:t>2014-08-22</a:t>
+              <a:t>2014-08-24</a:t>
             </a:fld>
             <a:endParaRPr lang="en-CA"/>
           </a:p>
@@ -2758,7 +2684,7 @@
     </p:spTree>
     <p:extLst>
       <p:ext uri="{BB962C8B-B14F-4D97-AF65-F5344CB8AC3E}">
-        <p14:creationId xmlns:p14="http://schemas.microsoft.com/office/powerpoint/2010/main" val="3968644926"/>
+        <p14:creationId xmlns:p14="http://schemas.microsoft.com/office/powerpoint/2010/main" val="462955622"/>
       </p:ext>
     </p:extLst>
   </p:cSld>
@@ -2797,15 +2723,15 @@
         </p:nvSpPr>
         <p:spPr>
           <a:xfrm>
-            <a:off x="1792288" y="4800600"/>
-            <a:ext cx="5486400" cy="566738"/>
+            <a:off x="629841" y="457200"/>
+            <a:ext cx="2949178" cy="1600200"/>
           </a:xfrm>
         </p:spPr>
         <p:txBody>
           <a:bodyPr anchor="b"/>
           <a:lstStyle>
-            <a:lvl1pPr algn="l">
-              <a:defRPr sz="2000" b="1"/>
+            <a:lvl1pPr>
+              <a:defRPr sz="2400"/>
             </a:lvl1pPr>
           </a:lstStyle>
           <a:p>
@@ -2829,8 +2755,8 @@
         </p:nvSpPr>
         <p:spPr>
           <a:xfrm>
-            <a:off x="1792288" y="612775"/>
-            <a:ext cx="5486400" cy="4114800"/>
+            <a:off x="3887391" y="987426"/>
+            <a:ext cx="4629150" cy="4873625"/>
           </a:xfrm>
         </p:spPr>
         <p:txBody>
@@ -2838,39 +2764,39 @@
           <a:lstStyle>
             <a:lvl1pPr marL="0" indent="0">
               <a:buNone/>
-              <a:defRPr sz="3200"/>
+              <a:defRPr sz="2400"/>
             </a:lvl1pPr>
-            <a:lvl2pPr marL="457200" indent="0">
-              <a:buNone/>
-              <a:defRPr sz="2800"/>
+            <a:lvl2pPr marL="342900" indent="0">
+              <a:buNone/>
+              <a:defRPr sz="2100"/>
             </a:lvl2pPr>
-            <a:lvl3pPr marL="914400" indent="0">
-              <a:buNone/>
-              <a:defRPr sz="2400"/>
+            <a:lvl3pPr marL="685800" indent="0">
+              <a:buNone/>
+              <a:defRPr sz="1800"/>
             </a:lvl3pPr>
-            <a:lvl4pPr marL="1371600" indent="0">
-              <a:buNone/>
-              <a:defRPr sz="2000"/>
+            <a:lvl4pPr marL="1028700" indent="0">
+              <a:buNone/>
+              <a:defRPr sz="1500"/>
             </a:lvl4pPr>
-            <a:lvl5pPr marL="1828800" indent="0">
-              <a:buNone/>
-              <a:defRPr sz="2000"/>
+            <a:lvl5pPr marL="1371600" indent="0">
+              <a:buNone/>
+              <a:defRPr sz="1500"/>
             </a:lvl5pPr>
-            <a:lvl6pPr marL="2286000" indent="0">
-              <a:buNone/>
-              <a:defRPr sz="2000"/>
+            <a:lvl6pPr marL="1714500" indent="0">
+              <a:buNone/>
+              <a:defRPr sz="1500"/>
             </a:lvl6pPr>
-            <a:lvl7pPr marL="2743200" indent="0">
-              <a:buNone/>
-              <a:defRPr sz="2000"/>
+            <a:lvl7pPr marL="2057400" indent="0">
+              <a:buNone/>
+              <a:defRPr sz="1500"/>
             </a:lvl7pPr>
-            <a:lvl8pPr marL="3200400" indent="0">
-              <a:buNone/>
-              <a:defRPr sz="2000"/>
+            <a:lvl8pPr marL="2400300" indent="0">
+              <a:buNone/>
+              <a:defRPr sz="1500"/>
             </a:lvl8pPr>
-            <a:lvl9pPr marL="3657600" indent="0">
-              <a:buNone/>
-              <a:defRPr sz="2000"/>
+            <a:lvl9pPr marL="2743200" indent="0">
+              <a:buNone/>
+              <a:defRPr sz="1500"/>
             </a:lvl9pPr>
           </a:lstStyle>
           <a:p>
@@ -2890,8 +2816,8 @@
         </p:nvSpPr>
         <p:spPr>
           <a:xfrm>
-            <a:off x="1792288" y="5367338"/>
-            <a:ext cx="5486400" cy="804862"/>
+            <a:off x="629841" y="2057400"/>
+            <a:ext cx="2949178" cy="3811588"/>
           </a:xfrm>
         </p:spPr>
         <p:txBody>
@@ -2899,39 +2825,39 @@
           <a:lstStyle>
             <a:lvl1pPr marL="0" indent="0">
               <a:buNone/>
-              <a:defRPr sz="1400"/>
+              <a:defRPr sz="1200"/>
             </a:lvl1pPr>
-            <a:lvl2pPr marL="457200" indent="0">
-              <a:buNone/>
-              <a:defRPr sz="1200"/>
+            <a:lvl2pPr marL="342900" indent="0">
+              <a:buNone/>
+              <a:defRPr sz="1050"/>
             </a:lvl2pPr>
-            <a:lvl3pPr marL="914400" indent="0">
-              <a:buNone/>
-              <a:defRPr sz="1000"/>
+            <a:lvl3pPr marL="685800" indent="0">
+              <a:buNone/>
+              <a:defRPr sz="900"/>
             </a:lvl3pPr>
-            <a:lvl4pPr marL="1371600" indent="0">
-              <a:buNone/>
-              <a:defRPr sz="900"/>
+            <a:lvl4pPr marL="1028700" indent="0">
+              <a:buNone/>
+              <a:defRPr sz="750"/>
             </a:lvl4pPr>
-            <a:lvl5pPr marL="1828800" indent="0">
-              <a:buNone/>
-              <a:defRPr sz="900"/>
+            <a:lvl5pPr marL="1371600" indent="0">
+              <a:buNone/>
+              <a:defRPr sz="750"/>
             </a:lvl5pPr>
-            <a:lvl6pPr marL="2286000" indent="0">
-              <a:buNone/>
-              <a:defRPr sz="900"/>
+            <a:lvl6pPr marL="1714500" indent="0">
+              <a:buNone/>
+              <a:defRPr sz="750"/>
             </a:lvl6pPr>
-            <a:lvl7pPr marL="2743200" indent="0">
-              <a:buNone/>
-              <a:defRPr sz="900"/>
+            <a:lvl7pPr marL="2057400" indent="0">
+              <a:buNone/>
+              <a:defRPr sz="750"/>
             </a:lvl7pPr>
-            <a:lvl8pPr marL="3200400" indent="0">
-              <a:buNone/>
-              <a:defRPr sz="900"/>
+            <a:lvl8pPr marL="2400300" indent="0">
+              <a:buNone/>
+              <a:defRPr sz="750"/>
             </a:lvl8pPr>
-            <a:lvl9pPr marL="3657600" indent="0">
-              <a:buNone/>
-              <a:defRPr sz="900"/>
+            <a:lvl9pPr marL="2743200" indent="0">
+              <a:buNone/>
+              <a:defRPr sz="750"/>
             </a:lvl9pPr>
           </a:lstStyle>
           <a:p>
@@ -2960,7 +2886,7 @@
           <a:p>
             <a:fld id="{BD11ADD5-E14D-449A-83D5-794C8D646EDC}" type="datetimeFigureOut">
               <a:rPr lang="en-CA" smtClean="0"/>
-              <a:t>2014-08-22</a:t>
+              <a:t>2014-08-24</a:t>
             </a:fld>
             <a:endParaRPr lang="en-CA"/>
           </a:p>
@@ -3011,7 +2937,7 @@
     </p:spTree>
     <p:extLst>
       <p:ext uri="{BB962C8B-B14F-4D97-AF65-F5344CB8AC3E}">
-        <p14:creationId xmlns:p14="http://schemas.microsoft.com/office/powerpoint/2010/main" val="1658075740"/>
+        <p14:creationId xmlns:p14="http://schemas.microsoft.com/office/powerpoint/2010/main" val="852235062"/>
       </p:ext>
     </p:extLst>
   </p:cSld>
@@ -3055,8 +2981,8 @@
         </p:nvSpPr>
         <p:spPr>
           <a:xfrm>
-            <a:off x="457200" y="274638"/>
-            <a:ext cx="8229600" cy="1143000"/>
+            <a:off x="628650" y="365126"/>
+            <a:ext cx="7886700" cy="1325563"/>
           </a:xfrm>
           <a:prstGeom prst="rect">
             <a:avLst/>
@@ -3088,8 +3014,8 @@
         </p:nvSpPr>
         <p:spPr>
           <a:xfrm>
-            <a:off x="457200" y="1600200"/>
-            <a:ext cx="8229600" cy="4525963"/>
+            <a:off x="628650" y="1825625"/>
+            <a:ext cx="7886700" cy="4351338"/>
           </a:xfrm>
           <a:prstGeom prst="rect">
             <a:avLst/>
@@ -3150,8 +3076,8 @@
         </p:nvSpPr>
         <p:spPr>
           <a:xfrm>
-            <a:off x="457200" y="6356350"/>
-            <a:ext cx="2133600" cy="365125"/>
+            <a:off x="628650" y="6356351"/>
+            <a:ext cx="2057400" cy="365125"/>
           </a:xfrm>
           <a:prstGeom prst="rect">
             <a:avLst/>
@@ -3161,7 +3087,7 @@
           <a:bodyPr vert="horz" lIns="91440" tIns="45720" rIns="91440" bIns="45720" rtlCol="0" anchor="ctr"/>
           <a:lstStyle>
             <a:lvl1pPr algn="l">
-              <a:defRPr sz="1200">
+              <a:defRPr sz="900">
                 <a:solidFill>
                   <a:schemeClr val="tx1">
                     <a:tint val="75000"/>
@@ -3173,7 +3099,7 @@
           <a:p>
             <a:fld id="{BD11ADD5-E14D-449A-83D5-794C8D646EDC}" type="datetimeFigureOut">
               <a:rPr lang="en-CA" smtClean="0"/>
-              <a:t>2014-08-22</a:t>
+              <a:t>2014-08-24</a:t>
             </a:fld>
             <a:endParaRPr lang="en-CA"/>
           </a:p>
@@ -3191,8 +3117,8 @@
         </p:nvSpPr>
         <p:spPr>
           <a:xfrm>
-            <a:off x="3124200" y="6356350"/>
-            <a:ext cx="2895600" cy="365125"/>
+            <a:off x="3028950" y="6356351"/>
+            <a:ext cx="3086100" cy="365125"/>
           </a:xfrm>
           <a:prstGeom prst="rect">
             <a:avLst/>
@@ -3202,7 +3128,7 @@
           <a:bodyPr vert="horz" lIns="91440" tIns="45720" rIns="91440" bIns="45720" rtlCol="0" anchor="ctr"/>
           <a:lstStyle>
             <a:lvl1pPr algn="ctr">
-              <a:defRPr sz="1200">
+              <a:defRPr sz="900">
                 <a:solidFill>
                   <a:schemeClr val="tx1">
                     <a:tint val="75000"/>
@@ -3228,8 +3154,8 @@
         </p:nvSpPr>
         <p:spPr>
           <a:xfrm>
-            <a:off x="6553200" y="6356350"/>
-            <a:ext cx="2133600" cy="365125"/>
+            <a:off x="6457950" y="6356351"/>
+            <a:ext cx="2057400" cy="365125"/>
           </a:xfrm>
           <a:prstGeom prst="rect">
             <a:avLst/>
@@ -3239,7 +3165,7 @@
           <a:bodyPr vert="horz" lIns="91440" tIns="45720" rIns="91440" bIns="45720" rtlCol="0" anchor="ctr"/>
           <a:lstStyle>
             <a:lvl1pPr algn="r">
-              <a:defRPr sz="1200">
+              <a:defRPr sz="900">
                 <a:solidFill>
                   <a:schemeClr val="tx1">
                     <a:tint val="75000"/>
@@ -3260,32 +3186,35 @@
     </p:spTree>
     <p:extLst>
       <p:ext uri="{BB962C8B-B14F-4D97-AF65-F5344CB8AC3E}">
-        <p14:creationId xmlns:p14="http://schemas.microsoft.com/office/powerpoint/2010/main" val="3428605651"/>
+        <p14:creationId xmlns:p14="http://schemas.microsoft.com/office/powerpoint/2010/main" val="285933131"/>
       </p:ext>
     </p:extLst>
   </p:cSld>
   <p:clrMap bg1="lt1" tx1="dk1" bg2="lt2" tx2="dk2" accent1="accent1" accent2="accent2" accent3="accent3" accent4="accent4" accent5="accent5" accent6="accent6" hlink="hlink" folHlink="folHlink"/>
   <p:sldLayoutIdLst>
-    <p:sldLayoutId id="2147483649" r:id="rId1"/>
-    <p:sldLayoutId id="2147483650" r:id="rId2"/>
-    <p:sldLayoutId id="2147483651" r:id="rId3"/>
-    <p:sldLayoutId id="2147483652" r:id="rId4"/>
-    <p:sldLayoutId id="2147483653" r:id="rId5"/>
-    <p:sldLayoutId id="2147483654" r:id="rId6"/>
-    <p:sldLayoutId id="2147483655" r:id="rId7"/>
-    <p:sldLayoutId id="2147483656" r:id="rId8"/>
-    <p:sldLayoutId id="2147483657" r:id="rId9"/>
-    <p:sldLayoutId id="2147483658" r:id="rId10"/>
-    <p:sldLayoutId id="2147483659" r:id="rId11"/>
+    <p:sldLayoutId id="2147483679" r:id="rId1"/>
+    <p:sldLayoutId id="2147483680" r:id="rId2"/>
+    <p:sldLayoutId id="2147483681" r:id="rId3"/>
+    <p:sldLayoutId id="2147483682" r:id="rId4"/>
+    <p:sldLayoutId id="2147483683" r:id="rId5"/>
+    <p:sldLayoutId id="2147483684" r:id="rId6"/>
+    <p:sldLayoutId id="2147483685" r:id="rId7"/>
+    <p:sldLayoutId id="2147483686" r:id="rId8"/>
+    <p:sldLayoutId id="2147483687" r:id="rId9"/>
+    <p:sldLayoutId id="2147483688" r:id="rId10"/>
+    <p:sldLayoutId id="2147483689" r:id="rId11"/>
   </p:sldLayoutIdLst>
   <p:txStyles>
     <p:titleStyle>
-      <a:lvl1pPr algn="ctr" defTabSz="914400" rtl="0" eaLnBrk="1" latinLnBrk="0" hangingPunct="1">
+      <a:lvl1pPr algn="l" defTabSz="685800" rtl="0" eaLnBrk="1" latinLnBrk="0" hangingPunct="1">
+        <a:lnSpc>
+          <a:spcPct val="90000"/>
+        </a:lnSpc>
         <a:spcBef>
           <a:spcPct val="0"/>
         </a:spcBef>
         <a:buNone/>
-        <a:defRPr sz="4400" kern="1200">
+        <a:defRPr sz="3300" kern="1200">
           <a:solidFill>
             <a:schemeClr val="tx1"/>
           </a:solidFill>
@@ -3296,13 +3225,16 @@
       </a:lvl1pPr>
     </p:titleStyle>
     <p:bodyStyle>
-      <a:lvl1pPr marL="342900" indent="-342900" algn="l" defTabSz="914400" rtl="0" eaLnBrk="1" latinLnBrk="0" hangingPunct="1">
+      <a:lvl1pPr marL="171450" indent="-171450" algn="l" defTabSz="685800" rtl="0" eaLnBrk="1" latinLnBrk="0" hangingPunct="1">
+        <a:lnSpc>
+          <a:spcPct val="90000"/>
+        </a:lnSpc>
         <a:spcBef>
-          <a:spcPct val="20000"/>
+          <a:spcPts val="750"/>
         </a:spcBef>
         <a:buFont typeface="Arial" panose="020B0604020202020204" pitchFamily="34" charset="0"/>
         <a:buChar char="•"/>
-        <a:defRPr sz="3200" kern="1200">
+        <a:defRPr sz="2100" kern="1200">
           <a:solidFill>
             <a:schemeClr val="tx1"/>
           </a:solidFill>
@@ -3311,13 +3243,16 @@
           <a:cs typeface="+mn-cs"/>
         </a:defRPr>
       </a:lvl1pPr>
-      <a:lvl2pPr marL="742950" indent="-285750" algn="l" defTabSz="914400" rtl="0" eaLnBrk="1" latinLnBrk="0" hangingPunct="1">
+      <a:lvl2pPr marL="514350" indent="-171450" algn="l" defTabSz="685800" rtl="0" eaLnBrk="1" latinLnBrk="0" hangingPunct="1">
+        <a:lnSpc>
+          <a:spcPct val="90000"/>
+        </a:lnSpc>
         <a:spcBef>
-          <a:spcPct val="20000"/>
+          <a:spcPts val="375"/>
         </a:spcBef>
         <a:buFont typeface="Arial" panose="020B0604020202020204" pitchFamily="34" charset="0"/>
-        <a:buChar char="–"/>
-        <a:defRPr sz="2800" kern="1200">
+        <a:buChar char="•"/>
+        <a:defRPr sz="1800" kern="1200">
           <a:solidFill>
             <a:schemeClr val="tx1"/>
           </a:solidFill>
@@ -3326,13 +3261,16 @@
           <a:cs typeface="+mn-cs"/>
         </a:defRPr>
       </a:lvl2pPr>
-      <a:lvl3pPr marL="1143000" indent="-228600" algn="l" defTabSz="914400" rtl="0" eaLnBrk="1" latinLnBrk="0" hangingPunct="1">
+      <a:lvl3pPr marL="857250" indent="-171450" algn="l" defTabSz="685800" rtl="0" eaLnBrk="1" latinLnBrk="0" hangingPunct="1">
+        <a:lnSpc>
+          <a:spcPct val="90000"/>
+        </a:lnSpc>
         <a:spcBef>
-          <a:spcPct val="20000"/>
+          <a:spcPts val="375"/>
         </a:spcBef>
         <a:buFont typeface="Arial" panose="020B0604020202020204" pitchFamily="34" charset="0"/>
         <a:buChar char="•"/>
-        <a:defRPr sz="2400" kern="1200">
+        <a:defRPr sz="1500" kern="1200">
           <a:solidFill>
             <a:schemeClr val="tx1"/>
           </a:solidFill>
@@ -3341,13 +3279,16 @@
           <a:cs typeface="+mn-cs"/>
         </a:defRPr>
       </a:lvl3pPr>
-      <a:lvl4pPr marL="1600200" indent="-228600" algn="l" defTabSz="914400" rtl="0" eaLnBrk="1" latinLnBrk="0" hangingPunct="1">
+      <a:lvl4pPr marL="1200150" indent="-171450" algn="l" defTabSz="685800" rtl="0" eaLnBrk="1" latinLnBrk="0" hangingPunct="1">
+        <a:lnSpc>
+          <a:spcPct val="90000"/>
+        </a:lnSpc>
         <a:spcBef>
-          <a:spcPct val="20000"/>
+          <a:spcPts val="375"/>
         </a:spcBef>
         <a:buFont typeface="Arial" panose="020B0604020202020204" pitchFamily="34" charset="0"/>
-        <a:buChar char="–"/>
-        <a:defRPr sz="2000" kern="1200">
+        <a:buChar char="•"/>
+        <a:defRPr sz="1350" kern="1200">
           <a:solidFill>
             <a:schemeClr val="tx1"/>
           </a:solidFill>
@@ -3356,13 +3297,16 @@
           <a:cs typeface="+mn-cs"/>
         </a:defRPr>
       </a:lvl4pPr>
-      <a:lvl5pPr marL="2057400" indent="-228600" algn="l" defTabSz="914400" rtl="0" eaLnBrk="1" latinLnBrk="0" hangingPunct="1">
+      <a:lvl5pPr marL="1543050" indent="-171450" algn="l" defTabSz="685800" rtl="0" eaLnBrk="1" latinLnBrk="0" hangingPunct="1">
+        <a:lnSpc>
+          <a:spcPct val="90000"/>
+        </a:lnSpc>
         <a:spcBef>
-          <a:spcPct val="20000"/>
+          <a:spcPts val="375"/>
         </a:spcBef>
         <a:buFont typeface="Arial" panose="020B0604020202020204" pitchFamily="34" charset="0"/>
-        <a:buChar char="»"/>
-        <a:defRPr sz="2000" kern="1200">
+        <a:buChar char="•"/>
+        <a:defRPr sz="1350" kern="1200">
           <a:solidFill>
             <a:schemeClr val="tx1"/>
           </a:solidFill>
@@ -3371,13 +3315,16 @@
           <a:cs typeface="+mn-cs"/>
         </a:defRPr>
       </a:lvl5pPr>
-      <a:lvl6pPr marL="2514600" indent="-228600" algn="l" defTabSz="914400" rtl="0" eaLnBrk="1" latinLnBrk="0" hangingPunct="1">
+      <a:lvl6pPr marL="1885950" indent="-171450" algn="l" defTabSz="685800" rtl="0" eaLnBrk="1" latinLnBrk="0" hangingPunct="1">
+        <a:lnSpc>
+          <a:spcPct val="90000"/>
+        </a:lnSpc>
         <a:spcBef>
-          <a:spcPct val="20000"/>
+          <a:spcPts val="375"/>
         </a:spcBef>
         <a:buFont typeface="Arial" panose="020B0604020202020204" pitchFamily="34" charset="0"/>
         <a:buChar char="•"/>
-        <a:defRPr sz="2000" kern="1200">
+        <a:defRPr sz="1350" kern="1200">
           <a:solidFill>
             <a:schemeClr val="tx1"/>
           </a:solidFill>
@@ -3386,13 +3333,16 @@
           <a:cs typeface="+mn-cs"/>
         </a:defRPr>
       </a:lvl6pPr>
-      <a:lvl7pPr marL="2971800" indent="-228600" algn="l" defTabSz="914400" rtl="0" eaLnBrk="1" latinLnBrk="0" hangingPunct="1">
+      <a:lvl7pPr marL="2228850" indent="-171450" algn="l" defTabSz="685800" rtl="0" eaLnBrk="1" latinLnBrk="0" hangingPunct="1">
+        <a:lnSpc>
+          <a:spcPct val="90000"/>
+        </a:lnSpc>
         <a:spcBef>
-          <a:spcPct val="20000"/>
+          <a:spcPts val="375"/>
         </a:spcBef>
         <a:buFont typeface="Arial" panose="020B0604020202020204" pitchFamily="34" charset="0"/>
         <a:buChar char="•"/>
-        <a:defRPr sz="2000" kern="1200">
+        <a:defRPr sz="1350" kern="1200">
           <a:solidFill>
             <a:schemeClr val="tx1"/>
           </a:solidFill>
@@ -3401,13 +3351,16 @@
           <a:cs typeface="+mn-cs"/>
         </a:defRPr>
       </a:lvl7pPr>
-      <a:lvl8pPr marL="3429000" indent="-228600" algn="l" defTabSz="914400" rtl="0" eaLnBrk="1" latinLnBrk="0" hangingPunct="1">
+      <a:lvl8pPr marL="2571750" indent="-171450" algn="l" defTabSz="685800" rtl="0" eaLnBrk="1" latinLnBrk="0" hangingPunct="1">
+        <a:lnSpc>
+          <a:spcPct val="90000"/>
+        </a:lnSpc>
         <a:spcBef>
-          <a:spcPct val="20000"/>
+          <a:spcPts val="375"/>
         </a:spcBef>
         <a:buFont typeface="Arial" panose="020B0604020202020204" pitchFamily="34" charset="0"/>
         <a:buChar char="•"/>
-        <a:defRPr sz="2000" kern="1200">
+        <a:defRPr sz="1350" kern="1200">
           <a:solidFill>
             <a:schemeClr val="tx1"/>
           </a:solidFill>
@@ -3416,13 +3369,16 @@
           <a:cs typeface="+mn-cs"/>
         </a:defRPr>
       </a:lvl8pPr>
-      <a:lvl9pPr marL="3886200" indent="-228600" algn="l" defTabSz="914400" rtl="0" eaLnBrk="1" latinLnBrk="0" hangingPunct="1">
+      <a:lvl9pPr marL="2914650" indent="-171450" algn="l" defTabSz="685800" rtl="0" eaLnBrk="1" latinLnBrk="0" hangingPunct="1">
+        <a:lnSpc>
+          <a:spcPct val="90000"/>
+        </a:lnSpc>
         <a:spcBef>
-          <a:spcPct val="20000"/>
+          <a:spcPts val="375"/>
         </a:spcBef>
         <a:buFont typeface="Arial" panose="020B0604020202020204" pitchFamily="34" charset="0"/>
         <a:buChar char="•"/>
-        <a:defRPr sz="2000" kern="1200">
+        <a:defRPr sz="1350" kern="1200">
           <a:solidFill>
             <a:schemeClr val="tx1"/>
           </a:solidFill>
@@ -3436,8 +3392,8 @@
       <a:defPPr>
         <a:defRPr lang="en-US"/>
       </a:defPPr>
-      <a:lvl1pPr marL="0" algn="l" defTabSz="914400" rtl="0" eaLnBrk="1" latinLnBrk="0" hangingPunct="1">
-        <a:defRPr sz="1800" kern="1200">
+      <a:lvl1pPr marL="0" algn="l" defTabSz="685800" rtl="0" eaLnBrk="1" latinLnBrk="0" hangingPunct="1">
+        <a:defRPr sz="1350" kern="1200">
           <a:solidFill>
             <a:schemeClr val="tx1"/>
           </a:solidFill>
@@ -3446,8 +3402,8 @@
           <a:cs typeface="+mn-cs"/>
         </a:defRPr>
       </a:lvl1pPr>
-      <a:lvl2pPr marL="457200" algn="l" defTabSz="914400" rtl="0" eaLnBrk="1" latinLnBrk="0" hangingPunct="1">
-        <a:defRPr sz="1800" kern="1200">
+      <a:lvl2pPr marL="342900" algn="l" defTabSz="685800" rtl="0" eaLnBrk="1" latinLnBrk="0" hangingPunct="1">
+        <a:defRPr sz="1350" kern="1200">
           <a:solidFill>
             <a:schemeClr val="tx1"/>
           </a:solidFill>
@@ -3456,8 +3412,8 @@
           <a:cs typeface="+mn-cs"/>
         </a:defRPr>
       </a:lvl2pPr>
-      <a:lvl3pPr marL="914400" algn="l" defTabSz="914400" rtl="0" eaLnBrk="1" latinLnBrk="0" hangingPunct="1">
-        <a:defRPr sz="1800" kern="1200">
+      <a:lvl3pPr marL="685800" algn="l" defTabSz="685800" rtl="0" eaLnBrk="1" latinLnBrk="0" hangingPunct="1">
+        <a:defRPr sz="1350" kern="1200">
           <a:solidFill>
             <a:schemeClr val="tx1"/>
           </a:solidFill>
@@ -3466,8 +3422,8 @@
           <a:cs typeface="+mn-cs"/>
         </a:defRPr>
       </a:lvl3pPr>
-      <a:lvl4pPr marL="1371600" algn="l" defTabSz="914400" rtl="0" eaLnBrk="1" latinLnBrk="0" hangingPunct="1">
-        <a:defRPr sz="1800" kern="1200">
+      <a:lvl4pPr marL="1028700" algn="l" defTabSz="685800" rtl="0" eaLnBrk="1" latinLnBrk="0" hangingPunct="1">
+        <a:defRPr sz="1350" kern="1200">
           <a:solidFill>
             <a:schemeClr val="tx1"/>
           </a:solidFill>
@@ -3476,8 +3432,8 @@
           <a:cs typeface="+mn-cs"/>
         </a:defRPr>
       </a:lvl4pPr>
-      <a:lvl5pPr marL="1828800" algn="l" defTabSz="914400" rtl="0" eaLnBrk="1" latinLnBrk="0" hangingPunct="1">
-        <a:defRPr sz="1800" kern="1200">
+      <a:lvl5pPr marL="1371600" algn="l" defTabSz="685800" rtl="0" eaLnBrk="1" latinLnBrk="0" hangingPunct="1">
+        <a:defRPr sz="1350" kern="1200">
           <a:solidFill>
             <a:schemeClr val="tx1"/>
           </a:solidFill>
@@ -3486,8 +3442,8 @@
           <a:cs typeface="+mn-cs"/>
         </a:defRPr>
       </a:lvl5pPr>
-      <a:lvl6pPr marL="2286000" algn="l" defTabSz="914400" rtl="0" eaLnBrk="1" latinLnBrk="0" hangingPunct="1">
-        <a:defRPr sz="1800" kern="1200">
+      <a:lvl6pPr marL="1714500" algn="l" defTabSz="685800" rtl="0" eaLnBrk="1" latinLnBrk="0" hangingPunct="1">
+        <a:defRPr sz="1350" kern="1200">
           <a:solidFill>
             <a:schemeClr val="tx1"/>
           </a:solidFill>
@@ -3496,8 +3452,8 @@
           <a:cs typeface="+mn-cs"/>
         </a:defRPr>
       </a:lvl6pPr>
-      <a:lvl7pPr marL="2743200" algn="l" defTabSz="914400" rtl="0" eaLnBrk="1" latinLnBrk="0" hangingPunct="1">
-        <a:defRPr sz="1800" kern="1200">
+      <a:lvl7pPr marL="2057400" algn="l" defTabSz="685800" rtl="0" eaLnBrk="1" latinLnBrk="0" hangingPunct="1">
+        <a:defRPr sz="1350" kern="1200">
           <a:solidFill>
             <a:schemeClr val="tx1"/>
           </a:solidFill>
@@ -3506,8 +3462,8 @@
           <a:cs typeface="+mn-cs"/>
         </a:defRPr>
       </a:lvl7pPr>
-      <a:lvl8pPr marL="3200400" algn="l" defTabSz="914400" rtl="0" eaLnBrk="1" latinLnBrk="0" hangingPunct="1">
-        <a:defRPr sz="1800" kern="1200">
+      <a:lvl8pPr marL="2400300" algn="l" defTabSz="685800" rtl="0" eaLnBrk="1" latinLnBrk="0" hangingPunct="1">
+        <a:defRPr sz="1350" kern="1200">
           <a:solidFill>
             <a:schemeClr val="tx1"/>
           </a:solidFill>
@@ -3516,8 +3472,8 @@
           <a:cs typeface="+mn-cs"/>
         </a:defRPr>
       </a:lvl8pPr>
-      <a:lvl9pPr marL="3657600" algn="l" defTabSz="914400" rtl="0" eaLnBrk="1" latinLnBrk="0" hangingPunct="1">
-        <a:defRPr sz="1800" kern="1200">
+      <a:lvl9pPr marL="2743200" algn="l" defTabSz="685800" rtl="0" eaLnBrk="1" latinLnBrk="0" hangingPunct="1">
+        <a:defRPr sz="1350" kern="1200">
           <a:solidFill>
             <a:schemeClr val="tx1"/>
           </a:solidFill>
@@ -3550,14 +3506,90 @@
       </p:grpSpPr>
       <p:sp>
         <p:nvSpPr>
+          <p:cNvPr id="2" name="Title 1"/>
+          <p:cNvSpPr>
+            <a:spLocks noGrp="1"/>
+          </p:cNvSpPr>
+          <p:nvPr>
+            <p:ph type="title"/>
+          </p:nvPr>
+        </p:nvSpPr>
+        <p:spPr/>
+        <p:txBody>
+          <a:bodyPr/>
+          <a:lstStyle/>
+          <a:p>
+            <a:r>
+              <a:rPr lang="en-CA" dirty="0" smtClean="0"/>
+              <a:t>Electrophysiology</a:t>
+            </a:r>
+            <a:endParaRPr lang="en-CA" dirty="0"/>
+          </a:p>
+        </p:txBody>
+      </p:sp>
+      <p:sp>
+        <p:nvSpPr>
+          <p:cNvPr id="3" name="Text Placeholder 2"/>
+          <p:cNvSpPr>
+            <a:spLocks noGrp="1"/>
+          </p:cNvSpPr>
+          <p:nvPr>
+            <p:ph type="body" idx="1"/>
+          </p:nvPr>
+        </p:nvSpPr>
+        <p:spPr/>
+        <p:txBody>
+          <a:bodyPr/>
+          <a:lstStyle/>
+          <a:p>
+            <a:r>
+              <a:rPr lang="en-CA" dirty="0" smtClean="0"/>
+              <a:t>Simple Implementation of Simple or Dynamic Experiments</a:t>
+            </a:r>
+            <a:endParaRPr lang="en-CA" dirty="0"/>
+          </a:p>
+        </p:txBody>
+      </p:sp>
+    </p:spTree>
+    <p:extLst>
+      <p:ext uri="{BB962C8B-B14F-4D97-AF65-F5344CB8AC3E}">
+        <p14:creationId xmlns:p14="http://schemas.microsoft.com/office/powerpoint/2010/main" val="570371542"/>
+      </p:ext>
+    </p:extLst>
+  </p:cSld>
+  <p:clrMapOvr>
+    <a:masterClrMapping/>
+  </p:clrMapOvr>
+</p:sld>
+</file>
+
+<file path=ppt/slides/slide2.xml><?xml version="1.0" encoding="utf-8"?>
+<p:sld xmlns:a="http://schemas.openxmlformats.org/drawingml/2006/main" xmlns:r="http://schemas.openxmlformats.org/officeDocument/2006/relationships" xmlns:p="http://schemas.openxmlformats.org/presentationml/2006/main">
+  <p:cSld>
+    <p:spTree>
+      <p:nvGrpSpPr>
+        <p:cNvPr id="1" name=""/>
+        <p:cNvGrpSpPr/>
+        <p:nvPr/>
+      </p:nvGrpSpPr>
+      <p:grpSpPr>
+        <a:xfrm>
+          <a:off x="0" y="0"/>
+          <a:ext cx="0" cy="0"/>
+          <a:chOff x="0" y="0"/>
+          <a:chExt cx="0" cy="0"/>
+        </a:xfrm>
+      </p:grpSpPr>
+      <p:sp>
+        <p:nvSpPr>
           <p:cNvPr id="19" name="TextBox 18"/>
           <p:cNvSpPr txBox="1"/>
           <p:nvPr/>
         </p:nvSpPr>
         <p:spPr>
           <a:xfrm>
-            <a:off x="5172364" y="2156936"/>
-            <a:ext cx="3913580" cy="738664"/>
+            <a:off x="5172364" y="2880898"/>
+            <a:ext cx="3913580" cy="1169551"/>
           </a:xfrm>
           <a:prstGeom prst="rect">
             <a:avLst/>
@@ -3594,7 +3626,21 @@
             </a:pPr>
             <a:r>
               <a:rPr lang="en-US" sz="1400" dirty="0" smtClean="0"/>
-              <a:t>One or multiple experiment protocol files can be made for each behavioral box</a:t>
+              <a:t>One or multiple experiment protocol files can be made for each behavioral </a:t>
+            </a:r>
+            <a:r>
+              <a:rPr lang="en-US" sz="1400" dirty="0" smtClean="0"/>
+              <a:t>box</a:t>
+            </a:r>
+          </a:p>
+          <a:p>
+            <a:pPr marL="122238" indent="-122238">
+              <a:buFont typeface="Arial" panose="020B0604020202020204" pitchFamily="34" charset="0"/>
+              <a:buChar char="•"/>
+            </a:pPr>
+            <a:r>
+              <a:rPr lang="en-US" sz="1400" dirty="0" smtClean="0"/>
+              <a:t>Custom trial-selection function for dynamic experiments (optional)</a:t>
             </a:r>
             <a:endParaRPr lang="en-CA" sz="1400" dirty="0"/>
           </a:p>
@@ -3608,8 +3654,8 @@
         </p:nvSpPr>
         <p:spPr>
           <a:xfrm>
-            <a:off x="5172365" y="3872805"/>
-            <a:ext cx="3971636" cy="1384995"/>
+            <a:off x="5172365" y="4596767"/>
+            <a:ext cx="3971636" cy="523220"/>
           </a:xfrm>
           <a:prstGeom prst="rect">
             <a:avLst/>
@@ -3628,27 +3674,15 @@
             </a:pPr>
             <a:r>
               <a:rPr lang="en-US" sz="1400" dirty="0" smtClean="0"/>
-              <a:t>Defines which subjects are assigned to which behavioral box</a:t>
-            </a:r>
-          </a:p>
-          <a:p>
-            <a:pPr marL="122238" indent="-122238">
-              <a:buFont typeface="Arial" panose="020B0604020202020204" pitchFamily="34" charset="0"/>
-              <a:buChar char="•"/>
-            </a:pPr>
+              <a:t>Runs electrophysiology experiment by controlling </a:t>
+            </a:r>
+            <a:r>
+              <a:rPr lang="en-US" sz="1400" dirty="0" err="1" smtClean="0"/>
+              <a:t>OpenEx</a:t>
+            </a:r>
             <a:r>
               <a:rPr lang="en-US" sz="1400" dirty="0" smtClean="0"/>
-              <a:t>User-defined configuration for how to display and graph subject performance during experiment</a:t>
-            </a:r>
-          </a:p>
-          <a:p>
-            <a:pPr marL="122238" indent="-122238">
-              <a:buFont typeface="Arial" panose="020B0604020202020204" pitchFamily="34" charset="0"/>
-              <a:buChar char="•"/>
-            </a:pPr>
-            <a:r>
-              <a:rPr lang="en-US" sz="1400" dirty="0" smtClean="0"/>
-              <a:t>Customizable functions for controlling experiment (advanced options)</a:t>
+              <a:t> and trial-by-trial stimulus parameters</a:t>
             </a:r>
             <a:endParaRPr lang="en-CA" sz="1400" dirty="0"/>
           </a:p>
@@ -3664,7 +3698,7 @@
         </p:nvGrpSpPr>
         <p:grpSpPr>
           <a:xfrm>
-            <a:off x="2293554" y="29705"/>
+            <a:off x="2293554" y="753667"/>
             <a:ext cx="2878810" cy="1379430"/>
             <a:chOff x="1159790" y="29705"/>
             <a:chExt cx="3657600" cy="1752600"/>
@@ -3864,8 +3898,17 @@
               <a:pPr algn="ctr"/>
               <a:r>
                 <a:rPr lang="en-US" sz="1400" dirty="0" smtClean="0"/>
-                <a:t>TDT Software</a:t>
+                <a:t>TDT </a:t>
               </a:r>
+              <a:r>
+                <a:rPr lang="en-US" sz="1400" dirty="0" err="1" smtClean="0"/>
+                <a:t>RPvds</a:t>
+              </a:r>
+              <a:r>
+                <a:rPr lang="en-US" sz="1400" dirty="0" smtClean="0"/>
+                <a:t> Software</a:t>
+              </a:r>
+              <a:endParaRPr lang="en-US" sz="1400" dirty="0" smtClean="0"/>
             </a:p>
             <a:p>
               <a:pPr algn="ctr"/>
@@ -3906,7 +3949,7 @@
         </p:nvSpPr>
         <p:spPr>
           <a:xfrm>
-            <a:off x="5172364" y="328136"/>
+            <a:off x="5172364" y="1052098"/>
             <a:ext cx="3895436" cy="738664"/>
           </a:xfrm>
           <a:prstGeom prst="rect">
@@ -3926,11 +3969,7 @@
             </a:pPr>
             <a:r>
               <a:rPr lang="en-US" sz="1400" dirty="0" smtClean="0"/>
-              <a:t>Create real-time components for signal generation and data </a:t>
-            </a:r>
-            <a:r>
-              <a:rPr lang="en-US" sz="1400" dirty="0" smtClean="0"/>
-              <a:t>acquisition</a:t>
+              <a:t>Create real-time components for signal generation and data acquisition</a:t>
             </a:r>
           </a:p>
           <a:p>
@@ -3956,7 +3995,7 @@
         </p:nvGrpSpPr>
         <p:grpSpPr>
           <a:xfrm>
-            <a:off x="2293554" y="1924138"/>
+            <a:off x="2293554" y="2648100"/>
             <a:ext cx="2878810" cy="1379430"/>
             <a:chOff x="990600" y="1066800"/>
             <a:chExt cx="3657600" cy="1752600"/>
@@ -4211,59 +4250,6 @@
           </p:txBody>
         </p:sp>
       </p:grpSp>
-      <p:pic>
-        <p:nvPicPr>
-          <p:cNvPr id="58" name="Picture 2" descr="C:\Users\dstolzbe\AppData\Local\Microsoft\Windows\Temporary Internet Files\Content.IE5\5GOW8B4R\MC900356045[1].wmf"/>
-          <p:cNvPicPr>
-            <a:picLocks noChangeAspect="1" noChangeArrowheads="1"/>
-          </p:cNvPicPr>
-          <p:nvPr/>
-        </p:nvPicPr>
-        <p:blipFill rotWithShape="1">
-          <a:blip r:embed="rId3" cstate="print">
-            <a:duotone>
-              <a:schemeClr val="accent5">
-                <a:shade val="45000"/>
-                <a:satMod val="135000"/>
-              </a:schemeClr>
-              <a:prstClr val="white"/>
-            </a:duotone>
-            <a:extLst>
-              <a:ext uri="{28A0092B-C50C-407E-A947-70E740481C1C}">
-                <a14:useLocalDpi xmlns:a14="http://schemas.microsoft.com/office/drawing/2010/main" val="0"/>
-              </a:ext>
-            </a:extLst>
-          </a:blip>
-          <a:srcRect t="18964" b="12092"/>
-          <a:stretch/>
-        </p:blipFill>
-        <p:spPr bwMode="auto">
-          <a:xfrm>
-            <a:off x="3483288" y="3361295"/>
-            <a:ext cx="847649" cy="624121"/>
-          </a:xfrm>
-          <a:prstGeom prst="rect">
-            <a:avLst/>
-          </a:prstGeom>
-          <a:noFill/>
-          <a:effectLst>
-            <a:outerShdw blurRad="50800" dist="38100" dir="8100000" algn="tr" rotWithShape="0">
-              <a:prstClr val="black">
-                <a:alpha val="40000"/>
-              </a:prstClr>
-            </a:outerShdw>
-          </a:effectLst>
-          <a:extLst>
-            <a:ext uri="{909E8E84-426E-40DD-AFC4-6F175D3DCCD1}">
-              <a14:hiddenFill xmlns:a14="http://schemas.microsoft.com/office/drawing/2010/main">
-                <a:solidFill>
-                  <a:srgbClr val="FFFFFF"/>
-                </a:solidFill>
-              </a14:hiddenFill>
-            </a:ext>
-          </a:extLst>
-        </p:spPr>
-      </p:pic>
       <p:sp>
         <p:nvSpPr>
           <p:cNvPr id="59" name="Rectangle 58"/>
@@ -4272,7 +4258,7 @@
         </p:nvSpPr>
         <p:spPr>
           <a:xfrm>
-            <a:off x="2641860" y="4005423"/>
+            <a:off x="2641860" y="4709698"/>
             <a:ext cx="2530504" cy="1005302"/>
           </a:xfrm>
           <a:prstGeom prst="rect">
@@ -4300,176 +4286,40 @@
             <a:pPr algn="ctr"/>
             <a:r>
               <a:rPr lang="en-US" sz="1400" dirty="0" smtClean="0"/>
-              <a:t>Psychophysics Experiment Configuration</a:t>
+              <a:t>Electrophysiology</a:t>
             </a:r>
           </a:p>
           <a:p>
             <a:pPr algn="ctr"/>
             <a:r>
-              <a:rPr lang="en-US" sz="1400" dirty="0" err="1" smtClean="0">
+              <a:rPr lang="en-US" sz="1400" dirty="0" err="1">
                 <a:latin typeface="Courier New" panose="02070309020205020404" pitchFamily="49" charset="0"/>
                 <a:cs typeface="Courier New" panose="02070309020205020404" pitchFamily="49" charset="0"/>
               </a:rPr>
-              <a:t>ep_PsychConfig</a:t>
+              <a:t>ep_EPhysController</a:t>
             </a:r>
             <a:endParaRPr lang="en-US" sz="1400" dirty="0" smtClean="0">
               <a:latin typeface="Courier New" panose="02070309020205020404" pitchFamily="49" charset="0"/>
               <a:cs typeface="Courier New" panose="02070309020205020404" pitchFamily="49" charset="0"/>
             </a:endParaRPr>
           </a:p>
-          <a:p>
-            <a:pPr algn="ctr"/>
-            <a:r>
-              <a:rPr lang="en-US" sz="1400" dirty="0" smtClean="0">
-                <a:latin typeface="Courier New" panose="02070309020205020404" pitchFamily="49" charset="0"/>
-                <a:cs typeface="Courier New" panose="02070309020205020404" pitchFamily="49" charset="0"/>
-              </a:rPr>
-              <a:t>(*.</a:t>
-            </a:r>
-            <a:r>
-              <a:rPr lang="en-US" sz="1400" dirty="0" err="1" smtClean="0">
-                <a:latin typeface="Courier New" panose="02070309020205020404" pitchFamily="49" charset="0"/>
-                <a:cs typeface="Courier New" panose="02070309020205020404" pitchFamily="49" charset="0"/>
-              </a:rPr>
-              <a:t>config</a:t>
-            </a:r>
-            <a:r>
-              <a:rPr lang="en-US" sz="1400" dirty="0" smtClean="0">
-                <a:latin typeface="Courier New" panose="02070309020205020404" pitchFamily="49" charset="0"/>
-                <a:cs typeface="Courier New" panose="02070309020205020404" pitchFamily="49" charset="0"/>
-              </a:rPr>
-              <a:t>)</a:t>
-            </a:r>
-            <a:endParaRPr lang="en-CA" sz="1400" dirty="0">
-              <a:latin typeface="Courier New" panose="02070309020205020404" pitchFamily="49" charset="0"/>
-              <a:cs typeface="Courier New" panose="02070309020205020404" pitchFamily="49" charset="0"/>
-            </a:endParaRPr>
-          </a:p>
-        </p:txBody>
-      </p:sp>
-      <p:pic>
-        <p:nvPicPr>
-          <p:cNvPr id="1026" name="Picture 2" descr="C:\Users\dstolzbe\AppData\Local\Microsoft\Windows\Temporary Internet Files\Content.IE5\5GOW8B4R\MC900356045[1].wmf"/>
-          <p:cNvPicPr>
-            <a:picLocks noChangeAspect="1" noChangeArrowheads="1"/>
-          </p:cNvPicPr>
-          <p:nvPr/>
-        </p:nvPicPr>
-        <p:blipFill rotWithShape="1">
-          <a:blip r:embed="rId3" cstate="print">
-            <a:duotone>
-              <a:schemeClr val="accent5">
-                <a:shade val="45000"/>
-                <a:satMod val="135000"/>
-              </a:schemeClr>
-              <a:prstClr val="white"/>
-            </a:duotone>
-            <a:extLst>
-              <a:ext uri="{28A0092B-C50C-407E-A947-70E740481C1C}">
-                <a14:useLocalDpi xmlns:a14="http://schemas.microsoft.com/office/drawing/2010/main" val="0"/>
-              </a:ext>
-            </a:extLst>
-          </a:blip>
-          <a:srcRect t="18964" b="12092"/>
-          <a:stretch/>
-        </p:blipFill>
-        <p:spPr bwMode="auto">
-          <a:xfrm>
-            <a:off x="3483288" y="1484744"/>
-            <a:ext cx="847649" cy="624121"/>
-          </a:xfrm>
-          <a:prstGeom prst="rect">
-            <a:avLst/>
-          </a:prstGeom>
-          <a:noFill/>
-          <a:effectLst>
-            <a:outerShdw blurRad="50800" dist="38100" dir="8100000" algn="tr" rotWithShape="0">
-              <a:prstClr val="black">
-                <a:alpha val="40000"/>
-              </a:prstClr>
-            </a:outerShdw>
-          </a:effectLst>
-          <a:extLst>
-            <a:ext uri="{909E8E84-426E-40DD-AFC4-6F175D3DCCD1}">
-              <a14:hiddenFill xmlns:a14="http://schemas.microsoft.com/office/drawing/2010/main">
-                <a:solidFill>
-                  <a:srgbClr val="FFFFFF"/>
-                </a:solidFill>
-              </a14:hiddenFill>
-            </a:ext>
-          </a:extLst>
-        </p:spPr>
-      </p:pic>
-      <p:sp>
-        <p:nvSpPr>
-          <p:cNvPr id="60" name="Rectangle 59"/>
+        </p:txBody>
+      </p:sp>
+      <p:sp>
+        <p:nvSpPr>
+          <p:cNvPr id="27" name="Down Arrow 26"/>
           <p:cNvSpPr/>
           <p:nvPr/>
         </p:nvSpPr>
         <p:spPr>
           <a:xfrm>
-            <a:off x="2651096" y="5640260"/>
-            <a:ext cx="2530504" cy="1005302"/>
-          </a:xfrm>
-          <a:prstGeom prst="rect">
-            <a:avLst/>
-          </a:prstGeom>
-        </p:spPr>
-        <p:style>
-          <a:lnRef idx="2">
-            <a:schemeClr val="dk1"/>
-          </a:lnRef>
-          <a:fillRef idx="1">
-            <a:schemeClr val="lt1"/>
-          </a:fillRef>
-          <a:effectRef idx="0">
-            <a:schemeClr val="dk1"/>
-          </a:effectRef>
-          <a:fontRef idx="minor">
-            <a:schemeClr val="dk1"/>
-          </a:fontRef>
-        </p:style>
-        <p:txBody>
-          <a:bodyPr rtlCol="0" anchor="ctr"/>
-          <a:lstStyle/>
-          <a:p>
-            <a:pPr algn="ctr"/>
-            <a:r>
-              <a:rPr lang="en-US" sz="1400" dirty="0" smtClean="0"/>
-              <a:t>Run-Time</a:t>
-            </a:r>
-          </a:p>
-          <a:p>
-            <a:pPr algn="ctr"/>
-            <a:r>
-              <a:rPr lang="en-US" sz="1400" dirty="0" err="1" smtClean="0">
-                <a:latin typeface="Courier New" panose="02070309020205020404" pitchFamily="49" charset="0"/>
-                <a:cs typeface="Courier New" panose="02070309020205020404" pitchFamily="49" charset="0"/>
-              </a:rPr>
-              <a:t>ep_RunExpt</a:t>
-            </a:r>
-            <a:endParaRPr lang="en-US" sz="1400" dirty="0" smtClean="0">
-              <a:latin typeface="Courier New" panose="02070309020205020404" pitchFamily="49" charset="0"/>
-              <a:cs typeface="Courier New" panose="02070309020205020404" pitchFamily="49" charset="0"/>
-            </a:endParaRPr>
-          </a:p>
-        </p:txBody>
-      </p:sp>
-      <p:sp>
-        <p:nvSpPr>
-          <p:cNvPr id="50" name="Down Arrow 49"/>
-          <p:cNvSpPr/>
-          <p:nvPr/>
-        </p:nvSpPr>
-        <p:spPr>
-          <a:xfrm>
-            <a:off x="3742654" y="5105400"/>
+            <a:off x="3739935" y="4140934"/>
             <a:ext cx="328916" cy="457200"/>
           </a:xfrm>
           <a:prstGeom prst="downArrow">
             <a:avLst/>
           </a:prstGeom>
-          <a:ln w="38100"/>
+          <a:ln w="12700"/>
         </p:spPr>
         <p:style>
           <a:lnRef idx="1">
@@ -4496,130 +4346,19 @@
       </p:sp>
       <p:sp>
         <p:nvSpPr>
-          <p:cNvPr id="25" name="TextBox 24"/>
-          <p:cNvSpPr txBox="1"/>
+          <p:cNvPr id="28" name="Down Arrow 27"/>
+          <p:cNvSpPr/>
           <p:nvPr/>
         </p:nvSpPr>
         <p:spPr>
           <a:xfrm>
-            <a:off x="5181600" y="5562600"/>
-            <a:ext cx="3962400" cy="523220"/>
+            <a:off x="3748426" y="2247962"/>
+            <a:ext cx="328916" cy="457200"/>
           </a:xfrm>
-          <a:prstGeom prst="rect">
+          <a:prstGeom prst="downArrow">
             <a:avLst/>
           </a:prstGeom>
-          <a:noFill/>
-        </p:spPr>
-        <p:txBody>
-          <a:bodyPr wrap="square" rIns="0" rtlCol="0">
-            <a:spAutoFit/>
-          </a:bodyPr>
-          <a:lstStyle/>
-          <a:p>
-            <a:pPr marL="122238" indent="-122238">
-              <a:buFont typeface="Arial" panose="020B0604020202020204" pitchFamily="34" charset="0"/>
-              <a:buChar char="•"/>
-            </a:pPr>
-            <a:r>
-              <a:rPr lang="en-US" sz="1400" dirty="0" smtClean="0"/>
-              <a:t>Runs Behavioral experiment with or without </a:t>
-            </a:r>
-            <a:r>
-              <a:rPr lang="en-US" sz="1400" dirty="0" err="1" smtClean="0"/>
-              <a:t>OpenEx</a:t>
-            </a:r>
-            <a:endParaRPr lang="en-CA" sz="1400" dirty="0"/>
-          </a:p>
-        </p:txBody>
-      </p:sp>
-      <p:sp>
-        <p:nvSpPr>
-          <p:cNvPr id="26" name="Rectangle 25"/>
-          <p:cNvSpPr/>
-          <p:nvPr/>
-        </p:nvSpPr>
-        <p:spPr>
-          <a:xfrm>
-            <a:off x="106670" y="2971800"/>
-            <a:ext cx="2007104" cy="895926"/>
-          </a:xfrm>
-          <a:prstGeom prst="rect">
-            <a:avLst/>
-          </a:prstGeom>
-        </p:spPr>
-        <p:style>
-          <a:lnRef idx="2">
-            <a:schemeClr val="dk1"/>
-          </a:lnRef>
-          <a:fillRef idx="1">
-            <a:schemeClr val="lt1"/>
-          </a:fillRef>
-          <a:effectRef idx="0">
-            <a:schemeClr val="dk1"/>
-          </a:effectRef>
-          <a:fontRef idx="minor">
-            <a:schemeClr val="dk1"/>
-          </a:fontRef>
-        </p:style>
-        <p:txBody>
-          <a:bodyPr rtlCol="0" anchor="ctr"/>
-          <a:lstStyle/>
-          <a:p>
-            <a:pPr algn="ctr"/>
-            <a:r>
-              <a:rPr lang="en-US" sz="1400" dirty="0" smtClean="0"/>
-              <a:t>Paradigm Contingencies &amp; Display</a:t>
-            </a:r>
-          </a:p>
-          <a:p>
-            <a:pPr algn="ctr"/>
-            <a:r>
-              <a:rPr lang="en-US" sz="1400" dirty="0" err="1" smtClean="0">
-                <a:latin typeface="Courier New" panose="02070309020205020404" pitchFamily="49" charset="0"/>
-                <a:cs typeface="Courier New" panose="02070309020205020404" pitchFamily="49" charset="0"/>
-              </a:rPr>
-              <a:t>ep_BitMasker</a:t>
-            </a:r>
-            <a:endParaRPr lang="en-US" sz="1400" dirty="0" smtClean="0">
-              <a:latin typeface="Courier New" panose="02070309020205020404" pitchFamily="49" charset="0"/>
-              <a:cs typeface="Courier New" panose="02070309020205020404" pitchFamily="49" charset="0"/>
-            </a:endParaRPr>
-          </a:p>
-          <a:p>
-            <a:pPr algn="ctr"/>
-            <a:r>
-              <a:rPr lang="en-US" sz="1400" dirty="0" smtClean="0">
-                <a:latin typeface="Courier New" panose="02070309020205020404" pitchFamily="49" charset="0"/>
-                <a:cs typeface="Courier New" panose="02070309020205020404" pitchFamily="49" charset="0"/>
-              </a:rPr>
-              <a:t>(*.mat)</a:t>
-            </a:r>
-            <a:endParaRPr lang="en-US" sz="1400" dirty="0" smtClean="0">
-              <a:latin typeface="Courier New" panose="02070309020205020404" pitchFamily="49" charset="0"/>
-              <a:cs typeface="Courier New" panose="02070309020205020404" pitchFamily="49" charset="0"/>
-            </a:endParaRPr>
-          </a:p>
-        </p:txBody>
-      </p:sp>
-      <p:sp>
-        <p:nvSpPr>
-          <p:cNvPr id="2" name="Bent Arrow 1"/>
-          <p:cNvSpPr/>
-          <p:nvPr/>
-        </p:nvSpPr>
-        <p:spPr>
-          <a:xfrm rot="10800000" flipH="1">
-            <a:off x="1051660" y="3962400"/>
-            <a:ext cx="1462940" cy="807283"/>
-          </a:xfrm>
-          <a:prstGeom prst="bentArrow">
-            <a:avLst>
-              <a:gd name="adj1" fmla="val 15791"/>
-              <a:gd name="adj2" fmla="val 25000"/>
-              <a:gd name="adj3" fmla="val 25000"/>
-              <a:gd name="adj4" fmla="val 43750"/>
-            </a:avLst>
-          </a:prstGeom>
+          <a:ln w="12700"/>
         </p:spPr>
         <p:style>
           <a:lnRef idx="1">
@@ -4640,14 +4379,1254 @@
           <a:lstStyle/>
           <a:p>
             <a:pPr algn="ctr"/>
-            <a:endParaRPr lang="en-CA">
-              <a:solidFill>
-                <a:schemeClr val="tx1"/>
-              </a:solidFill>
-            </a:endParaRPr>
-          </a:p>
-        </p:txBody>
-      </p:sp>
+            <a:endParaRPr lang="en-CA"/>
+          </a:p>
+        </p:txBody>
+      </p:sp>
+    </p:spTree>
+    <p:extLst>
+      <p:ext uri="{BB962C8B-B14F-4D97-AF65-F5344CB8AC3E}">
+        <p14:creationId xmlns:p14="http://schemas.microsoft.com/office/powerpoint/2010/main" val="502770157"/>
+      </p:ext>
+    </p:extLst>
+  </p:cSld>
+  <p:clrMapOvr>
+    <a:masterClrMapping/>
+  </p:clrMapOvr>
+</p:sld>
+</file>
+
+<file path=ppt/slides/slide3.xml><?xml version="1.0" encoding="utf-8"?>
+<p:sld xmlns:a="http://schemas.openxmlformats.org/drawingml/2006/main" xmlns:r="http://schemas.openxmlformats.org/officeDocument/2006/relationships" xmlns:p="http://schemas.openxmlformats.org/presentationml/2006/main">
+  <p:cSld>
+    <p:spTree>
+      <p:nvGrpSpPr>
+        <p:cNvPr id="1" name=""/>
+        <p:cNvGrpSpPr/>
+        <p:nvPr/>
+      </p:nvGrpSpPr>
+      <p:grpSpPr>
+        <a:xfrm>
+          <a:off x="0" y="0"/>
+          <a:ext cx="0" cy="0"/>
+          <a:chOff x="0" y="0"/>
+          <a:chExt cx="0" cy="0"/>
+        </a:xfrm>
+      </p:grpSpPr>
+      <p:sp>
+        <p:nvSpPr>
+          <p:cNvPr id="2" name="Title 1"/>
+          <p:cNvSpPr>
+            <a:spLocks noGrp="1"/>
+          </p:cNvSpPr>
+          <p:nvPr>
+            <p:ph type="title"/>
+          </p:nvPr>
+        </p:nvSpPr>
+        <p:spPr/>
+        <p:txBody>
+          <a:bodyPr/>
+          <a:lstStyle/>
+          <a:p>
+            <a:r>
+              <a:rPr lang="en-CA" dirty="0" err="1" smtClean="0"/>
+              <a:t>Epsych</a:t>
+            </a:r>
+            <a:endParaRPr lang="en-CA" dirty="0"/>
+          </a:p>
+        </p:txBody>
+      </p:sp>
+      <p:sp>
+        <p:nvSpPr>
+          <p:cNvPr id="3" name="Text Placeholder 2"/>
+          <p:cNvSpPr>
+            <a:spLocks noGrp="1"/>
+          </p:cNvSpPr>
+          <p:nvPr>
+            <p:ph type="body" idx="1"/>
+          </p:nvPr>
+        </p:nvSpPr>
+        <p:spPr/>
+        <p:txBody>
+          <a:bodyPr/>
+          <a:lstStyle/>
+          <a:p>
+            <a:r>
+              <a:rPr lang="en-CA" dirty="0"/>
+              <a:t>B</a:t>
+            </a:r>
+            <a:r>
+              <a:rPr lang="en-CA" dirty="0" smtClean="0"/>
+              <a:t>ehavioral Experiments with/without Electrophysiology</a:t>
+            </a:r>
+            <a:endParaRPr lang="en-CA" dirty="0"/>
+          </a:p>
+        </p:txBody>
+      </p:sp>
+    </p:spTree>
+    <p:extLst>
+      <p:ext uri="{BB962C8B-B14F-4D97-AF65-F5344CB8AC3E}">
+        <p14:creationId xmlns:p14="http://schemas.microsoft.com/office/powerpoint/2010/main" val="3883827514"/>
+      </p:ext>
+    </p:extLst>
+  </p:cSld>
+  <p:clrMapOvr>
+    <a:masterClrMapping/>
+  </p:clrMapOvr>
+</p:sld>
+</file>
+
+<file path=ppt/slides/slide4.xml><?xml version="1.0" encoding="utf-8"?>
+<p:sld xmlns:a="http://schemas.openxmlformats.org/drawingml/2006/main" xmlns:r="http://schemas.openxmlformats.org/officeDocument/2006/relationships" xmlns:p="http://schemas.openxmlformats.org/presentationml/2006/main">
+  <p:cSld>
+    <p:spTree>
+      <p:nvGrpSpPr>
+        <p:cNvPr id="1" name=""/>
+        <p:cNvGrpSpPr/>
+        <p:nvPr/>
+      </p:nvGrpSpPr>
+      <p:grpSpPr>
+        <a:xfrm>
+          <a:off x="0" y="0"/>
+          <a:ext cx="0" cy="0"/>
+          <a:chOff x="0" y="0"/>
+          <a:chExt cx="0" cy="0"/>
+        </a:xfrm>
+      </p:grpSpPr>
+      <p:grpSp>
+        <p:nvGrpSpPr>
+          <p:cNvPr id="3" name="Group 2"/>
+          <p:cNvGrpSpPr/>
+          <p:nvPr/>
+        </p:nvGrpSpPr>
+        <p:grpSpPr>
+          <a:xfrm>
+            <a:off x="106670" y="29705"/>
+            <a:ext cx="9037331" cy="6615857"/>
+            <a:chOff x="106670" y="29705"/>
+            <a:chExt cx="9037331" cy="6615857"/>
+          </a:xfrm>
+        </p:grpSpPr>
+        <p:sp>
+          <p:nvSpPr>
+            <p:cNvPr id="19" name="TextBox 18"/>
+            <p:cNvSpPr txBox="1"/>
+            <p:nvPr/>
+          </p:nvSpPr>
+          <p:spPr>
+            <a:xfrm>
+              <a:off x="5172364" y="2156936"/>
+              <a:ext cx="3913580" cy="1169551"/>
+            </a:xfrm>
+            <a:prstGeom prst="rect">
+              <a:avLst/>
+            </a:prstGeom>
+            <a:noFill/>
+          </p:spPr>
+          <p:txBody>
+            <a:bodyPr wrap="square" rIns="0" rtlCol="0">
+              <a:spAutoFit/>
+            </a:bodyPr>
+            <a:lstStyle/>
+            <a:p>
+              <a:pPr marL="122238" indent="-122238">
+                <a:buFont typeface="Arial" panose="020B0604020202020204" pitchFamily="34" charset="0"/>
+                <a:buChar char="•"/>
+              </a:pPr>
+              <a:r>
+                <a:rPr lang="en-US" sz="1400" dirty="0" smtClean="0"/>
+                <a:t>Defines hardware and </a:t>
+              </a:r>
+              <a:r>
+                <a:rPr lang="en-US" sz="1400" dirty="0" err="1" smtClean="0"/>
+                <a:t>RPvds</a:t>
+              </a:r>
+              <a:r>
+                <a:rPr lang="en-US" sz="1400" dirty="0" smtClean="0"/>
+                <a:t> circuits</a:t>
+              </a:r>
+            </a:p>
+            <a:p>
+              <a:pPr marL="122238" indent="-122238">
+                <a:buFont typeface="Arial" panose="020B0604020202020204" pitchFamily="34" charset="0"/>
+                <a:buChar char="•"/>
+              </a:pPr>
+              <a:r>
+                <a:rPr lang="en-US" sz="1400" dirty="0" smtClean="0"/>
+                <a:t>One or multiple experiment protocol files can be made for each behavioral </a:t>
+              </a:r>
+              <a:r>
+                <a:rPr lang="en-US" sz="1400" dirty="0" smtClean="0"/>
+                <a:t>box</a:t>
+              </a:r>
+            </a:p>
+            <a:p>
+              <a:pPr marL="122238" indent="-122238">
+                <a:buFont typeface="Arial" panose="020B0604020202020204" pitchFamily="34" charset="0"/>
+                <a:buChar char="•"/>
+              </a:pPr>
+              <a:r>
+                <a:rPr lang="en-US" sz="1400" dirty="0"/>
+                <a:t>Custom trial-selection function for dynamic experiments (optional)</a:t>
+              </a:r>
+              <a:endParaRPr lang="en-CA" sz="1400" dirty="0"/>
+            </a:p>
+          </p:txBody>
+        </p:sp>
+        <p:sp>
+          <p:nvSpPr>
+            <p:cNvPr id="20" name="TextBox 19"/>
+            <p:cNvSpPr txBox="1"/>
+            <p:nvPr/>
+          </p:nvSpPr>
+          <p:spPr>
+            <a:xfrm>
+              <a:off x="5172365" y="3872805"/>
+              <a:ext cx="3971636" cy="1384995"/>
+            </a:xfrm>
+            <a:prstGeom prst="rect">
+              <a:avLst/>
+            </a:prstGeom>
+            <a:noFill/>
+          </p:spPr>
+          <p:txBody>
+            <a:bodyPr wrap="square" rIns="0" rtlCol="0">
+              <a:spAutoFit/>
+            </a:bodyPr>
+            <a:lstStyle/>
+            <a:p>
+              <a:pPr marL="122238" indent="-122238">
+                <a:buFont typeface="Arial" panose="020B0604020202020204" pitchFamily="34" charset="0"/>
+                <a:buChar char="•"/>
+              </a:pPr>
+              <a:r>
+                <a:rPr lang="en-US" sz="1400" dirty="0" smtClean="0"/>
+                <a:t>Defines which </a:t>
+              </a:r>
+              <a:r>
+                <a:rPr lang="en-US" sz="1400" dirty="0" smtClean="0"/>
+                <a:t>subject is assigned </a:t>
+              </a:r>
+              <a:r>
+                <a:rPr lang="en-US" sz="1400" dirty="0" smtClean="0"/>
+                <a:t>to which behavioral box</a:t>
+              </a:r>
+            </a:p>
+            <a:p>
+              <a:pPr marL="122238" indent="-122238">
+                <a:buFont typeface="Arial" panose="020B0604020202020204" pitchFamily="34" charset="0"/>
+                <a:buChar char="•"/>
+              </a:pPr>
+              <a:r>
+                <a:rPr lang="en-US" sz="1400" dirty="0" smtClean="0"/>
+                <a:t>User-defined configuration for how to display and graph subject performance </a:t>
+              </a:r>
+              <a:r>
+                <a:rPr lang="en-US" sz="1400" dirty="0" smtClean="0"/>
+                <a:t>during the </a:t>
+              </a:r>
+              <a:r>
+                <a:rPr lang="en-US" sz="1400" dirty="0" smtClean="0"/>
+                <a:t>experiment</a:t>
+              </a:r>
+            </a:p>
+            <a:p>
+              <a:pPr marL="122238" indent="-122238">
+                <a:buFont typeface="Arial" panose="020B0604020202020204" pitchFamily="34" charset="0"/>
+                <a:buChar char="•"/>
+              </a:pPr>
+              <a:r>
+                <a:rPr lang="en-US" sz="1400" dirty="0" smtClean="0"/>
+                <a:t>Customizable functions for </a:t>
+              </a:r>
+              <a:r>
+                <a:rPr lang="en-US" sz="1400" dirty="0" smtClean="0"/>
+                <a:t>full control over experiment during runtime (optional)</a:t>
+              </a:r>
+              <a:endParaRPr lang="en-CA" sz="1400" dirty="0"/>
+            </a:p>
+          </p:txBody>
+        </p:sp>
+        <p:grpSp>
+          <p:nvGrpSpPr>
+            <p:cNvPr id="43" name="Group 42"/>
+            <p:cNvGrpSpPr>
+              <a:grpSpLocks noChangeAspect="1"/>
+            </p:cNvGrpSpPr>
+            <p:nvPr/>
+          </p:nvGrpSpPr>
+          <p:grpSpPr>
+            <a:xfrm>
+              <a:off x="2293554" y="29705"/>
+              <a:ext cx="2878810" cy="1379430"/>
+              <a:chOff x="1159790" y="29705"/>
+              <a:chExt cx="3657600" cy="1752600"/>
+            </a:xfrm>
+          </p:grpSpPr>
+          <p:sp>
+            <p:nvSpPr>
+              <p:cNvPr id="21" name="Rectangle 20"/>
+              <p:cNvSpPr/>
+              <p:nvPr/>
+            </p:nvSpPr>
+            <p:spPr>
+              <a:xfrm>
+                <a:off x="1159790" y="29705"/>
+                <a:ext cx="3200400" cy="1295400"/>
+              </a:xfrm>
+              <a:prstGeom prst="rect">
+                <a:avLst/>
+              </a:prstGeom>
+            </p:spPr>
+            <p:style>
+              <a:lnRef idx="2">
+                <a:schemeClr val="dk1"/>
+              </a:lnRef>
+              <a:fillRef idx="1">
+                <a:schemeClr val="lt1"/>
+              </a:fillRef>
+              <a:effectRef idx="0">
+                <a:schemeClr val="dk1"/>
+              </a:effectRef>
+              <a:fontRef idx="minor">
+                <a:schemeClr val="dk1"/>
+              </a:fontRef>
+            </p:style>
+            <p:txBody>
+              <a:bodyPr rtlCol="0" anchor="ctr"/>
+              <a:lstStyle/>
+              <a:p>
+                <a:pPr algn="ctr"/>
+                <a:r>
+                  <a:rPr lang="en-US" sz="1400" dirty="0" err="1" smtClean="0"/>
+                  <a:t>RPvds</a:t>
+                </a:r>
+                <a:r>
+                  <a:rPr lang="en-US" sz="1400" dirty="0" smtClean="0"/>
+                  <a:t> Circuit</a:t>
+                </a:r>
+                <a:endParaRPr lang="en-CA" sz="1400" dirty="0">
+                  <a:latin typeface="Courier New" panose="02070309020205020404" pitchFamily="49" charset="0"/>
+                  <a:cs typeface="Courier New" panose="02070309020205020404" pitchFamily="49" charset="0"/>
+                </a:endParaRPr>
+              </a:p>
+            </p:txBody>
+          </p:sp>
+          <p:sp>
+            <p:nvSpPr>
+              <p:cNvPr id="22" name="Rectangle 21"/>
+              <p:cNvSpPr/>
+              <p:nvPr/>
+            </p:nvSpPr>
+            <p:spPr>
+              <a:xfrm>
+                <a:off x="1312190" y="182105"/>
+                <a:ext cx="3200400" cy="1295400"/>
+              </a:xfrm>
+              <a:prstGeom prst="rect">
+                <a:avLst/>
+              </a:prstGeom>
+            </p:spPr>
+            <p:style>
+              <a:lnRef idx="2">
+                <a:schemeClr val="dk1"/>
+              </a:lnRef>
+              <a:fillRef idx="1">
+                <a:schemeClr val="lt1"/>
+              </a:fillRef>
+              <a:effectRef idx="0">
+                <a:schemeClr val="dk1"/>
+              </a:effectRef>
+              <a:fontRef idx="minor">
+                <a:schemeClr val="dk1"/>
+              </a:fontRef>
+            </p:style>
+            <p:txBody>
+              <a:bodyPr rtlCol="0" anchor="ctr"/>
+              <a:lstStyle/>
+              <a:p>
+                <a:pPr algn="ctr"/>
+                <a:r>
+                  <a:rPr lang="en-US" sz="1400" dirty="0" err="1" smtClean="0"/>
+                  <a:t>RPvds</a:t>
+                </a:r>
+                <a:r>
+                  <a:rPr lang="en-US" sz="1400" dirty="0" smtClean="0"/>
+                  <a:t> Circuit</a:t>
+                </a:r>
+                <a:endParaRPr lang="en-CA" sz="1400" dirty="0">
+                  <a:latin typeface="Courier New" panose="02070309020205020404" pitchFamily="49" charset="0"/>
+                  <a:cs typeface="Courier New" panose="02070309020205020404" pitchFamily="49" charset="0"/>
+                </a:endParaRPr>
+              </a:p>
+            </p:txBody>
+          </p:sp>
+          <p:sp>
+            <p:nvSpPr>
+              <p:cNvPr id="23" name="Rectangle 22"/>
+              <p:cNvSpPr/>
+              <p:nvPr/>
+            </p:nvSpPr>
+            <p:spPr>
+              <a:xfrm>
+                <a:off x="1464590" y="334505"/>
+                <a:ext cx="3200400" cy="1295400"/>
+              </a:xfrm>
+              <a:prstGeom prst="rect">
+                <a:avLst/>
+              </a:prstGeom>
+            </p:spPr>
+            <p:style>
+              <a:lnRef idx="2">
+                <a:schemeClr val="dk1"/>
+              </a:lnRef>
+              <a:fillRef idx="1">
+                <a:schemeClr val="lt1"/>
+              </a:fillRef>
+              <a:effectRef idx="0">
+                <a:schemeClr val="dk1"/>
+              </a:effectRef>
+              <a:fontRef idx="minor">
+                <a:schemeClr val="dk1"/>
+              </a:fontRef>
+            </p:style>
+            <p:txBody>
+              <a:bodyPr rtlCol="0" anchor="ctr"/>
+              <a:lstStyle/>
+              <a:p>
+                <a:pPr algn="ctr"/>
+                <a:r>
+                  <a:rPr lang="en-US" sz="1400" dirty="0" err="1" smtClean="0"/>
+                  <a:t>RPvds</a:t>
+                </a:r>
+                <a:r>
+                  <a:rPr lang="en-US" sz="1400" dirty="0" smtClean="0"/>
+                  <a:t> Circuit</a:t>
+                </a:r>
+                <a:endParaRPr lang="en-CA" sz="1400" dirty="0">
+                  <a:latin typeface="Courier New" panose="02070309020205020404" pitchFamily="49" charset="0"/>
+                  <a:cs typeface="Courier New" panose="02070309020205020404" pitchFamily="49" charset="0"/>
+                </a:endParaRPr>
+              </a:p>
+            </p:txBody>
+          </p:sp>
+          <p:sp>
+            <p:nvSpPr>
+              <p:cNvPr id="24" name="Rectangle 23"/>
+              <p:cNvSpPr/>
+              <p:nvPr/>
+            </p:nvSpPr>
+            <p:spPr>
+              <a:xfrm>
+                <a:off x="1616990" y="486905"/>
+                <a:ext cx="3200400" cy="1295400"/>
+              </a:xfrm>
+              <a:prstGeom prst="rect">
+                <a:avLst/>
+              </a:prstGeom>
+            </p:spPr>
+            <p:style>
+              <a:lnRef idx="2">
+                <a:schemeClr val="dk1"/>
+              </a:lnRef>
+              <a:fillRef idx="1">
+                <a:schemeClr val="lt1"/>
+              </a:fillRef>
+              <a:effectRef idx="0">
+                <a:schemeClr val="dk1"/>
+              </a:effectRef>
+              <a:fontRef idx="minor">
+                <a:schemeClr val="dk1"/>
+              </a:fontRef>
+            </p:style>
+            <p:txBody>
+              <a:bodyPr rtlCol="0" anchor="ctr"/>
+              <a:lstStyle/>
+              <a:p>
+                <a:pPr algn="ctr"/>
+                <a:r>
+                  <a:rPr lang="en-US" sz="1400" dirty="0" err="1" smtClean="0"/>
+                  <a:t>RPvds</a:t>
+                </a:r>
+                <a:r>
+                  <a:rPr lang="en-US" sz="1400" dirty="0" smtClean="0"/>
+                  <a:t> Circuit</a:t>
+                </a:r>
+              </a:p>
+              <a:p>
+                <a:pPr algn="ctr"/>
+                <a:r>
+                  <a:rPr lang="en-US" sz="1400" dirty="0" smtClean="0"/>
+                  <a:t>TDT </a:t>
+                </a:r>
+                <a:r>
+                  <a:rPr lang="en-US" sz="1400" dirty="0" err="1" smtClean="0"/>
+                  <a:t>RPvds</a:t>
+                </a:r>
+                <a:r>
+                  <a:rPr lang="en-US" sz="1400" dirty="0" smtClean="0"/>
+                  <a:t> Software</a:t>
+                </a:r>
+                <a:endParaRPr lang="en-US" sz="1400" dirty="0" smtClean="0"/>
+              </a:p>
+              <a:p>
+                <a:pPr algn="ctr"/>
+                <a:r>
+                  <a:rPr lang="en-US" sz="1400" dirty="0" smtClean="0">
+                    <a:latin typeface="Courier New" panose="02070309020205020404" pitchFamily="49" charset="0"/>
+                    <a:cs typeface="Courier New" panose="02070309020205020404" pitchFamily="49" charset="0"/>
+                  </a:rPr>
+                  <a:t>(*.</a:t>
+                </a:r>
+                <a:r>
+                  <a:rPr lang="en-US" sz="1400" dirty="0" err="1" smtClean="0">
+                    <a:latin typeface="Courier New" panose="02070309020205020404" pitchFamily="49" charset="0"/>
+                    <a:cs typeface="Courier New" panose="02070309020205020404" pitchFamily="49" charset="0"/>
+                  </a:rPr>
+                  <a:t>rcx</a:t>
+                </a:r>
+                <a:r>
+                  <a:rPr lang="en-US" sz="1400" dirty="0" smtClean="0">
+                    <a:latin typeface="Courier New" panose="02070309020205020404" pitchFamily="49" charset="0"/>
+                    <a:cs typeface="Courier New" panose="02070309020205020404" pitchFamily="49" charset="0"/>
+                  </a:rPr>
+                  <a:t>)</a:t>
+                </a:r>
+                <a:endParaRPr lang="en-CA" sz="1400" dirty="0">
+                  <a:latin typeface="Courier New" panose="02070309020205020404" pitchFamily="49" charset="0"/>
+                  <a:cs typeface="Courier New" panose="02070309020205020404" pitchFamily="49" charset="0"/>
+                </a:endParaRPr>
+              </a:p>
+            </p:txBody>
+          </p:sp>
+        </p:grpSp>
+        <p:sp>
+          <p:nvSpPr>
+            <p:cNvPr id="38" name="TextBox 37"/>
+            <p:cNvSpPr txBox="1"/>
+            <p:nvPr/>
+          </p:nvSpPr>
+          <p:spPr>
+            <a:xfrm>
+              <a:off x="5172364" y="328136"/>
+              <a:ext cx="3895436" cy="738664"/>
+            </a:xfrm>
+            <a:prstGeom prst="rect">
+              <a:avLst/>
+            </a:prstGeom>
+            <a:noFill/>
+          </p:spPr>
+          <p:txBody>
+            <a:bodyPr wrap="square" rIns="0" rtlCol="0">
+              <a:spAutoFit/>
+            </a:bodyPr>
+            <a:lstStyle/>
+            <a:p>
+              <a:pPr marL="122238" indent="-122238">
+                <a:buFont typeface="Arial" panose="020B0604020202020204" pitchFamily="34" charset="0"/>
+                <a:buChar char="•"/>
+              </a:pPr>
+              <a:r>
+                <a:rPr lang="en-US" sz="1400" dirty="0" smtClean="0"/>
+                <a:t>Create real-time components for signal generation and data acquisition</a:t>
+              </a:r>
+            </a:p>
+            <a:p>
+              <a:pPr marL="122238" indent="-122238">
+                <a:buFont typeface="Arial" panose="020B0604020202020204" pitchFamily="34" charset="0"/>
+                <a:buChar char="•"/>
+              </a:pPr>
+              <a:r>
+                <a:rPr lang="en-US" sz="1400" dirty="0" smtClean="0"/>
+                <a:t>Behavioral hardware input/output</a:t>
+              </a:r>
+              <a:endParaRPr lang="en-CA" sz="1400" dirty="0"/>
+            </a:p>
+          </p:txBody>
+        </p:sp>
+        <p:grpSp>
+          <p:nvGrpSpPr>
+            <p:cNvPr id="53" name="Group 52"/>
+            <p:cNvGrpSpPr>
+              <a:grpSpLocks noChangeAspect="1"/>
+            </p:cNvGrpSpPr>
+            <p:nvPr/>
+          </p:nvGrpSpPr>
+          <p:grpSpPr>
+            <a:xfrm>
+              <a:off x="2293554" y="1924138"/>
+              <a:ext cx="2878810" cy="1379430"/>
+              <a:chOff x="990600" y="1066800"/>
+              <a:chExt cx="3657600" cy="1752600"/>
+            </a:xfrm>
+          </p:grpSpPr>
+          <p:sp>
+            <p:nvSpPr>
+              <p:cNvPr id="54" name="Rectangle 53"/>
+              <p:cNvSpPr/>
+              <p:nvPr/>
+            </p:nvSpPr>
+            <p:spPr>
+              <a:xfrm>
+                <a:off x="990600" y="1066800"/>
+                <a:ext cx="3200400" cy="1295400"/>
+              </a:xfrm>
+              <a:prstGeom prst="rect">
+                <a:avLst/>
+              </a:prstGeom>
+            </p:spPr>
+            <p:style>
+              <a:lnRef idx="2">
+                <a:schemeClr val="dk1"/>
+              </a:lnRef>
+              <a:fillRef idx="1">
+                <a:schemeClr val="lt1"/>
+              </a:fillRef>
+              <a:effectRef idx="0">
+                <a:schemeClr val="dk1"/>
+              </a:effectRef>
+              <a:fontRef idx="minor">
+                <a:schemeClr val="dk1"/>
+              </a:fontRef>
+            </p:style>
+            <p:txBody>
+              <a:bodyPr rtlCol="0" anchor="ctr"/>
+              <a:lstStyle/>
+              <a:p>
+                <a:pPr algn="ctr"/>
+                <a:r>
+                  <a:rPr lang="en-US" sz="1400" dirty="0" smtClean="0"/>
+                  <a:t>Experiment Protocol</a:t>
+                </a:r>
+              </a:p>
+              <a:p>
+                <a:pPr algn="ctr"/>
+                <a:r>
+                  <a:rPr lang="en-US" sz="1400" dirty="0" err="1" smtClean="0">
+                    <a:latin typeface="Courier New" panose="02070309020205020404" pitchFamily="49" charset="0"/>
+                    <a:cs typeface="Courier New" panose="02070309020205020404" pitchFamily="49" charset="0"/>
+                  </a:rPr>
+                  <a:t>ep_ExperimentDesign</a:t>
+                </a:r>
+                <a:endParaRPr lang="en-CA" sz="1400" dirty="0">
+                  <a:latin typeface="Courier New" panose="02070309020205020404" pitchFamily="49" charset="0"/>
+                  <a:cs typeface="Courier New" panose="02070309020205020404" pitchFamily="49" charset="0"/>
+                </a:endParaRPr>
+              </a:p>
+            </p:txBody>
+          </p:sp>
+          <p:sp>
+            <p:nvSpPr>
+              <p:cNvPr id="55" name="Rectangle 54"/>
+              <p:cNvSpPr/>
+              <p:nvPr/>
+            </p:nvSpPr>
+            <p:spPr>
+              <a:xfrm>
+                <a:off x="1143000" y="1219200"/>
+                <a:ext cx="3200400" cy="1295400"/>
+              </a:xfrm>
+              <a:prstGeom prst="rect">
+                <a:avLst/>
+              </a:prstGeom>
+            </p:spPr>
+            <p:style>
+              <a:lnRef idx="2">
+                <a:schemeClr val="dk1"/>
+              </a:lnRef>
+              <a:fillRef idx="1">
+                <a:schemeClr val="lt1"/>
+              </a:fillRef>
+              <a:effectRef idx="0">
+                <a:schemeClr val="dk1"/>
+              </a:effectRef>
+              <a:fontRef idx="minor">
+                <a:schemeClr val="dk1"/>
+              </a:fontRef>
+            </p:style>
+            <p:txBody>
+              <a:bodyPr rtlCol="0" anchor="ctr"/>
+              <a:lstStyle/>
+              <a:p>
+                <a:pPr algn="ctr"/>
+                <a:r>
+                  <a:rPr lang="en-US" sz="1400" dirty="0" smtClean="0"/>
+                  <a:t>Experiment Protocol</a:t>
+                </a:r>
+              </a:p>
+              <a:p>
+                <a:pPr algn="ctr"/>
+                <a:r>
+                  <a:rPr lang="en-US" sz="1400" dirty="0" err="1" smtClean="0">
+                    <a:latin typeface="Courier New" panose="02070309020205020404" pitchFamily="49" charset="0"/>
+                    <a:cs typeface="Courier New" panose="02070309020205020404" pitchFamily="49" charset="0"/>
+                  </a:rPr>
+                  <a:t>ep_ExperimentDesign</a:t>
+                </a:r>
+                <a:endParaRPr lang="en-CA" sz="1400" dirty="0">
+                  <a:latin typeface="Courier New" panose="02070309020205020404" pitchFamily="49" charset="0"/>
+                  <a:cs typeface="Courier New" panose="02070309020205020404" pitchFamily="49" charset="0"/>
+                </a:endParaRPr>
+              </a:p>
+            </p:txBody>
+          </p:sp>
+          <p:sp>
+            <p:nvSpPr>
+              <p:cNvPr id="56" name="Rectangle 55"/>
+              <p:cNvSpPr/>
+              <p:nvPr/>
+            </p:nvSpPr>
+            <p:spPr>
+              <a:xfrm>
+                <a:off x="1295400" y="1371600"/>
+                <a:ext cx="3200400" cy="1295400"/>
+              </a:xfrm>
+              <a:prstGeom prst="rect">
+                <a:avLst/>
+              </a:prstGeom>
+            </p:spPr>
+            <p:style>
+              <a:lnRef idx="2">
+                <a:schemeClr val="dk1"/>
+              </a:lnRef>
+              <a:fillRef idx="1">
+                <a:schemeClr val="lt1"/>
+              </a:fillRef>
+              <a:effectRef idx="0">
+                <a:schemeClr val="dk1"/>
+              </a:effectRef>
+              <a:fontRef idx="minor">
+                <a:schemeClr val="dk1"/>
+              </a:fontRef>
+            </p:style>
+            <p:txBody>
+              <a:bodyPr rtlCol="0" anchor="ctr"/>
+              <a:lstStyle/>
+              <a:p>
+                <a:pPr algn="ctr"/>
+                <a:r>
+                  <a:rPr lang="en-US" sz="1400" dirty="0" smtClean="0"/>
+                  <a:t>Experiment Protocol</a:t>
+                </a:r>
+              </a:p>
+              <a:p>
+                <a:pPr algn="ctr"/>
+                <a:r>
+                  <a:rPr lang="en-US" sz="1400" dirty="0" err="1" smtClean="0">
+                    <a:latin typeface="Courier New" panose="02070309020205020404" pitchFamily="49" charset="0"/>
+                    <a:cs typeface="Courier New" panose="02070309020205020404" pitchFamily="49" charset="0"/>
+                  </a:rPr>
+                  <a:t>ep_ExperimentDesign</a:t>
+                </a:r>
+                <a:endParaRPr lang="en-CA" sz="1400" dirty="0">
+                  <a:latin typeface="Courier New" panose="02070309020205020404" pitchFamily="49" charset="0"/>
+                  <a:cs typeface="Courier New" panose="02070309020205020404" pitchFamily="49" charset="0"/>
+                </a:endParaRPr>
+              </a:p>
+            </p:txBody>
+          </p:sp>
+          <p:sp>
+            <p:nvSpPr>
+              <p:cNvPr id="57" name="Rectangle 56"/>
+              <p:cNvSpPr/>
+              <p:nvPr/>
+            </p:nvSpPr>
+            <p:spPr>
+              <a:xfrm>
+                <a:off x="1447800" y="1524000"/>
+                <a:ext cx="3200400" cy="1295400"/>
+              </a:xfrm>
+              <a:prstGeom prst="rect">
+                <a:avLst/>
+              </a:prstGeom>
+            </p:spPr>
+            <p:style>
+              <a:lnRef idx="2">
+                <a:schemeClr val="dk1"/>
+              </a:lnRef>
+              <a:fillRef idx="1">
+                <a:schemeClr val="lt1"/>
+              </a:fillRef>
+              <a:effectRef idx="0">
+                <a:schemeClr val="dk1"/>
+              </a:effectRef>
+              <a:fontRef idx="minor">
+                <a:schemeClr val="dk1"/>
+              </a:fontRef>
+            </p:style>
+            <p:txBody>
+              <a:bodyPr rtlCol="0" anchor="ctr"/>
+              <a:lstStyle/>
+              <a:p>
+                <a:pPr algn="ctr"/>
+                <a:r>
+                  <a:rPr lang="en-US" sz="1400" dirty="0" smtClean="0"/>
+                  <a:t>Experiment Protocol</a:t>
+                </a:r>
+              </a:p>
+              <a:p>
+                <a:pPr algn="ctr"/>
+                <a:r>
+                  <a:rPr lang="en-US" sz="1400" dirty="0" err="1" smtClean="0">
+                    <a:latin typeface="Courier New" panose="02070309020205020404" pitchFamily="49" charset="0"/>
+                    <a:cs typeface="Courier New" panose="02070309020205020404" pitchFamily="49" charset="0"/>
+                  </a:rPr>
+                  <a:t>ep_ExperimentDesign</a:t>
+                </a:r>
+                <a:endParaRPr lang="en-US" sz="1400" dirty="0" smtClean="0">
+                  <a:latin typeface="Courier New" panose="02070309020205020404" pitchFamily="49" charset="0"/>
+                  <a:cs typeface="Courier New" panose="02070309020205020404" pitchFamily="49" charset="0"/>
+                </a:endParaRPr>
+              </a:p>
+              <a:p>
+                <a:pPr algn="ctr"/>
+                <a:r>
+                  <a:rPr lang="en-US" sz="1400" dirty="0" smtClean="0">
+                    <a:latin typeface="Courier New" panose="02070309020205020404" pitchFamily="49" charset="0"/>
+                    <a:cs typeface="Courier New" panose="02070309020205020404" pitchFamily="49" charset="0"/>
+                  </a:rPr>
+                  <a:t>(*.</a:t>
+                </a:r>
+                <a:r>
+                  <a:rPr lang="en-US" sz="1400" dirty="0" err="1" smtClean="0">
+                    <a:latin typeface="Courier New" panose="02070309020205020404" pitchFamily="49" charset="0"/>
+                    <a:cs typeface="Courier New" panose="02070309020205020404" pitchFamily="49" charset="0"/>
+                  </a:rPr>
+                  <a:t>prot</a:t>
+                </a:r>
+                <a:r>
+                  <a:rPr lang="en-US" sz="1400" dirty="0" smtClean="0">
+                    <a:latin typeface="Courier New" panose="02070309020205020404" pitchFamily="49" charset="0"/>
+                    <a:cs typeface="Courier New" panose="02070309020205020404" pitchFamily="49" charset="0"/>
+                  </a:rPr>
+                  <a:t>)</a:t>
+                </a:r>
+                <a:endParaRPr lang="en-CA" sz="1400" dirty="0">
+                  <a:latin typeface="Courier New" panose="02070309020205020404" pitchFamily="49" charset="0"/>
+                  <a:cs typeface="Courier New" panose="02070309020205020404" pitchFamily="49" charset="0"/>
+                </a:endParaRPr>
+              </a:p>
+            </p:txBody>
+          </p:sp>
+        </p:grpSp>
+        <p:sp>
+          <p:nvSpPr>
+            <p:cNvPr id="59" name="Rectangle 58"/>
+            <p:cNvSpPr/>
+            <p:nvPr/>
+          </p:nvSpPr>
+          <p:spPr>
+            <a:xfrm>
+              <a:off x="2641860" y="4005423"/>
+              <a:ext cx="2530504" cy="1005302"/>
+            </a:xfrm>
+            <a:prstGeom prst="rect">
+              <a:avLst/>
+            </a:prstGeom>
+          </p:spPr>
+          <p:style>
+            <a:lnRef idx="2">
+              <a:schemeClr val="dk1"/>
+            </a:lnRef>
+            <a:fillRef idx="1">
+              <a:schemeClr val="lt1"/>
+            </a:fillRef>
+            <a:effectRef idx="0">
+              <a:schemeClr val="dk1"/>
+            </a:effectRef>
+            <a:fontRef idx="minor">
+              <a:schemeClr val="dk1"/>
+            </a:fontRef>
+          </p:style>
+          <p:txBody>
+            <a:bodyPr rtlCol="0" anchor="ctr"/>
+            <a:lstStyle/>
+            <a:p>
+              <a:pPr algn="ctr"/>
+              <a:r>
+                <a:rPr lang="en-US" sz="1400" dirty="0" smtClean="0"/>
+                <a:t>Psychophysics Experiment Configuration</a:t>
+              </a:r>
+            </a:p>
+            <a:p>
+              <a:pPr algn="ctr"/>
+              <a:r>
+                <a:rPr lang="en-US" sz="1400" dirty="0" err="1" smtClean="0">
+                  <a:latin typeface="Courier New" panose="02070309020205020404" pitchFamily="49" charset="0"/>
+                  <a:cs typeface="Courier New" panose="02070309020205020404" pitchFamily="49" charset="0"/>
+                </a:rPr>
+                <a:t>ep_PsychConfig</a:t>
+              </a:r>
+              <a:endParaRPr lang="en-US" sz="1400" dirty="0" smtClean="0">
+                <a:latin typeface="Courier New" panose="02070309020205020404" pitchFamily="49" charset="0"/>
+                <a:cs typeface="Courier New" panose="02070309020205020404" pitchFamily="49" charset="0"/>
+              </a:endParaRPr>
+            </a:p>
+            <a:p>
+              <a:pPr algn="ctr"/>
+              <a:r>
+                <a:rPr lang="en-US" sz="1400" dirty="0" smtClean="0">
+                  <a:latin typeface="Courier New" panose="02070309020205020404" pitchFamily="49" charset="0"/>
+                  <a:cs typeface="Courier New" panose="02070309020205020404" pitchFamily="49" charset="0"/>
+                </a:rPr>
+                <a:t>(*.</a:t>
+              </a:r>
+              <a:r>
+                <a:rPr lang="en-US" sz="1400" dirty="0" err="1" smtClean="0">
+                  <a:latin typeface="Courier New" panose="02070309020205020404" pitchFamily="49" charset="0"/>
+                  <a:cs typeface="Courier New" panose="02070309020205020404" pitchFamily="49" charset="0"/>
+                </a:rPr>
+                <a:t>config</a:t>
+              </a:r>
+              <a:r>
+                <a:rPr lang="en-US" sz="1400" dirty="0" smtClean="0">
+                  <a:latin typeface="Courier New" panose="02070309020205020404" pitchFamily="49" charset="0"/>
+                  <a:cs typeface="Courier New" panose="02070309020205020404" pitchFamily="49" charset="0"/>
+                </a:rPr>
+                <a:t>)</a:t>
+              </a:r>
+              <a:endParaRPr lang="en-CA" sz="1400" dirty="0">
+                <a:latin typeface="Courier New" panose="02070309020205020404" pitchFamily="49" charset="0"/>
+                <a:cs typeface="Courier New" panose="02070309020205020404" pitchFamily="49" charset="0"/>
+              </a:endParaRPr>
+            </a:p>
+          </p:txBody>
+        </p:sp>
+        <p:sp>
+          <p:nvSpPr>
+            <p:cNvPr id="60" name="Rectangle 59"/>
+            <p:cNvSpPr/>
+            <p:nvPr/>
+          </p:nvSpPr>
+          <p:spPr>
+            <a:xfrm>
+              <a:off x="2651096" y="5640260"/>
+              <a:ext cx="2530504" cy="1005302"/>
+            </a:xfrm>
+            <a:prstGeom prst="rect">
+              <a:avLst/>
+            </a:prstGeom>
+          </p:spPr>
+          <p:style>
+            <a:lnRef idx="2">
+              <a:schemeClr val="dk1"/>
+            </a:lnRef>
+            <a:fillRef idx="1">
+              <a:schemeClr val="lt1"/>
+            </a:fillRef>
+            <a:effectRef idx="0">
+              <a:schemeClr val="dk1"/>
+            </a:effectRef>
+            <a:fontRef idx="minor">
+              <a:schemeClr val="dk1"/>
+            </a:fontRef>
+          </p:style>
+          <p:txBody>
+            <a:bodyPr rtlCol="0" anchor="ctr"/>
+            <a:lstStyle/>
+            <a:p>
+              <a:pPr algn="ctr"/>
+              <a:r>
+                <a:rPr lang="en-US" sz="1400" dirty="0" smtClean="0"/>
+                <a:t>Run-Time</a:t>
+              </a:r>
+            </a:p>
+            <a:p>
+              <a:pPr algn="ctr"/>
+              <a:r>
+                <a:rPr lang="en-US" sz="1400" dirty="0" err="1" smtClean="0">
+                  <a:latin typeface="Courier New" panose="02070309020205020404" pitchFamily="49" charset="0"/>
+                  <a:cs typeface="Courier New" panose="02070309020205020404" pitchFamily="49" charset="0"/>
+                </a:rPr>
+                <a:t>ep_RunExpt</a:t>
+              </a:r>
+              <a:endParaRPr lang="en-US" sz="1400" dirty="0" smtClean="0">
+                <a:latin typeface="Courier New" panose="02070309020205020404" pitchFamily="49" charset="0"/>
+                <a:cs typeface="Courier New" panose="02070309020205020404" pitchFamily="49" charset="0"/>
+              </a:endParaRPr>
+            </a:p>
+          </p:txBody>
+        </p:sp>
+        <p:sp>
+          <p:nvSpPr>
+            <p:cNvPr id="50" name="Down Arrow 49"/>
+            <p:cNvSpPr/>
+            <p:nvPr/>
+          </p:nvSpPr>
+          <p:spPr>
+            <a:xfrm>
+              <a:off x="3742654" y="5105400"/>
+              <a:ext cx="328916" cy="457200"/>
+            </a:xfrm>
+            <a:prstGeom prst="downArrow">
+              <a:avLst/>
+            </a:prstGeom>
+            <a:ln w="12700"/>
+          </p:spPr>
+          <p:style>
+            <a:lnRef idx="1">
+              <a:schemeClr val="accent5"/>
+            </a:lnRef>
+            <a:fillRef idx="2">
+              <a:schemeClr val="accent5"/>
+            </a:fillRef>
+            <a:effectRef idx="1">
+              <a:schemeClr val="accent5"/>
+            </a:effectRef>
+            <a:fontRef idx="minor">
+              <a:schemeClr val="dk1"/>
+            </a:fontRef>
+          </p:style>
+          <p:txBody>
+            <a:bodyPr rtlCol="0" anchor="ctr"/>
+            <a:lstStyle/>
+            <a:p>
+              <a:pPr algn="ctr"/>
+              <a:endParaRPr lang="en-CA"/>
+            </a:p>
+          </p:txBody>
+        </p:sp>
+        <p:sp>
+          <p:nvSpPr>
+            <p:cNvPr id="25" name="TextBox 24"/>
+            <p:cNvSpPr txBox="1"/>
+            <p:nvPr/>
+          </p:nvSpPr>
+          <p:spPr>
+            <a:xfrm>
+              <a:off x="5181600" y="5562600"/>
+              <a:ext cx="3962400" cy="523220"/>
+            </a:xfrm>
+            <a:prstGeom prst="rect">
+              <a:avLst/>
+            </a:prstGeom>
+            <a:noFill/>
+          </p:spPr>
+          <p:txBody>
+            <a:bodyPr wrap="square" rIns="0" rtlCol="0">
+              <a:spAutoFit/>
+            </a:bodyPr>
+            <a:lstStyle/>
+            <a:p>
+              <a:pPr marL="122238" indent="-122238">
+                <a:buFont typeface="Arial" panose="020B0604020202020204" pitchFamily="34" charset="0"/>
+                <a:buChar char="•"/>
+              </a:pPr>
+              <a:r>
+                <a:rPr lang="en-US" sz="1400" dirty="0" smtClean="0"/>
+                <a:t>Runs Behavioral experiment </a:t>
+              </a:r>
+              <a:r>
+                <a:rPr lang="en-US" sz="1400" dirty="0" smtClean="0"/>
+                <a:t>with or without TDT </a:t>
+              </a:r>
+              <a:r>
+                <a:rPr lang="en-US" sz="1400" dirty="0" err="1" smtClean="0"/>
+                <a:t>OpenEx</a:t>
+              </a:r>
+              <a:r>
+                <a:rPr lang="en-US" sz="1400" dirty="0" smtClean="0"/>
+                <a:t> software for electrophysiology</a:t>
+              </a:r>
+              <a:endParaRPr lang="en-CA" sz="1400" dirty="0"/>
+            </a:p>
+          </p:txBody>
+        </p:sp>
+        <p:sp>
+          <p:nvSpPr>
+            <p:cNvPr id="26" name="Rectangle 25"/>
+            <p:cNvSpPr/>
+            <p:nvPr/>
+          </p:nvSpPr>
+          <p:spPr>
+            <a:xfrm>
+              <a:off x="106670" y="2590800"/>
+              <a:ext cx="2007104" cy="1276926"/>
+            </a:xfrm>
+            <a:prstGeom prst="rect">
+              <a:avLst/>
+            </a:prstGeom>
+          </p:spPr>
+          <p:style>
+            <a:lnRef idx="2">
+              <a:schemeClr val="dk1"/>
+            </a:lnRef>
+            <a:fillRef idx="1">
+              <a:schemeClr val="lt1"/>
+            </a:fillRef>
+            <a:effectRef idx="0">
+              <a:schemeClr val="dk1"/>
+            </a:effectRef>
+            <a:fontRef idx="minor">
+              <a:schemeClr val="dk1"/>
+            </a:fontRef>
+          </p:style>
+          <p:txBody>
+            <a:bodyPr rtlCol="0" anchor="ctr"/>
+            <a:lstStyle/>
+            <a:p>
+              <a:pPr algn="ctr"/>
+              <a:r>
+                <a:rPr lang="en-US" sz="1400" dirty="0" smtClean="0"/>
+                <a:t>Paradigm Contingencies &amp; Display</a:t>
+              </a:r>
+            </a:p>
+            <a:p>
+              <a:pPr algn="ctr"/>
+              <a:r>
+                <a:rPr lang="en-US" sz="1400" dirty="0" err="1" smtClean="0">
+                  <a:latin typeface="Courier New" panose="02070309020205020404" pitchFamily="49" charset="0"/>
+                  <a:cs typeface="Courier New" panose="02070309020205020404" pitchFamily="49" charset="0"/>
+                </a:rPr>
+                <a:t>ep_BitMasker</a:t>
+              </a:r>
+              <a:endParaRPr lang="en-US" sz="1400" dirty="0" smtClean="0">
+                <a:latin typeface="Courier New" panose="02070309020205020404" pitchFamily="49" charset="0"/>
+                <a:cs typeface="Courier New" panose="02070309020205020404" pitchFamily="49" charset="0"/>
+              </a:endParaRPr>
+            </a:p>
+            <a:p>
+              <a:pPr algn="ctr"/>
+              <a:r>
+                <a:rPr lang="en-US" sz="1400" dirty="0" smtClean="0">
+                  <a:latin typeface="Courier New" panose="02070309020205020404" pitchFamily="49" charset="0"/>
+                  <a:cs typeface="Courier New" panose="02070309020205020404" pitchFamily="49" charset="0"/>
+                </a:rPr>
+                <a:t>(*.bitmask)</a:t>
+              </a:r>
+              <a:endParaRPr lang="en-US" sz="1400" dirty="0" smtClean="0">
+                <a:latin typeface="Courier New" panose="02070309020205020404" pitchFamily="49" charset="0"/>
+                <a:cs typeface="Courier New" panose="02070309020205020404" pitchFamily="49" charset="0"/>
+              </a:endParaRPr>
+            </a:p>
+          </p:txBody>
+        </p:sp>
+        <p:sp>
+          <p:nvSpPr>
+            <p:cNvPr id="2" name="Bent Arrow 1"/>
+            <p:cNvSpPr/>
+            <p:nvPr/>
+          </p:nvSpPr>
+          <p:spPr>
+            <a:xfrm rot="10800000" flipH="1">
+              <a:off x="1051660" y="3962400"/>
+              <a:ext cx="1462940" cy="807283"/>
+            </a:xfrm>
+            <a:prstGeom prst="bentArrow">
+              <a:avLst>
+                <a:gd name="adj1" fmla="val 15791"/>
+                <a:gd name="adj2" fmla="val 25000"/>
+                <a:gd name="adj3" fmla="val 25000"/>
+                <a:gd name="adj4" fmla="val 43750"/>
+              </a:avLst>
+            </a:prstGeom>
+          </p:spPr>
+          <p:style>
+            <a:lnRef idx="1">
+              <a:schemeClr val="accent5"/>
+            </a:lnRef>
+            <a:fillRef idx="2">
+              <a:schemeClr val="accent5"/>
+            </a:fillRef>
+            <a:effectRef idx="1">
+              <a:schemeClr val="accent5"/>
+            </a:effectRef>
+            <a:fontRef idx="minor">
+              <a:schemeClr val="dk1"/>
+            </a:fontRef>
+          </p:style>
+          <p:txBody>
+            <a:bodyPr rtlCol="0" anchor="ctr"/>
+            <a:lstStyle/>
+            <a:p>
+              <a:pPr algn="ctr"/>
+              <a:endParaRPr lang="en-CA">
+                <a:solidFill>
+                  <a:schemeClr val="tx1"/>
+                </a:solidFill>
+              </a:endParaRPr>
+            </a:p>
+          </p:txBody>
+        </p:sp>
+        <p:sp>
+          <p:nvSpPr>
+            <p:cNvPr id="27" name="Down Arrow 26"/>
+            <p:cNvSpPr/>
+            <p:nvPr/>
+          </p:nvSpPr>
+          <p:spPr>
+            <a:xfrm>
+              <a:off x="3739935" y="3416972"/>
+              <a:ext cx="328916" cy="457200"/>
+            </a:xfrm>
+            <a:prstGeom prst="downArrow">
+              <a:avLst/>
+            </a:prstGeom>
+            <a:ln w="12700"/>
+          </p:spPr>
+          <p:style>
+            <a:lnRef idx="1">
+              <a:schemeClr val="accent5"/>
+            </a:lnRef>
+            <a:fillRef idx="2">
+              <a:schemeClr val="accent5"/>
+            </a:fillRef>
+            <a:effectRef idx="1">
+              <a:schemeClr val="accent5"/>
+            </a:effectRef>
+            <a:fontRef idx="minor">
+              <a:schemeClr val="dk1"/>
+            </a:fontRef>
+          </p:style>
+          <p:txBody>
+            <a:bodyPr rtlCol="0" anchor="ctr"/>
+            <a:lstStyle/>
+            <a:p>
+              <a:pPr algn="ctr"/>
+              <a:endParaRPr lang="en-CA"/>
+            </a:p>
+          </p:txBody>
+        </p:sp>
+        <p:sp>
+          <p:nvSpPr>
+            <p:cNvPr id="28" name="Down Arrow 27"/>
+            <p:cNvSpPr/>
+            <p:nvPr/>
+          </p:nvSpPr>
+          <p:spPr>
+            <a:xfrm>
+              <a:off x="3748426" y="1524000"/>
+              <a:ext cx="328916" cy="457200"/>
+            </a:xfrm>
+            <a:prstGeom prst="downArrow">
+              <a:avLst/>
+            </a:prstGeom>
+            <a:ln w="12700"/>
+          </p:spPr>
+          <p:style>
+            <a:lnRef idx="1">
+              <a:schemeClr val="accent5"/>
+            </a:lnRef>
+            <a:fillRef idx="2">
+              <a:schemeClr val="accent5"/>
+            </a:fillRef>
+            <a:effectRef idx="1">
+              <a:schemeClr val="accent5"/>
+            </a:effectRef>
+            <a:fontRef idx="minor">
+              <a:schemeClr val="dk1"/>
+            </a:fontRef>
+          </p:style>
+          <p:txBody>
+            <a:bodyPr rtlCol="0" anchor="ctr"/>
+            <a:lstStyle/>
+            <a:p>
+              <a:pPr algn="ctr"/>
+              <a:endParaRPr lang="en-CA"/>
+            </a:p>
+          </p:txBody>
+        </p:sp>
+      </p:grpSp>
     </p:spTree>
     <p:extLst>
       <p:ext uri="{BB962C8B-B14F-4D97-AF65-F5344CB8AC3E}">
@@ -4672,39 +5651,39 @@
         <a:sysClr val="window" lastClr="FFFFFF"/>
       </a:lt1>
       <a:dk2>
-        <a:srgbClr val="1F497D"/>
+        <a:srgbClr val="44546A"/>
       </a:dk2>
       <a:lt2>
-        <a:srgbClr val="EEECE1"/>
+        <a:srgbClr val="E7E6E6"/>
       </a:lt2>
       <a:accent1>
-        <a:srgbClr val="4F81BD"/>
+        <a:srgbClr val="5B9BD5"/>
       </a:accent1>
       <a:accent2>
-        <a:srgbClr val="C0504D"/>
+        <a:srgbClr val="ED7D31"/>
       </a:accent2>
       <a:accent3>
-        <a:srgbClr val="9BBB59"/>
+        <a:srgbClr val="A5A5A5"/>
       </a:accent3>
       <a:accent4>
-        <a:srgbClr val="8064A2"/>
+        <a:srgbClr val="FFC000"/>
       </a:accent4>
       <a:accent5>
-        <a:srgbClr val="4BACC6"/>
+        <a:srgbClr val="4472C4"/>
       </a:accent5>
       <a:accent6>
-        <a:srgbClr val="F79646"/>
+        <a:srgbClr val="70AD47"/>
       </a:accent6>
       <a:hlink>
-        <a:srgbClr val="0000FF"/>
+        <a:srgbClr val="0563C1"/>
       </a:hlink>
       <a:folHlink>
-        <a:srgbClr val="800080"/>
+        <a:srgbClr val="954F72"/>
       </a:folHlink>
     </a:clrScheme>
     <a:fontScheme name="Office">
       <a:majorFont>
-        <a:latin typeface="Calibri"/>
+        <a:latin typeface="Calibri Light" panose="020F0302020204030204"/>
         <a:ea typeface=""/>
         <a:cs typeface=""/>
         <a:font script="Jpan" typeface="ＭＳ Ｐゴシック"/>
@@ -4739,7 +5718,7 @@
         <a:font script="Geor" typeface="Sylfaen"/>
       </a:majorFont>
       <a:minorFont>
-        <a:latin typeface="Calibri"/>
+        <a:latin typeface="Calibri" panose="020F0502020204030204"/>
         <a:ea typeface=""/>
         <a:cs typeface=""/>
         <a:font script="Jpan" typeface="ＭＳ Ｐゴシック"/>
@@ -4783,166 +5762,142 @@
           <a:gsLst>
             <a:gs pos="0">
               <a:schemeClr val="phClr">
-                <a:tint val="50000"/>
-                <a:satMod val="300000"/>
+                <a:lumMod val="110000"/>
+                <a:satMod val="105000"/>
+                <a:tint val="67000"/>
               </a:schemeClr>
             </a:gs>
-            <a:gs pos="35000">
+            <a:gs pos="50000">
               <a:schemeClr val="phClr">
-                <a:tint val="37000"/>
-                <a:satMod val="300000"/>
+                <a:lumMod val="105000"/>
+                <a:satMod val="103000"/>
+                <a:tint val="73000"/>
               </a:schemeClr>
             </a:gs>
             <a:gs pos="100000">
               <a:schemeClr val="phClr">
-                <a:tint val="15000"/>
-                <a:satMod val="350000"/>
+                <a:lumMod val="105000"/>
+                <a:satMod val="109000"/>
+                <a:tint val="81000"/>
               </a:schemeClr>
             </a:gs>
           </a:gsLst>
-          <a:lin ang="16200000" scaled="1"/>
+          <a:lin ang="5400000" scaled="0"/>
         </a:gradFill>
         <a:gradFill rotWithShape="1">
           <a:gsLst>
             <a:gs pos="0">
               <a:schemeClr val="phClr">
-                <a:shade val="51000"/>
-                <a:satMod val="130000"/>
+                <a:satMod val="103000"/>
+                <a:lumMod val="102000"/>
+                <a:tint val="94000"/>
               </a:schemeClr>
             </a:gs>
-            <a:gs pos="80000">
+            <a:gs pos="50000">
               <a:schemeClr val="phClr">
-                <a:shade val="93000"/>
-                <a:satMod val="130000"/>
+                <a:satMod val="110000"/>
+                <a:lumMod val="100000"/>
+                <a:shade val="100000"/>
               </a:schemeClr>
             </a:gs>
             <a:gs pos="100000">
               <a:schemeClr val="phClr">
-                <a:shade val="94000"/>
-                <a:satMod val="135000"/>
+                <a:lumMod val="99000"/>
+                <a:satMod val="120000"/>
+                <a:shade val="78000"/>
               </a:schemeClr>
             </a:gs>
           </a:gsLst>
-          <a:lin ang="16200000" scaled="0"/>
+          <a:lin ang="5400000" scaled="0"/>
         </a:gradFill>
       </a:fillStyleLst>
       <a:lnStyleLst>
-        <a:ln w="9525" cap="flat" cmpd="sng" algn="ctr">
-          <a:solidFill>
-            <a:schemeClr val="phClr">
-              <a:shade val="95000"/>
-              <a:satMod val="105000"/>
-            </a:schemeClr>
-          </a:solidFill>
-          <a:prstDash val="solid"/>
-        </a:ln>
-        <a:ln w="25400" cap="flat" cmpd="sng" algn="ctr">
+        <a:ln w="6350" cap="flat" cmpd="sng" algn="ctr">
           <a:solidFill>
             <a:schemeClr val="phClr"/>
           </a:solidFill>
           <a:prstDash val="solid"/>
+          <a:miter lim="800000"/>
         </a:ln>
-        <a:ln w="38100" cap="flat" cmpd="sng" algn="ctr">
+        <a:ln w="12700" cap="flat" cmpd="sng" algn="ctr">
           <a:solidFill>
             <a:schemeClr val="phClr"/>
           </a:solidFill>
           <a:prstDash val="solid"/>
+          <a:miter lim="800000"/>
+        </a:ln>
+        <a:ln w="19050" cap="flat" cmpd="sng" algn="ctr">
+          <a:solidFill>
+            <a:schemeClr val="phClr"/>
+          </a:solidFill>
+          <a:prstDash val="solid"/>
+          <a:miter lim="800000"/>
         </a:ln>
       </a:lnStyleLst>
       <a:effectStyleLst>
         <a:effectStyle>
+          <a:effectLst/>
+        </a:effectStyle>
+        <a:effectStyle>
+          <a:effectLst/>
+        </a:effectStyle>
+        <a:effectStyle>
           <a:effectLst>
-            <a:outerShdw blurRad="40000" dist="20000" dir="5400000" rotWithShape="0">
+            <a:outerShdw blurRad="57150" dist="19050" dir="5400000" algn="ctr" rotWithShape="0">
               <a:srgbClr val="000000">
-                <a:alpha val="38000"/>
+                <a:alpha val="63000"/>
               </a:srgbClr>
             </a:outerShdw>
           </a:effectLst>
-        </a:effectStyle>
-        <a:effectStyle>
-          <a:effectLst>
-            <a:outerShdw blurRad="40000" dist="23000" dir="5400000" rotWithShape="0">
-              <a:srgbClr val="000000">
-                <a:alpha val="35000"/>
-              </a:srgbClr>
-            </a:outerShdw>
-          </a:effectLst>
-        </a:effectStyle>
-        <a:effectStyle>
-          <a:effectLst>
-            <a:outerShdw blurRad="40000" dist="23000" dir="5400000" rotWithShape="0">
-              <a:srgbClr val="000000">
-                <a:alpha val="35000"/>
-              </a:srgbClr>
-            </a:outerShdw>
-          </a:effectLst>
-          <a:scene3d>
-            <a:camera prst="orthographicFront">
-              <a:rot lat="0" lon="0" rev="0"/>
-            </a:camera>
-            <a:lightRig rig="threePt" dir="t">
-              <a:rot lat="0" lon="0" rev="1200000"/>
-            </a:lightRig>
-          </a:scene3d>
-          <a:sp3d>
-            <a:bevelT w="63500" h="25400"/>
-          </a:sp3d>
         </a:effectStyle>
       </a:effectStyleLst>
       <a:bgFillStyleLst>
         <a:solidFill>
           <a:schemeClr val="phClr"/>
         </a:solidFill>
+        <a:solidFill>
+          <a:schemeClr val="phClr">
+            <a:tint val="95000"/>
+            <a:satMod val="170000"/>
+          </a:schemeClr>
+        </a:solidFill>
         <a:gradFill rotWithShape="1">
           <a:gsLst>
             <a:gs pos="0">
               <a:schemeClr val="phClr">
-                <a:tint val="40000"/>
-                <a:satMod val="350000"/>
+                <a:tint val="93000"/>
+                <a:satMod val="150000"/>
+                <a:shade val="98000"/>
+                <a:lumMod val="102000"/>
               </a:schemeClr>
             </a:gs>
-            <a:gs pos="40000">
+            <a:gs pos="50000">
               <a:schemeClr val="phClr">
-                <a:tint val="45000"/>
-                <a:shade val="99000"/>
-                <a:satMod val="350000"/>
+                <a:tint val="98000"/>
+                <a:satMod val="130000"/>
+                <a:shade val="90000"/>
+                <a:lumMod val="103000"/>
               </a:schemeClr>
             </a:gs>
             <a:gs pos="100000">
               <a:schemeClr val="phClr">
-                <a:shade val="20000"/>
-                <a:satMod val="255000"/>
+                <a:shade val="63000"/>
+                <a:satMod val="120000"/>
               </a:schemeClr>
             </a:gs>
           </a:gsLst>
-          <a:path path="circle">
-            <a:fillToRect l="50000" t="-80000" r="50000" b="180000"/>
-          </a:path>
-        </a:gradFill>
-        <a:gradFill rotWithShape="1">
-          <a:gsLst>
-            <a:gs pos="0">
-              <a:schemeClr val="phClr">
-                <a:tint val="80000"/>
-                <a:satMod val="300000"/>
-              </a:schemeClr>
-            </a:gs>
-            <a:gs pos="100000">
-              <a:schemeClr val="phClr">
-                <a:shade val="30000"/>
-                <a:satMod val="200000"/>
-              </a:schemeClr>
-            </a:gs>
-          </a:gsLst>
-          <a:path path="circle">
-            <a:fillToRect l="50000" t="50000" r="50000" b="50000"/>
-          </a:path>
+          <a:lin ang="5400000" scaled="0"/>
         </a:gradFill>
       </a:bgFillStyleLst>
     </a:fmtScheme>
   </a:themeElements>
   <a:objectDefaults/>
   <a:extraClrSchemeLst/>
+  <a:extLst>
+    <a:ext uri="{05A4C25C-085E-4340-85A3-A5531E510DB2}">
+      <thm15:themeFamily xmlns:thm15="http://schemas.microsoft.com/office/thememl/2012/main" name="Office Theme" id="{62F939B6-93AF-4DB8-9C6B-D6C7DFDC589F}" vid="{4A3C46E8-61CC-4603-A589-7422A47A8E4A}"/>
+    </a:ext>
+  </a:extLst>
 </a:theme>
 </file>
 

--- a/trunk/ProgramDesign.pptx
+++ b/trunk/ProgramDesign.pptx
@@ -112,7 +112,7 @@
   </p:defaultTextStyle>
   <p:extLst>
     <p:ext uri="{EFAFB233-063F-42B5-8137-9DF3F51BA10A}">
-      <p15:sldGuideLst xmlns:p15="http://schemas.microsoft.com/office/powerpoint/2012/main">
+      <p15:sldGuideLst xmlns:p15="http://schemas.microsoft.com/office/powerpoint/2012/main" xmlns="">
         <p15:guide id="1" orient="horz" pos="2160">
           <p15:clr>
             <a:srgbClr val="A4A3A4"/>
@@ -211,7 +211,7 @@
           <a:p>
             <a:fld id="{5B1F1AE8-169A-448B-8F06-14A9CDED5B93}" type="datetimeFigureOut">
               <a:rPr lang="en-CA" smtClean="0"/>
-              <a:t>2014-08-24</a:t>
+              <a:t>2014-08-26</a:t>
             </a:fld>
             <a:endParaRPr lang="en-CA"/>
           </a:p>
@@ -778,7 +778,7 @@
           <a:p>
             <a:fld id="{BD11ADD5-E14D-449A-83D5-794C8D646EDC}" type="datetimeFigureOut">
               <a:rPr lang="en-CA" smtClean="0"/>
-              <a:t>2014-08-24</a:t>
+              <a:t>2014-08-26</a:t>
             </a:fld>
             <a:endParaRPr lang="en-CA"/>
           </a:p>
@@ -948,7 +948,7 @@
           <a:p>
             <a:fld id="{BD11ADD5-E14D-449A-83D5-794C8D646EDC}" type="datetimeFigureOut">
               <a:rPr lang="en-CA" smtClean="0"/>
-              <a:t>2014-08-24</a:t>
+              <a:t>2014-08-26</a:t>
             </a:fld>
             <a:endParaRPr lang="en-CA"/>
           </a:p>
@@ -1128,7 +1128,7 @@
           <a:p>
             <a:fld id="{BD11ADD5-E14D-449A-83D5-794C8D646EDC}" type="datetimeFigureOut">
               <a:rPr lang="en-CA" smtClean="0"/>
-              <a:t>2014-08-24</a:t>
+              <a:t>2014-08-26</a:t>
             </a:fld>
             <a:endParaRPr lang="en-CA"/>
           </a:p>
@@ -1298,7 +1298,7 @@
           <a:p>
             <a:fld id="{BD11ADD5-E14D-449A-83D5-794C8D646EDC}" type="datetimeFigureOut">
               <a:rPr lang="en-CA" smtClean="0"/>
-              <a:t>2014-08-24</a:t>
+              <a:t>2014-08-26</a:t>
             </a:fld>
             <a:endParaRPr lang="en-CA"/>
           </a:p>
@@ -1544,7 +1544,7 @@
           <a:p>
             <a:fld id="{BD11ADD5-E14D-449A-83D5-794C8D646EDC}" type="datetimeFigureOut">
               <a:rPr lang="en-CA" smtClean="0"/>
-              <a:t>2014-08-24</a:t>
+              <a:t>2014-08-26</a:t>
             </a:fld>
             <a:endParaRPr lang="en-CA"/>
           </a:p>
@@ -1776,7 +1776,7 @@
           <a:p>
             <a:fld id="{BD11ADD5-E14D-449A-83D5-794C8D646EDC}" type="datetimeFigureOut">
               <a:rPr lang="en-CA" smtClean="0"/>
-              <a:t>2014-08-24</a:t>
+              <a:t>2014-08-26</a:t>
             </a:fld>
             <a:endParaRPr lang="en-CA"/>
           </a:p>
@@ -2143,7 +2143,7 @@
           <a:p>
             <a:fld id="{BD11ADD5-E14D-449A-83D5-794C8D646EDC}" type="datetimeFigureOut">
               <a:rPr lang="en-CA" smtClean="0"/>
-              <a:t>2014-08-24</a:t>
+              <a:t>2014-08-26</a:t>
             </a:fld>
             <a:endParaRPr lang="en-CA"/>
           </a:p>
@@ -2261,7 +2261,7 @@
           <a:p>
             <a:fld id="{BD11ADD5-E14D-449A-83D5-794C8D646EDC}" type="datetimeFigureOut">
               <a:rPr lang="en-CA" smtClean="0"/>
-              <a:t>2014-08-24</a:t>
+              <a:t>2014-08-26</a:t>
             </a:fld>
             <a:endParaRPr lang="en-CA"/>
           </a:p>
@@ -2356,7 +2356,7 @@
           <a:p>
             <a:fld id="{BD11ADD5-E14D-449A-83D5-794C8D646EDC}" type="datetimeFigureOut">
               <a:rPr lang="en-CA" smtClean="0"/>
-              <a:t>2014-08-24</a:t>
+              <a:t>2014-08-26</a:t>
             </a:fld>
             <a:endParaRPr lang="en-CA"/>
           </a:p>
@@ -2633,7 +2633,7 @@
           <a:p>
             <a:fld id="{BD11ADD5-E14D-449A-83D5-794C8D646EDC}" type="datetimeFigureOut">
               <a:rPr lang="en-CA" smtClean="0"/>
-              <a:t>2014-08-24</a:t>
+              <a:t>2014-08-26</a:t>
             </a:fld>
             <a:endParaRPr lang="en-CA"/>
           </a:p>
@@ -2886,7 +2886,7 @@
           <a:p>
             <a:fld id="{BD11ADD5-E14D-449A-83D5-794C8D646EDC}" type="datetimeFigureOut">
               <a:rPr lang="en-CA" smtClean="0"/>
-              <a:t>2014-08-24</a:t>
+              <a:t>2014-08-26</a:t>
             </a:fld>
             <a:endParaRPr lang="en-CA"/>
           </a:p>
@@ -3099,7 +3099,7 @@
           <a:p>
             <a:fld id="{BD11ADD5-E14D-449A-83D5-794C8D646EDC}" type="datetimeFigureOut">
               <a:rPr lang="en-CA" smtClean="0"/>
-              <a:t>2014-08-24</a:t>
+              <a:t>2014-08-26</a:t>
             </a:fld>
             <a:endParaRPr lang="en-CA"/>
           </a:p>
@@ -3544,7 +3544,19 @@
           <a:p>
             <a:r>
               <a:rPr lang="en-CA" dirty="0" smtClean="0"/>
-              <a:t>Simple Implementation of Simple or Dynamic Experiments</a:t>
+              <a:t>Implementation </a:t>
+            </a:r>
+            <a:r>
+              <a:rPr lang="en-CA" dirty="0" smtClean="0"/>
+              <a:t>of </a:t>
+            </a:r>
+            <a:r>
+              <a:rPr lang="en-CA" dirty="0" smtClean="0"/>
+              <a:t>Simple or Dynamic </a:t>
+            </a:r>
+            <a:r>
+              <a:rPr lang="en-CA" dirty="0" smtClean="0"/>
+              <a:t>Experiments</a:t>
             </a:r>
             <a:endParaRPr lang="en-CA" dirty="0"/>
           </a:p>
@@ -3626,11 +3638,7 @@
             </a:pPr>
             <a:r>
               <a:rPr lang="en-US" sz="1400" dirty="0" smtClean="0"/>
-              <a:t>One or multiple experiment protocol files can be made for each behavioral </a:t>
-            </a:r>
-            <a:r>
-              <a:rPr lang="en-US" sz="1400" dirty="0" smtClean="0"/>
-              <a:t>box</a:t>
+              <a:t>One or multiple experiment protocol files can be made for each behavioral box</a:t>
             </a:r>
           </a:p>
           <a:p>
@@ -3908,7 +3916,6 @@
                 <a:rPr lang="en-US" sz="1400" dirty="0" smtClean="0"/>
                 <a:t> Software</a:t>
               </a:r>
-              <a:endParaRPr lang="en-US" sz="1400" dirty="0" smtClean="0"/>
             </a:p>
             <a:p>
               <a:pPr algn="ctr"/>
@@ -4553,11 +4560,7 @@
               </a:pPr>
               <a:r>
                 <a:rPr lang="en-US" sz="1400" dirty="0" smtClean="0"/>
-                <a:t>One or multiple experiment protocol files can be made for each behavioral </a:t>
-              </a:r>
-              <a:r>
-                <a:rPr lang="en-US" sz="1400" dirty="0" smtClean="0"/>
-                <a:t>box</a:t>
+                <a:t>One or multiple experiment protocol files can be made for each behavioral box</a:t>
               </a:r>
             </a:p>
             <a:p>
@@ -4601,15 +4604,7 @@
               </a:pPr>
               <a:r>
                 <a:rPr lang="en-US" sz="1400" dirty="0" smtClean="0"/>
-                <a:t>Defines which </a:t>
-              </a:r>
-              <a:r>
-                <a:rPr lang="en-US" sz="1400" dirty="0" smtClean="0"/>
-                <a:t>subject is assigned </a:t>
-              </a:r>
-              <a:r>
-                <a:rPr lang="en-US" sz="1400" dirty="0" smtClean="0"/>
-                <a:t>to which behavioral box</a:t>
+                <a:t>Defines which subject is assigned to which behavioral box</a:t>
               </a:r>
             </a:p>
             <a:p>
@@ -4619,15 +4614,7 @@
               </a:pPr>
               <a:r>
                 <a:rPr lang="en-US" sz="1400" dirty="0" smtClean="0"/>
-                <a:t>User-defined configuration for how to display and graph subject performance </a:t>
-              </a:r>
-              <a:r>
-                <a:rPr lang="en-US" sz="1400" dirty="0" smtClean="0"/>
-                <a:t>during the </a:t>
-              </a:r>
-              <a:r>
-                <a:rPr lang="en-US" sz="1400" dirty="0" smtClean="0"/>
-                <a:t>experiment</a:t>
+                <a:t>User-defined configuration for how to display and graph subject performance during the experiment</a:t>
               </a:r>
             </a:p>
             <a:p>
@@ -4637,11 +4624,7 @@
               </a:pPr>
               <a:r>
                 <a:rPr lang="en-US" sz="1400" dirty="0" smtClean="0"/>
-                <a:t>Customizable functions for </a:t>
-              </a:r>
-              <a:r>
-                <a:rPr lang="en-US" sz="1400" dirty="0" smtClean="0"/>
-                <a:t>full control over experiment during runtime (optional)</a:t>
+                <a:t>Customizable functions for full control over experiment during runtime (optional)</a:t>
               </a:r>
               <a:endParaRPr lang="en-CA" sz="1400" dirty="0"/>
             </a:p>
@@ -4867,7 +4850,6 @@
                   <a:rPr lang="en-US" sz="1400" dirty="0" smtClean="0"/>
                   <a:t> Software</a:t>
                 </a:r>
-                <a:endParaRPr lang="en-US" sz="1400" dirty="0" smtClean="0"/>
               </a:p>
               <a:p>
                 <a:pPr algn="ctr"/>
@@ -5414,11 +5396,7 @@
               </a:pPr>
               <a:r>
                 <a:rPr lang="en-US" sz="1400" dirty="0" smtClean="0"/>
-                <a:t>Runs Behavioral experiment </a:t>
-              </a:r>
-              <a:r>
-                <a:rPr lang="en-US" sz="1400" dirty="0" smtClean="0"/>
-                <a:t>with or without TDT </a:t>
+                <a:t>Runs Behavioral experiment with or without TDT </a:t>
               </a:r>
               <a:r>
                 <a:rPr lang="en-US" sz="1400" dirty="0" err="1" smtClean="0"/>
@@ -5494,10 +5472,6 @@
                 </a:rPr>
                 <a:t>(*.bitmask)</a:t>
               </a:r>
-              <a:endParaRPr lang="en-US" sz="1400" dirty="0" smtClean="0">
-                <a:latin typeface="Courier New" panose="02070309020205020404" pitchFamily="49" charset="0"/>
-                <a:cs typeface="Courier New" panose="02070309020205020404" pitchFamily="49" charset="0"/>
-              </a:endParaRPr>
             </a:p>
           </p:txBody>
         </p:sp>
@@ -5895,7 +5869,7 @@
   <a:extraClrSchemeLst/>
   <a:extLst>
     <a:ext uri="{05A4C25C-085E-4340-85A3-A5531E510DB2}">
-      <thm15:themeFamily xmlns:thm15="http://schemas.microsoft.com/office/thememl/2012/main" name="Office Theme" id="{62F939B6-93AF-4DB8-9C6B-D6C7DFDC589F}" vid="{4A3C46E8-61CC-4603-A589-7422A47A8E4A}"/>
+      <thm15:themeFamily xmlns:thm15="http://schemas.microsoft.com/office/thememl/2012/main" xmlns="" name="Office Theme" id="{62F939B6-93AF-4DB8-9C6B-D6C7DFDC589F}" vid="{4A3C46E8-61CC-4603-A589-7422A47A8E4A}"/>
     </a:ext>
   </a:extLst>
 </a:theme>
@@ -6156,7 +6130,7 @@
   <a:extraClrSchemeLst/>
   <a:extLst>
     <a:ext uri="{05A4C25C-085E-4340-85A3-A5531E510DB2}">
-      <thm15:themeFamily xmlns:thm15="http://schemas.microsoft.com/office/thememl/2012/main" name="Office Theme" id="{62F939B6-93AF-4DB8-9C6B-D6C7DFDC589F}" vid="{4A3C46E8-61CC-4603-A589-7422A47A8E4A}"/>
+      <thm15:themeFamily xmlns:thm15="http://schemas.microsoft.com/office/thememl/2012/main" xmlns="" name="Office Theme" id="{62F939B6-93AF-4DB8-9C6B-D6C7DFDC589F}" vid="{4A3C46E8-61CC-4603-A589-7422A47A8E4A}"/>
     </a:ext>
   </a:extLst>
 </a:theme>

--- a/trunk/ProgramDesign.pptx
+++ b/trunk/ProgramDesign.pptx
@@ -5,13 +5,14 @@
     <p:sldMasterId id="2147483678" r:id="rId1"/>
   </p:sldMasterIdLst>
   <p:notesMasterIdLst>
-    <p:notesMasterId r:id="rId6"/>
+    <p:notesMasterId r:id="rId7"/>
   </p:notesMasterIdLst>
   <p:sldIdLst>
     <p:sldId id="259" r:id="rId2"/>
     <p:sldId id="260" r:id="rId3"/>
-    <p:sldId id="258" r:id="rId4"/>
-    <p:sldId id="256" r:id="rId5"/>
+    <p:sldId id="261" r:id="rId4"/>
+    <p:sldId id="258" r:id="rId5"/>
+    <p:sldId id="256" r:id="rId6"/>
   </p:sldIdLst>
   <p:sldSz cx="9144000" cy="6858000" type="screen4x3"/>
   <p:notesSz cx="6858000" cy="9144000"/>
@@ -112,7 +113,7 @@
   </p:defaultTextStyle>
   <p:extLst>
     <p:ext uri="{EFAFB233-063F-42B5-8137-9DF3F51BA10A}">
-      <p15:sldGuideLst xmlns:p15="http://schemas.microsoft.com/office/powerpoint/2012/main" xmlns="">
+      <p15:sldGuideLst xmlns:p15="http://schemas.microsoft.com/office/powerpoint/2012/main">
         <p15:guide id="1" orient="horz" pos="2160">
           <p15:clr>
             <a:srgbClr val="A4A3A4"/>
@@ -211,7 +212,7 @@
           <a:p>
             <a:fld id="{5B1F1AE8-169A-448B-8F06-14A9CDED5B93}" type="datetimeFigureOut">
               <a:rPr lang="en-CA" smtClean="0"/>
-              <a:t>2014-08-26</a:t>
+              <a:t>2014-08-24</a:t>
             </a:fld>
             <a:endParaRPr lang="en-CA"/>
           </a:p>
@@ -628,7 +629,7 @@
           <a:p>
             <a:fld id="{F1AB34FE-F7D5-4B7A-8A17-7F2D2F8BD1A3}" type="slidenum">
               <a:rPr lang="en-CA" smtClean="0"/>
-              <a:t>4</a:t>
+              <a:t>5</a:t>
             </a:fld>
             <a:endParaRPr lang="en-CA"/>
           </a:p>
@@ -778,7 +779,7 @@
           <a:p>
             <a:fld id="{BD11ADD5-E14D-449A-83D5-794C8D646EDC}" type="datetimeFigureOut">
               <a:rPr lang="en-CA" smtClean="0"/>
-              <a:t>2014-08-26</a:t>
+              <a:t>2014-08-24</a:t>
             </a:fld>
             <a:endParaRPr lang="en-CA"/>
           </a:p>
@@ -948,7 +949,7 @@
           <a:p>
             <a:fld id="{BD11ADD5-E14D-449A-83D5-794C8D646EDC}" type="datetimeFigureOut">
               <a:rPr lang="en-CA" smtClean="0"/>
-              <a:t>2014-08-26</a:t>
+              <a:t>2014-08-24</a:t>
             </a:fld>
             <a:endParaRPr lang="en-CA"/>
           </a:p>
@@ -1128,7 +1129,7 @@
           <a:p>
             <a:fld id="{BD11ADD5-E14D-449A-83D5-794C8D646EDC}" type="datetimeFigureOut">
               <a:rPr lang="en-CA" smtClean="0"/>
-              <a:t>2014-08-26</a:t>
+              <a:t>2014-08-24</a:t>
             </a:fld>
             <a:endParaRPr lang="en-CA"/>
           </a:p>
@@ -1298,7 +1299,7 @@
           <a:p>
             <a:fld id="{BD11ADD5-E14D-449A-83D5-794C8D646EDC}" type="datetimeFigureOut">
               <a:rPr lang="en-CA" smtClean="0"/>
-              <a:t>2014-08-26</a:t>
+              <a:t>2014-08-24</a:t>
             </a:fld>
             <a:endParaRPr lang="en-CA"/>
           </a:p>
@@ -1544,7 +1545,7 @@
           <a:p>
             <a:fld id="{BD11ADD5-E14D-449A-83D5-794C8D646EDC}" type="datetimeFigureOut">
               <a:rPr lang="en-CA" smtClean="0"/>
-              <a:t>2014-08-26</a:t>
+              <a:t>2014-08-24</a:t>
             </a:fld>
             <a:endParaRPr lang="en-CA"/>
           </a:p>
@@ -1776,7 +1777,7 @@
           <a:p>
             <a:fld id="{BD11ADD5-E14D-449A-83D5-794C8D646EDC}" type="datetimeFigureOut">
               <a:rPr lang="en-CA" smtClean="0"/>
-              <a:t>2014-08-26</a:t>
+              <a:t>2014-08-24</a:t>
             </a:fld>
             <a:endParaRPr lang="en-CA"/>
           </a:p>
@@ -2143,7 +2144,7 @@
           <a:p>
             <a:fld id="{BD11ADD5-E14D-449A-83D5-794C8D646EDC}" type="datetimeFigureOut">
               <a:rPr lang="en-CA" smtClean="0"/>
-              <a:t>2014-08-26</a:t>
+              <a:t>2014-08-24</a:t>
             </a:fld>
             <a:endParaRPr lang="en-CA"/>
           </a:p>
@@ -2261,7 +2262,7 @@
           <a:p>
             <a:fld id="{BD11ADD5-E14D-449A-83D5-794C8D646EDC}" type="datetimeFigureOut">
               <a:rPr lang="en-CA" smtClean="0"/>
-              <a:t>2014-08-26</a:t>
+              <a:t>2014-08-24</a:t>
             </a:fld>
             <a:endParaRPr lang="en-CA"/>
           </a:p>
@@ -2356,7 +2357,7 @@
           <a:p>
             <a:fld id="{BD11ADD5-E14D-449A-83D5-794C8D646EDC}" type="datetimeFigureOut">
               <a:rPr lang="en-CA" smtClean="0"/>
-              <a:t>2014-08-26</a:t>
+              <a:t>2014-08-24</a:t>
             </a:fld>
             <a:endParaRPr lang="en-CA"/>
           </a:p>
@@ -2633,7 +2634,7 @@
           <a:p>
             <a:fld id="{BD11ADD5-E14D-449A-83D5-794C8D646EDC}" type="datetimeFigureOut">
               <a:rPr lang="en-CA" smtClean="0"/>
-              <a:t>2014-08-26</a:t>
+              <a:t>2014-08-24</a:t>
             </a:fld>
             <a:endParaRPr lang="en-CA"/>
           </a:p>
@@ -2886,7 +2887,7 @@
           <a:p>
             <a:fld id="{BD11ADD5-E14D-449A-83D5-794C8D646EDC}" type="datetimeFigureOut">
               <a:rPr lang="en-CA" smtClean="0"/>
-              <a:t>2014-08-26</a:t>
+              <a:t>2014-08-24</a:t>
             </a:fld>
             <a:endParaRPr lang="en-CA"/>
           </a:p>
@@ -3099,7 +3100,7 @@
           <a:p>
             <a:fld id="{BD11ADD5-E14D-449A-83D5-794C8D646EDC}" type="datetimeFigureOut">
               <a:rPr lang="en-CA" smtClean="0"/>
-              <a:t>2014-08-26</a:t>
+              <a:t>2014-08-24</a:t>
             </a:fld>
             <a:endParaRPr lang="en-CA"/>
           </a:p>
@@ -3544,19 +3545,7 @@
           <a:p>
             <a:r>
               <a:rPr lang="en-CA" dirty="0" smtClean="0"/>
-              <a:t>Implementation </a:t>
-            </a:r>
-            <a:r>
-              <a:rPr lang="en-CA" dirty="0" smtClean="0"/>
-              <a:t>of </a:t>
-            </a:r>
-            <a:r>
-              <a:rPr lang="en-CA" dirty="0" smtClean="0"/>
-              <a:t>Simple or Dynamic </a:t>
-            </a:r>
-            <a:r>
-              <a:rPr lang="en-CA" dirty="0" smtClean="0"/>
-              <a:t>Experiments</a:t>
+              <a:t>Simple Implementation of Simple or Dynamic Experiments</a:t>
             </a:r>
             <a:endParaRPr lang="en-CA" dirty="0"/>
           </a:p>
@@ -3572,6 +3561,13 @@
   <p:clrMapOvr>
     <a:masterClrMapping/>
   </p:clrMapOvr>
+  <p:timing>
+    <p:tnLst>
+      <p:par>
+        <p:cTn id="1" dur="indefinite" restart="never" nodeType="tmRoot"/>
+      </p:par>
+    </p:tnLst>
+  </p:timing>
 </p:sld>
 </file>
 
@@ -3600,8 +3596,8 @@
         </p:nvSpPr>
         <p:spPr>
           <a:xfrm>
-            <a:off x="5172364" y="2880898"/>
-            <a:ext cx="3913580" cy="1169551"/>
+            <a:off x="4191000" y="2880898"/>
+            <a:ext cx="3913580" cy="954107"/>
           </a:xfrm>
           <a:prstGeom prst="rect">
             <a:avLst/>
@@ -3620,7 +3616,11 @@
             </a:pPr>
             <a:r>
               <a:rPr lang="en-US" sz="1400" dirty="0" smtClean="0"/>
-              <a:t>Defines hardware and </a:t>
+              <a:t>Define </a:t>
+            </a:r>
+            <a:r>
+              <a:rPr lang="en-US" sz="1400" dirty="0" smtClean="0"/>
+              <a:t>hardware and </a:t>
             </a:r>
             <a:r>
               <a:rPr lang="en-US" sz="1400" dirty="0" err="1" smtClean="0"/>
@@ -3636,10 +3636,7 @@
               <a:buFont typeface="Arial" panose="020B0604020202020204" pitchFamily="34" charset="0"/>
               <a:buChar char="•"/>
             </a:pPr>
-            <a:r>
-              <a:rPr lang="en-US" sz="1400" dirty="0" smtClean="0"/>
-              <a:t>One or multiple experiment protocol files can be made for each behavioral box</a:t>
-            </a:r>
+            <a:endParaRPr lang="en-US" sz="1400" dirty="0" smtClean="0"/>
           </a:p>
           <a:p>
             <a:pPr marL="122238" indent="-122238">
@@ -3662,7 +3659,7 @@
         </p:nvSpPr>
         <p:spPr>
           <a:xfrm>
-            <a:off x="5172365" y="4596767"/>
+            <a:off x="4191001" y="4596767"/>
             <a:ext cx="3971636" cy="523220"/>
           </a:xfrm>
           <a:prstGeom prst="rect">
@@ -3706,7 +3703,7 @@
         </p:nvGrpSpPr>
         <p:grpSpPr>
           <a:xfrm>
-            <a:off x="2293554" y="753667"/>
+            <a:off x="838200" y="753667"/>
             <a:ext cx="2878810" cy="1379430"/>
             <a:chOff x="1159790" y="29705"/>
             <a:chExt cx="3657600" cy="1752600"/>
@@ -3916,6 +3913,7 @@
                 <a:rPr lang="en-US" sz="1400" dirty="0" smtClean="0"/>
                 <a:t> Software</a:t>
               </a:r>
+              <a:endParaRPr lang="en-US" sz="1400" dirty="0" smtClean="0"/>
             </a:p>
             <a:p>
               <a:pPr algn="ctr"/>
@@ -3956,8 +3954,8 @@
         </p:nvSpPr>
         <p:spPr>
           <a:xfrm>
-            <a:off x="5172364" y="1052098"/>
-            <a:ext cx="3895436" cy="738664"/>
+            <a:off x="4191000" y="1052098"/>
+            <a:ext cx="3895436" cy="954107"/>
           </a:xfrm>
           <a:prstGeom prst="rect">
             <a:avLst/>
@@ -3976,8 +3974,19 @@
             </a:pPr>
             <a:r>
               <a:rPr lang="en-US" sz="1400" dirty="0" smtClean="0"/>
-              <a:t>Create real-time components for signal generation and data acquisition</a:t>
-            </a:r>
+              <a:t>Create real-time components for signal generation and data </a:t>
+            </a:r>
+            <a:r>
+              <a:rPr lang="en-US" sz="1400" dirty="0" smtClean="0"/>
+              <a:t>acquisition</a:t>
+            </a:r>
+          </a:p>
+          <a:p>
+            <a:pPr marL="122238" indent="-122238">
+              <a:buFont typeface="Arial" panose="020B0604020202020204" pitchFamily="34" charset="0"/>
+              <a:buChar char="•"/>
+            </a:pPr>
+            <a:endParaRPr lang="en-US" sz="1400" dirty="0" smtClean="0"/>
           </a:p>
           <a:p>
             <a:pPr marL="122238" indent="-122238">
@@ -4002,7 +4011,7 @@
         </p:nvGrpSpPr>
         <p:grpSpPr>
           <a:xfrm>
-            <a:off x="2293554" y="2648100"/>
+            <a:off x="838200" y="2648100"/>
             <a:ext cx="2878810" cy="1379430"/>
             <a:chOff x="990600" y="1066800"/>
             <a:chExt cx="3657600" cy="1752600"/>
@@ -4265,7 +4274,7 @@
         </p:nvSpPr>
         <p:spPr>
           <a:xfrm>
-            <a:off x="2641860" y="4709698"/>
+            <a:off x="1186506" y="4709698"/>
             <a:ext cx="2530504" cy="1005302"/>
           </a:xfrm>
           <a:prstGeom prst="rect">
@@ -4320,7 +4329,7 @@
         </p:nvSpPr>
         <p:spPr>
           <a:xfrm>
-            <a:off x="3739935" y="4140934"/>
+            <a:off x="2284581" y="4140934"/>
             <a:ext cx="328916" cy="457200"/>
           </a:xfrm>
           <a:prstGeom prst="downArrow">
@@ -4359,7 +4368,7 @@
         </p:nvSpPr>
         <p:spPr>
           <a:xfrm>
-            <a:off x="3748426" y="2247962"/>
+            <a:off x="2293072" y="2247962"/>
             <a:ext cx="328916" cy="457200"/>
           </a:xfrm>
           <a:prstGeom prst="downArrow">
@@ -4400,6 +4409,13 @@
   <p:clrMapOvr>
     <a:masterClrMapping/>
   </p:clrMapOvr>
+  <p:timing>
+    <p:tnLst>
+      <p:par>
+        <p:cTn id="1" dur="indefinite" restart="never" nodeType="tmRoot"/>
+      </p:par>
+    </p:tnLst>
+  </p:timing>
 </p:sld>
 </file>
 
@@ -4435,6 +4451,86 @@
           <a:bodyPr/>
           <a:lstStyle/>
           <a:p>
+            <a:endParaRPr lang="en-CA"/>
+          </a:p>
+        </p:txBody>
+      </p:sp>
+      <p:sp>
+        <p:nvSpPr>
+          <p:cNvPr id="3" name="Picture Placeholder 2"/>
+          <p:cNvSpPr>
+            <a:spLocks noGrp="1"/>
+          </p:cNvSpPr>
+          <p:nvPr>
+            <p:ph type="pic" idx="1"/>
+          </p:nvPr>
+        </p:nvSpPr>
+        <p:spPr/>
+      </p:sp>
+      <p:sp>
+        <p:nvSpPr>
+          <p:cNvPr id="4" name="Text Placeholder 3"/>
+          <p:cNvSpPr>
+            <a:spLocks noGrp="1"/>
+          </p:cNvSpPr>
+          <p:nvPr>
+            <p:ph type="body" sz="half" idx="2"/>
+          </p:nvPr>
+        </p:nvSpPr>
+        <p:spPr/>
+        <p:txBody>
+          <a:bodyPr/>
+          <a:lstStyle/>
+          <a:p>
+            <a:endParaRPr lang="en-CA"/>
+          </a:p>
+        </p:txBody>
+      </p:sp>
+    </p:spTree>
+    <p:extLst>
+      <p:ext uri="{BB962C8B-B14F-4D97-AF65-F5344CB8AC3E}">
+        <p14:creationId xmlns:p14="http://schemas.microsoft.com/office/powerpoint/2010/main" val="3000850459"/>
+      </p:ext>
+    </p:extLst>
+  </p:cSld>
+  <p:clrMapOvr>
+    <a:masterClrMapping/>
+  </p:clrMapOvr>
+</p:sld>
+</file>
+
+<file path=ppt/slides/slide4.xml><?xml version="1.0" encoding="utf-8"?>
+<p:sld xmlns:a="http://schemas.openxmlformats.org/drawingml/2006/main" xmlns:r="http://schemas.openxmlformats.org/officeDocument/2006/relationships" xmlns:p="http://schemas.openxmlformats.org/presentationml/2006/main">
+  <p:cSld>
+    <p:spTree>
+      <p:nvGrpSpPr>
+        <p:cNvPr id="1" name=""/>
+        <p:cNvGrpSpPr/>
+        <p:nvPr/>
+      </p:nvGrpSpPr>
+      <p:grpSpPr>
+        <a:xfrm>
+          <a:off x="0" y="0"/>
+          <a:ext cx="0" cy="0"/>
+          <a:chOff x="0" y="0"/>
+          <a:chExt cx="0" cy="0"/>
+        </a:xfrm>
+      </p:grpSpPr>
+      <p:sp>
+        <p:nvSpPr>
+          <p:cNvPr id="2" name="Title 1"/>
+          <p:cNvSpPr>
+            <a:spLocks noGrp="1"/>
+          </p:cNvSpPr>
+          <p:nvPr>
+            <p:ph type="title"/>
+          </p:nvPr>
+        </p:nvSpPr>
+        <p:spPr/>
+        <p:txBody>
+          <a:bodyPr/>
+          <a:lstStyle/>
+          <a:p>
             <a:r>
               <a:rPr lang="en-CA" dirty="0" err="1" smtClean="0"/>
               <a:t>Epsych</a:t>
@@ -4480,10 +4576,17 @@
   <p:clrMapOvr>
     <a:masterClrMapping/>
   </p:clrMapOvr>
+  <p:timing>
+    <p:tnLst>
+      <p:par>
+        <p:cTn id="1" dur="indefinite" restart="never" nodeType="tmRoot"/>
+      </p:par>
+    </p:tnLst>
+  </p:timing>
 </p:sld>
 </file>
 
-<file path=ppt/slides/slide4.xml><?xml version="1.0" encoding="utf-8"?>
+<file path=ppt/slides/slide5.xml><?xml version="1.0" encoding="utf-8"?>
 <p:sld xmlns:a="http://schemas.openxmlformats.org/drawingml/2006/main" xmlns:r="http://schemas.openxmlformats.org/officeDocument/2006/relationships" xmlns:p="http://schemas.openxmlformats.org/presentationml/2006/main">
   <p:cSld>
     <p:spTree>
@@ -4560,7 +4663,11 @@
               </a:pPr>
               <a:r>
                 <a:rPr lang="en-US" sz="1400" dirty="0" smtClean="0"/>
-                <a:t>One or multiple experiment protocol files can be made for each behavioral box</a:t>
+                <a:t>One or multiple experiment protocol files can be made for each behavioral </a:t>
+              </a:r>
+              <a:r>
+                <a:rPr lang="en-US" sz="1400" dirty="0" smtClean="0"/>
+                <a:t>box</a:t>
               </a:r>
             </a:p>
             <a:p>
@@ -4604,7 +4711,15 @@
               </a:pPr>
               <a:r>
                 <a:rPr lang="en-US" sz="1400" dirty="0" smtClean="0"/>
-                <a:t>Defines which subject is assigned to which behavioral box</a:t>
+                <a:t>Defines which </a:t>
+              </a:r>
+              <a:r>
+                <a:rPr lang="en-US" sz="1400" dirty="0" smtClean="0"/>
+                <a:t>subject is assigned </a:t>
+              </a:r>
+              <a:r>
+                <a:rPr lang="en-US" sz="1400" dirty="0" smtClean="0"/>
+                <a:t>to which behavioral box</a:t>
               </a:r>
             </a:p>
             <a:p>
@@ -4614,7 +4729,15 @@
               </a:pPr>
               <a:r>
                 <a:rPr lang="en-US" sz="1400" dirty="0" smtClean="0"/>
-                <a:t>User-defined configuration for how to display and graph subject performance during the experiment</a:t>
+                <a:t>User-defined configuration for how to display and graph subject performance </a:t>
+              </a:r>
+              <a:r>
+                <a:rPr lang="en-US" sz="1400" dirty="0" smtClean="0"/>
+                <a:t>during the </a:t>
+              </a:r>
+              <a:r>
+                <a:rPr lang="en-US" sz="1400" dirty="0" smtClean="0"/>
+                <a:t>experiment</a:t>
               </a:r>
             </a:p>
             <a:p>
@@ -4624,7 +4747,11 @@
               </a:pPr>
               <a:r>
                 <a:rPr lang="en-US" sz="1400" dirty="0" smtClean="0"/>
-                <a:t>Customizable functions for full control over experiment during runtime (optional)</a:t>
+                <a:t>Customizable functions for </a:t>
+              </a:r>
+              <a:r>
+                <a:rPr lang="en-US" sz="1400" dirty="0" smtClean="0"/>
+                <a:t>full control over experiment during runtime (optional)</a:t>
               </a:r>
               <a:endParaRPr lang="en-CA" sz="1400" dirty="0"/>
             </a:p>
@@ -4850,6 +4977,7 @@
                   <a:rPr lang="en-US" sz="1400" dirty="0" smtClean="0"/>
                   <a:t> Software</a:t>
                 </a:r>
+                <a:endParaRPr lang="en-US" sz="1400" dirty="0" smtClean="0"/>
               </a:p>
               <a:p>
                 <a:pPr algn="ctr"/>
@@ -5396,7 +5524,11 @@
               </a:pPr>
               <a:r>
                 <a:rPr lang="en-US" sz="1400" dirty="0" smtClean="0"/>
-                <a:t>Runs Behavioral experiment with or without TDT </a:t>
+                <a:t>Runs Behavioral experiment </a:t>
+              </a:r>
+              <a:r>
+                <a:rPr lang="en-US" sz="1400" dirty="0" smtClean="0"/>
+                <a:t>with or without TDT </a:t>
               </a:r>
               <a:r>
                 <a:rPr lang="en-US" sz="1400" dirty="0" err="1" smtClean="0"/>
@@ -5472,6 +5604,10 @@
                 </a:rPr>
                 <a:t>(*.bitmask)</a:t>
               </a:r>
+              <a:endParaRPr lang="en-US" sz="1400" dirty="0" smtClean="0">
+                <a:latin typeface="Courier New" panose="02070309020205020404" pitchFamily="49" charset="0"/>
+                <a:cs typeface="Courier New" panose="02070309020205020404" pitchFamily="49" charset="0"/>
+              </a:endParaRPr>
             </a:p>
           </p:txBody>
         </p:sp>
@@ -5611,6 +5747,13 @@
   <p:clrMapOvr>
     <a:masterClrMapping/>
   </p:clrMapOvr>
+  <p:timing>
+    <p:tnLst>
+      <p:par>
+        <p:cTn id="1" dur="indefinite" restart="never" nodeType="tmRoot"/>
+      </p:par>
+    </p:tnLst>
+  </p:timing>
 </p:sld>
 </file>
 
@@ -5869,7 +6012,7 @@
   <a:extraClrSchemeLst/>
   <a:extLst>
     <a:ext uri="{05A4C25C-085E-4340-85A3-A5531E510DB2}">
-      <thm15:themeFamily xmlns:thm15="http://schemas.microsoft.com/office/thememl/2012/main" xmlns="" name="Office Theme" id="{62F939B6-93AF-4DB8-9C6B-D6C7DFDC589F}" vid="{4A3C46E8-61CC-4603-A589-7422A47A8E4A}"/>
+      <thm15:themeFamily xmlns:thm15="http://schemas.microsoft.com/office/thememl/2012/main" name="Office Theme" id="{62F939B6-93AF-4DB8-9C6B-D6C7DFDC589F}" vid="{4A3C46E8-61CC-4603-A589-7422A47A8E4A}"/>
     </a:ext>
   </a:extLst>
 </a:theme>
@@ -6130,7 +6273,7 @@
   <a:extraClrSchemeLst/>
   <a:extLst>
     <a:ext uri="{05A4C25C-085E-4340-85A3-A5531E510DB2}">
-      <thm15:themeFamily xmlns:thm15="http://schemas.microsoft.com/office/thememl/2012/main" xmlns="" name="Office Theme" id="{62F939B6-93AF-4DB8-9C6B-D6C7DFDC589F}" vid="{4A3C46E8-61CC-4603-A589-7422A47A8E4A}"/>
+      <thm15:themeFamily xmlns:thm15="http://schemas.microsoft.com/office/thememl/2012/main" name="Office Theme" id="{62F939B6-93AF-4DB8-9C6B-D6C7DFDC589F}" vid="{4A3C46E8-61CC-4603-A589-7422A47A8E4A}"/>
     </a:ext>
   </a:extLst>
 </a:theme>

--- a/trunk/ProgramDesign.pptx
+++ b/trunk/ProgramDesign.pptx
@@ -113,7 +113,7 @@
   </p:defaultTextStyle>
   <p:extLst>
     <p:ext uri="{EFAFB233-063F-42B5-8137-9DF3F51BA10A}">
-      <p15:sldGuideLst xmlns:p15="http://schemas.microsoft.com/office/powerpoint/2012/main">
+      <p15:sldGuideLst xmlns:p15="http://schemas.microsoft.com/office/powerpoint/2012/main" xmlns="">
         <p15:guide id="1" orient="horz" pos="2160">
           <p15:clr>
             <a:srgbClr val="A4A3A4"/>
@@ -212,7 +212,7 @@
           <a:p>
             <a:fld id="{5B1F1AE8-169A-448B-8F06-14A9CDED5B93}" type="datetimeFigureOut">
               <a:rPr lang="en-CA" smtClean="0"/>
-              <a:t>2014-08-24</a:t>
+              <a:t>2014-10-06</a:t>
             </a:fld>
             <a:endParaRPr lang="en-CA"/>
           </a:p>
@@ -779,7 +779,7 @@
           <a:p>
             <a:fld id="{BD11ADD5-E14D-449A-83D5-794C8D646EDC}" type="datetimeFigureOut">
               <a:rPr lang="en-CA" smtClean="0"/>
-              <a:t>2014-08-24</a:t>
+              <a:t>2014-10-06</a:t>
             </a:fld>
             <a:endParaRPr lang="en-CA"/>
           </a:p>
@@ -949,7 +949,7 @@
           <a:p>
             <a:fld id="{BD11ADD5-E14D-449A-83D5-794C8D646EDC}" type="datetimeFigureOut">
               <a:rPr lang="en-CA" smtClean="0"/>
-              <a:t>2014-08-24</a:t>
+              <a:t>2014-10-06</a:t>
             </a:fld>
             <a:endParaRPr lang="en-CA"/>
           </a:p>
@@ -1129,7 +1129,7 @@
           <a:p>
             <a:fld id="{BD11ADD5-E14D-449A-83D5-794C8D646EDC}" type="datetimeFigureOut">
               <a:rPr lang="en-CA" smtClean="0"/>
-              <a:t>2014-08-24</a:t>
+              <a:t>2014-10-06</a:t>
             </a:fld>
             <a:endParaRPr lang="en-CA"/>
           </a:p>
@@ -1299,7 +1299,7 @@
           <a:p>
             <a:fld id="{BD11ADD5-E14D-449A-83D5-794C8D646EDC}" type="datetimeFigureOut">
               <a:rPr lang="en-CA" smtClean="0"/>
-              <a:t>2014-08-24</a:t>
+              <a:t>2014-10-06</a:t>
             </a:fld>
             <a:endParaRPr lang="en-CA"/>
           </a:p>
@@ -1545,7 +1545,7 @@
           <a:p>
             <a:fld id="{BD11ADD5-E14D-449A-83D5-794C8D646EDC}" type="datetimeFigureOut">
               <a:rPr lang="en-CA" smtClean="0"/>
-              <a:t>2014-08-24</a:t>
+              <a:t>2014-10-06</a:t>
             </a:fld>
             <a:endParaRPr lang="en-CA"/>
           </a:p>
@@ -1777,7 +1777,7 @@
           <a:p>
             <a:fld id="{BD11ADD5-E14D-449A-83D5-794C8D646EDC}" type="datetimeFigureOut">
               <a:rPr lang="en-CA" smtClean="0"/>
-              <a:t>2014-08-24</a:t>
+              <a:t>2014-10-06</a:t>
             </a:fld>
             <a:endParaRPr lang="en-CA"/>
           </a:p>
@@ -2144,7 +2144,7 @@
           <a:p>
             <a:fld id="{BD11ADD5-E14D-449A-83D5-794C8D646EDC}" type="datetimeFigureOut">
               <a:rPr lang="en-CA" smtClean="0"/>
-              <a:t>2014-08-24</a:t>
+              <a:t>2014-10-06</a:t>
             </a:fld>
             <a:endParaRPr lang="en-CA"/>
           </a:p>
@@ -2262,7 +2262,7 @@
           <a:p>
             <a:fld id="{BD11ADD5-E14D-449A-83D5-794C8D646EDC}" type="datetimeFigureOut">
               <a:rPr lang="en-CA" smtClean="0"/>
-              <a:t>2014-08-24</a:t>
+              <a:t>2014-10-06</a:t>
             </a:fld>
             <a:endParaRPr lang="en-CA"/>
           </a:p>
@@ -2357,7 +2357,7 @@
           <a:p>
             <a:fld id="{BD11ADD5-E14D-449A-83D5-794C8D646EDC}" type="datetimeFigureOut">
               <a:rPr lang="en-CA" smtClean="0"/>
-              <a:t>2014-08-24</a:t>
+              <a:t>2014-10-06</a:t>
             </a:fld>
             <a:endParaRPr lang="en-CA"/>
           </a:p>
@@ -2634,7 +2634,7 @@
           <a:p>
             <a:fld id="{BD11ADD5-E14D-449A-83D5-794C8D646EDC}" type="datetimeFigureOut">
               <a:rPr lang="en-CA" smtClean="0"/>
-              <a:t>2014-08-24</a:t>
+              <a:t>2014-10-06</a:t>
             </a:fld>
             <a:endParaRPr lang="en-CA"/>
           </a:p>
@@ -2887,7 +2887,7 @@
           <a:p>
             <a:fld id="{BD11ADD5-E14D-449A-83D5-794C8D646EDC}" type="datetimeFigureOut">
               <a:rPr lang="en-CA" smtClean="0"/>
-              <a:t>2014-08-24</a:t>
+              <a:t>2014-10-06</a:t>
             </a:fld>
             <a:endParaRPr lang="en-CA"/>
           </a:p>
@@ -3100,7 +3100,7 @@
           <a:p>
             <a:fld id="{BD11ADD5-E14D-449A-83D5-794C8D646EDC}" type="datetimeFigureOut">
               <a:rPr lang="en-CA" smtClean="0"/>
-              <a:t>2014-08-24</a:t>
+              <a:t>2014-10-06</a:t>
             </a:fld>
             <a:endParaRPr lang="en-CA"/>
           </a:p>
@@ -3616,11 +3616,7 @@
             </a:pPr>
             <a:r>
               <a:rPr lang="en-US" sz="1400" dirty="0" smtClean="0"/>
-              <a:t>Define </a:t>
-            </a:r>
-            <a:r>
-              <a:rPr lang="en-US" sz="1400" dirty="0" smtClean="0"/>
-              <a:t>hardware and </a:t>
+              <a:t>Define hardware and </a:t>
             </a:r>
             <a:r>
               <a:rPr lang="en-US" sz="1400" dirty="0" err="1" smtClean="0"/>
@@ -3913,7 +3909,6 @@
                 <a:rPr lang="en-US" sz="1400" dirty="0" smtClean="0"/>
                 <a:t> Software</a:t>
               </a:r>
-              <a:endParaRPr lang="en-US" sz="1400" dirty="0" smtClean="0"/>
             </a:p>
             <a:p>
               <a:pPr algn="ctr"/>
@@ -3974,11 +3969,7 @@
             </a:pPr>
             <a:r>
               <a:rPr lang="en-US" sz="1400" dirty="0" smtClean="0"/>
-              <a:t>Create real-time components for signal generation and data </a:t>
-            </a:r>
-            <a:r>
-              <a:rPr lang="en-US" sz="1400" dirty="0" smtClean="0"/>
-              <a:t>acquisition</a:t>
+              <a:t>Create real-time components for signal generation and data acquisition</a:t>
             </a:r>
           </a:p>
           <a:p>
@@ -4611,10 +4602,10 @@
         </p:nvGrpSpPr>
         <p:grpSpPr>
           <a:xfrm>
-            <a:off x="106670" y="29705"/>
-            <a:ext cx="9037331" cy="6615857"/>
+            <a:off x="106670" y="526375"/>
+            <a:ext cx="9037331" cy="5722025"/>
             <a:chOff x="106670" y="29705"/>
-            <a:chExt cx="9037331" cy="6615857"/>
+            <a:chExt cx="9037331" cy="5722025"/>
           </a:xfrm>
         </p:grpSpPr>
         <p:sp>
@@ -4663,11 +4654,7 @@
               </a:pPr>
               <a:r>
                 <a:rPr lang="en-US" sz="1400" dirty="0" smtClean="0"/>
-                <a:t>One or multiple experiment protocol files can be made for each behavioral </a:t>
-              </a:r>
-              <a:r>
-                <a:rPr lang="en-US" sz="1400" dirty="0" smtClean="0"/>
-                <a:t>box</a:t>
+                <a:t>One or multiple experiment protocol files can be made for each behavioral box</a:t>
               </a:r>
             </a:p>
             <a:p>
@@ -4691,8 +4678,8 @@
           </p:nvSpPr>
           <p:spPr>
             <a:xfrm>
-              <a:off x="5172365" y="3872805"/>
-              <a:ext cx="3971636" cy="1384995"/>
+              <a:off x="5172365" y="3720405"/>
+              <a:ext cx="3971636" cy="2031325"/>
             </a:xfrm>
             <a:prstGeom prst="rect">
               <a:avLst/>
@@ -4711,15 +4698,7 @@
               </a:pPr>
               <a:r>
                 <a:rPr lang="en-US" sz="1400" dirty="0" smtClean="0"/>
-                <a:t>Defines which </a:t>
-              </a:r>
-              <a:r>
-                <a:rPr lang="en-US" sz="1400" dirty="0" smtClean="0"/>
-                <a:t>subject is assigned </a:t>
-              </a:r>
-              <a:r>
-                <a:rPr lang="en-US" sz="1400" dirty="0" smtClean="0"/>
-                <a:t>to which behavioral box</a:t>
+                <a:t>Defines which subject is assigned to which behavioral box</a:t>
               </a:r>
             </a:p>
             <a:p>
@@ -4729,15 +4708,7 @@
               </a:pPr>
               <a:r>
                 <a:rPr lang="en-US" sz="1400" dirty="0" smtClean="0"/>
-                <a:t>User-defined configuration for how to display and graph subject performance </a:t>
-              </a:r>
-              <a:r>
-                <a:rPr lang="en-US" sz="1400" dirty="0" smtClean="0"/>
-                <a:t>during the </a:t>
-              </a:r>
-              <a:r>
-                <a:rPr lang="en-US" sz="1400" dirty="0" smtClean="0"/>
-                <a:t>experiment</a:t>
+                <a:t>User-defined configuration for how to display and graph subject performance during the experiment</a:t>
               </a:r>
             </a:p>
             <a:p>
@@ -4747,12 +4718,37 @@
               </a:pPr>
               <a:r>
                 <a:rPr lang="en-US" sz="1400" dirty="0" smtClean="0"/>
-                <a:t>Customizable functions for </a:t>
+                <a:t>Customizable functions for full control over experiment during runtime (optional</a:t>
               </a:r>
               <a:r>
                 <a:rPr lang="en-US" sz="1400" dirty="0" smtClean="0"/>
-                <a:t>full control over experiment during runtime (optional)</a:t>
+                <a:t>)</a:t>
               </a:r>
+            </a:p>
+            <a:p>
+              <a:pPr marL="122238" indent="-122238">
+                <a:buFont typeface="Arial" panose="020B0604020202020204" pitchFamily="34" charset="0"/>
+                <a:buChar char="•"/>
+              </a:pPr>
+              <a:r>
+                <a:rPr lang="en-US" sz="1400" dirty="0"/>
+                <a:t>Runs Behavioral experiment with or without TDT </a:t>
+              </a:r>
+              <a:r>
+                <a:rPr lang="en-US" sz="1400" dirty="0" err="1"/>
+                <a:t>OpenEx</a:t>
+              </a:r>
+              <a:r>
+                <a:rPr lang="en-US" sz="1400" dirty="0"/>
+                <a:t> software for electrophysiology</a:t>
+              </a:r>
+              <a:endParaRPr lang="en-CA" sz="1400" dirty="0"/>
+            </a:p>
+            <a:p>
+              <a:pPr marL="122238" indent="-122238">
+                <a:buFont typeface="Arial" panose="020B0604020202020204" pitchFamily="34" charset="0"/>
+                <a:buChar char="•"/>
+              </a:pPr>
               <a:endParaRPr lang="en-CA" sz="1400" dirty="0"/>
             </a:p>
           </p:txBody>
@@ -4977,7 +4973,6 @@
                   <a:rPr lang="en-US" sz="1400" dirty="0" smtClean="0"/>
                   <a:t> Software</a:t>
                 </a:r>
-                <a:endParaRPr lang="en-US" sz="1400" dirty="0" smtClean="0"/>
               </a:p>
               <a:p>
                 <a:pPr algn="ctr"/>
@@ -5321,96 +5316,13 @@
         </p:grpSp>
         <p:sp>
           <p:nvSpPr>
-            <p:cNvPr id="59" name="Rectangle 58"/>
-            <p:cNvSpPr/>
-            <p:nvPr/>
-          </p:nvSpPr>
-          <p:spPr>
-            <a:xfrm>
-              <a:off x="2641860" y="4005423"/>
-              <a:ext cx="2530504" cy="1005302"/>
-            </a:xfrm>
-            <a:prstGeom prst="rect">
-              <a:avLst/>
-            </a:prstGeom>
-          </p:spPr>
-          <p:style>
-            <a:lnRef idx="2">
-              <a:schemeClr val="dk1"/>
-            </a:lnRef>
-            <a:fillRef idx="1">
-              <a:schemeClr val="lt1"/>
-            </a:fillRef>
-            <a:effectRef idx="0">
-              <a:schemeClr val="dk1"/>
-            </a:effectRef>
-            <a:fontRef idx="minor">
-              <a:schemeClr val="dk1"/>
-            </a:fontRef>
-          </p:style>
-          <p:txBody>
-            <a:bodyPr rtlCol="0" anchor="ctr"/>
-            <a:lstStyle/>
-            <a:p>
-              <a:pPr algn="ctr"/>
-              <a:r>
-                <a:rPr lang="en-US" sz="1400" dirty="0" smtClean="0"/>
-                <a:t>Psychophysics Experiment Configuration</a:t>
-              </a:r>
-            </a:p>
-            <a:p>
-              <a:pPr algn="ctr"/>
-              <a:r>
-                <a:rPr lang="en-US" sz="1400" dirty="0" err="1" smtClean="0">
-                  <a:latin typeface="Courier New" panose="02070309020205020404" pitchFamily="49" charset="0"/>
-                  <a:cs typeface="Courier New" panose="02070309020205020404" pitchFamily="49" charset="0"/>
-                </a:rPr>
-                <a:t>ep_PsychConfig</a:t>
-              </a:r>
-              <a:endParaRPr lang="en-US" sz="1400" dirty="0" smtClean="0">
-                <a:latin typeface="Courier New" panose="02070309020205020404" pitchFamily="49" charset="0"/>
-                <a:cs typeface="Courier New" panose="02070309020205020404" pitchFamily="49" charset="0"/>
-              </a:endParaRPr>
-            </a:p>
-            <a:p>
-              <a:pPr algn="ctr"/>
-              <a:r>
-                <a:rPr lang="en-US" sz="1400" dirty="0" smtClean="0">
-                  <a:latin typeface="Courier New" panose="02070309020205020404" pitchFamily="49" charset="0"/>
-                  <a:cs typeface="Courier New" panose="02070309020205020404" pitchFamily="49" charset="0"/>
-                </a:rPr>
-                <a:t>(*.</a:t>
-              </a:r>
-              <a:r>
-                <a:rPr lang="en-US" sz="1400" dirty="0" err="1" smtClean="0">
-                  <a:latin typeface="Courier New" panose="02070309020205020404" pitchFamily="49" charset="0"/>
-                  <a:cs typeface="Courier New" panose="02070309020205020404" pitchFamily="49" charset="0"/>
-                </a:rPr>
-                <a:t>config</a:t>
-              </a:r>
-              <a:r>
-                <a:rPr lang="en-US" sz="1400" dirty="0" smtClean="0">
-                  <a:latin typeface="Courier New" panose="02070309020205020404" pitchFamily="49" charset="0"/>
-                  <a:cs typeface="Courier New" panose="02070309020205020404" pitchFamily="49" charset="0"/>
-                </a:rPr>
-                <a:t>)</a:t>
-              </a:r>
-              <a:endParaRPr lang="en-CA" sz="1400" dirty="0">
-                <a:latin typeface="Courier New" panose="02070309020205020404" pitchFamily="49" charset="0"/>
-                <a:cs typeface="Courier New" panose="02070309020205020404" pitchFamily="49" charset="0"/>
-              </a:endParaRPr>
-            </a:p>
-          </p:txBody>
-        </p:sp>
-        <p:sp>
-          <p:nvSpPr>
             <p:cNvPr id="60" name="Rectangle 59"/>
             <p:cNvSpPr/>
             <p:nvPr/>
           </p:nvSpPr>
           <p:spPr>
             <a:xfrm>
-              <a:off x="2651096" y="5640260"/>
+              <a:off x="2639141" y="4062651"/>
               <a:ext cx="2530504" cy="1005302"/>
             </a:xfrm>
             <a:prstGeom prst="rect">
@@ -5455,90 +5367,33 @@
                 <a:cs typeface="Courier New" panose="02070309020205020404" pitchFamily="49" charset="0"/>
               </a:endParaRPr>
             </a:p>
-          </p:txBody>
-        </p:sp>
-        <p:sp>
-          <p:nvSpPr>
-            <p:cNvPr id="50" name="Down Arrow 49"/>
-            <p:cNvSpPr/>
-            <p:nvPr/>
-          </p:nvSpPr>
-          <p:spPr>
-            <a:xfrm>
-              <a:off x="3742654" y="5105400"/>
-              <a:ext cx="328916" cy="457200"/>
-            </a:xfrm>
-            <a:prstGeom prst="downArrow">
-              <a:avLst/>
-            </a:prstGeom>
-            <a:ln w="12700"/>
-          </p:spPr>
-          <p:style>
-            <a:lnRef idx="1">
-              <a:schemeClr val="accent5"/>
-            </a:lnRef>
-            <a:fillRef idx="2">
-              <a:schemeClr val="accent5"/>
-            </a:fillRef>
-            <a:effectRef idx="1">
-              <a:schemeClr val="accent5"/>
-            </a:effectRef>
-            <a:fontRef idx="minor">
-              <a:schemeClr val="dk1"/>
-            </a:fontRef>
-          </p:style>
-          <p:txBody>
-            <a:bodyPr rtlCol="0" anchor="ctr"/>
-            <a:lstStyle/>
             <a:p>
               <a:pPr algn="ctr"/>
-              <a:endParaRPr lang="en-CA"/>
-            </a:p>
-          </p:txBody>
-        </p:sp>
-        <p:sp>
-          <p:nvSpPr>
-            <p:cNvPr id="25" name="TextBox 24"/>
-            <p:cNvSpPr txBox="1"/>
-            <p:nvPr/>
-          </p:nvSpPr>
-          <p:spPr>
-            <a:xfrm>
-              <a:off x="5181600" y="5562600"/>
-              <a:ext cx="3962400" cy="523220"/>
-            </a:xfrm>
-            <a:prstGeom prst="rect">
-              <a:avLst/>
-            </a:prstGeom>
-            <a:noFill/>
-          </p:spPr>
-          <p:txBody>
-            <a:bodyPr wrap="square" rIns="0" rtlCol="0">
-              <a:spAutoFit/>
-            </a:bodyPr>
-            <a:lstStyle/>
-            <a:p>
-              <a:pPr marL="122238" indent="-122238">
-                <a:buFont typeface="Arial" panose="020B0604020202020204" pitchFamily="34" charset="0"/>
-                <a:buChar char="•"/>
-              </a:pPr>
               <a:r>
-                <a:rPr lang="en-US" sz="1400" dirty="0" smtClean="0"/>
-                <a:t>Runs Behavioral experiment </a:t>
+                <a:rPr lang="en-US" sz="1400" dirty="0">
+                  <a:latin typeface="Courier New" panose="02070309020205020404" pitchFamily="49" charset="0"/>
+                  <a:cs typeface="Courier New" panose="02070309020205020404" pitchFamily="49" charset="0"/>
+                </a:rPr>
+                <a:t>(*.</a:t>
               </a:r>
               <a:r>
-                <a:rPr lang="en-US" sz="1400" dirty="0" smtClean="0"/>
-                <a:t>with or without TDT </a:t>
+                <a:rPr lang="en-US" sz="1400" dirty="0" err="1">
+                  <a:latin typeface="Courier New" panose="02070309020205020404" pitchFamily="49" charset="0"/>
+                  <a:cs typeface="Courier New" panose="02070309020205020404" pitchFamily="49" charset="0"/>
+                </a:rPr>
+                <a:t>config</a:t>
               </a:r>
               <a:r>
-                <a:rPr lang="en-US" sz="1400" dirty="0" err="1" smtClean="0"/>
-                <a:t>OpenEx</a:t>
+                <a:rPr lang="en-US" sz="1400" dirty="0" smtClean="0">
+                  <a:latin typeface="Courier New" panose="02070309020205020404" pitchFamily="49" charset="0"/>
+                  <a:cs typeface="Courier New" panose="02070309020205020404" pitchFamily="49" charset="0"/>
+                </a:rPr>
+                <a:t>)</a:t>
               </a:r>
-              <a:r>
-                <a:rPr lang="en-US" sz="1400" dirty="0" smtClean="0"/>
-                <a:t> software for electrophysiology</a:t>
-              </a:r>
-              <a:endParaRPr lang="en-CA" sz="1400" dirty="0"/>
+              <a:endParaRPr lang="en-CA" sz="1400" dirty="0">
+                <a:latin typeface="Courier New" panose="02070309020205020404" pitchFamily="49" charset="0"/>
+                <a:cs typeface="Courier New" panose="02070309020205020404" pitchFamily="49" charset="0"/>
+              </a:endParaRPr>
             </a:p>
           </p:txBody>
         </p:sp>
@@ -5588,7 +5443,7 @@
                   <a:latin typeface="Courier New" panose="02070309020205020404" pitchFamily="49" charset="0"/>
                   <a:cs typeface="Courier New" panose="02070309020205020404" pitchFamily="49" charset="0"/>
                 </a:rPr>
-                <a:t>ep_BitMasker</a:t>
+                <a:t>ep_DisplayPrefs</a:t>
               </a:r>
               <a:endParaRPr lang="en-US" sz="1400" dirty="0" smtClean="0">
                 <a:latin typeface="Courier New" panose="02070309020205020404" pitchFamily="49" charset="0"/>
@@ -5602,7 +5457,21 @@
                   <a:latin typeface="Courier New" panose="02070309020205020404" pitchFamily="49" charset="0"/>
                   <a:cs typeface="Courier New" panose="02070309020205020404" pitchFamily="49" charset="0"/>
                 </a:rPr>
-                <a:t>(*.bitmask)</a:t>
+                <a:t>(*.</a:t>
+              </a:r>
+              <a:r>
+                <a:rPr lang="en-US" sz="1400" dirty="0" err="1" smtClean="0">
+                  <a:latin typeface="Courier New" panose="02070309020205020404" pitchFamily="49" charset="0"/>
+                  <a:cs typeface="Courier New" panose="02070309020205020404" pitchFamily="49" charset="0"/>
+                </a:rPr>
+                <a:t>epdp</a:t>
+              </a:r>
+              <a:r>
+                <a:rPr lang="en-US" sz="1400" dirty="0" smtClean="0">
+                  <a:latin typeface="Courier New" panose="02070309020205020404" pitchFamily="49" charset="0"/>
+                  <a:cs typeface="Courier New" panose="02070309020205020404" pitchFamily="49" charset="0"/>
+                </a:rPr>
+                <a:t>)</a:t>
               </a:r>
               <a:endParaRPr lang="en-US" sz="1400" dirty="0" smtClean="0">
                 <a:latin typeface="Courier New" panose="02070309020205020404" pitchFamily="49" charset="0"/>
@@ -6012,7 +5881,7 @@
   <a:extraClrSchemeLst/>
   <a:extLst>
     <a:ext uri="{05A4C25C-085E-4340-85A3-A5531E510DB2}">
-      <thm15:themeFamily xmlns:thm15="http://schemas.microsoft.com/office/thememl/2012/main" name="Office Theme" id="{62F939B6-93AF-4DB8-9C6B-D6C7DFDC589F}" vid="{4A3C46E8-61CC-4603-A589-7422A47A8E4A}"/>
+      <thm15:themeFamily xmlns:thm15="http://schemas.microsoft.com/office/thememl/2012/main" xmlns="" name="Office Theme" id="{62F939B6-93AF-4DB8-9C6B-D6C7DFDC589F}" vid="{4A3C46E8-61CC-4603-A589-7422A47A8E4A}"/>
     </a:ext>
   </a:extLst>
 </a:theme>
@@ -6273,7 +6142,7 @@
   <a:extraClrSchemeLst/>
   <a:extLst>
     <a:ext uri="{05A4C25C-085E-4340-85A3-A5531E510DB2}">
-      <thm15:themeFamily xmlns:thm15="http://schemas.microsoft.com/office/thememl/2012/main" name="Office Theme" id="{62F939B6-93AF-4DB8-9C6B-D6C7DFDC589F}" vid="{4A3C46E8-61CC-4603-A589-7422A47A8E4A}"/>
+      <thm15:themeFamily xmlns:thm15="http://schemas.microsoft.com/office/thememl/2012/main" xmlns="" name="Office Theme" id="{62F939B6-93AF-4DB8-9C6B-D6C7DFDC589F}" vid="{4A3C46E8-61CC-4603-A589-7422A47A8E4A}"/>
     </a:ext>
   </a:extLst>
 </a:theme>
